--- a/SSIM-Intermediate.pptx
+++ b/SSIM-Intermediate.pptx
@@ -5,7 +5,7 @@
     <p:sldMasterId id="2147483648" r:id="rId1"/>
   </p:sldMasterIdLst>
   <p:notesMasterIdLst>
-    <p:notesMasterId r:id="rId17"/>
+    <p:notesMasterId r:id="rId18"/>
   </p:notesMasterIdLst>
   <p:sldIdLst>
     <p:sldId id="256" r:id="rId2"/>
@@ -13,16 +13,17 @@
     <p:sldId id="289" r:id="rId4"/>
     <p:sldId id="270" r:id="rId5"/>
     <p:sldId id="271" r:id="rId6"/>
-    <p:sldId id="291" r:id="rId7"/>
-    <p:sldId id="290" r:id="rId8"/>
-    <p:sldId id="292" r:id="rId9"/>
-    <p:sldId id="293" r:id="rId10"/>
-    <p:sldId id="260" r:id="rId11"/>
-    <p:sldId id="294" r:id="rId12"/>
-    <p:sldId id="261" r:id="rId13"/>
-    <p:sldId id="295" r:id="rId14"/>
-    <p:sldId id="296" r:id="rId15"/>
-    <p:sldId id="297" r:id="rId16"/>
+    <p:sldId id="290" r:id="rId7"/>
+    <p:sldId id="298" r:id="rId8"/>
+    <p:sldId id="299" r:id="rId9"/>
+    <p:sldId id="300" r:id="rId10"/>
+    <p:sldId id="301" r:id="rId11"/>
+    <p:sldId id="260" r:id="rId12"/>
+    <p:sldId id="294" r:id="rId13"/>
+    <p:sldId id="261" r:id="rId14"/>
+    <p:sldId id="295" r:id="rId15"/>
+    <p:sldId id="296" r:id="rId16"/>
+    <p:sldId id="297" r:id="rId17"/>
   </p:sldIdLst>
   <p:sldSz cx="9144000" cy="6858000" type="screen4x3"/>
   <p:notesSz cx="6858000" cy="9144000"/>
@@ -3662,8 +3663,8 @@
         </p:nvSpPr>
         <p:spPr bwMode="auto">
           <a:xfrm>
-            <a:off x="396256" y="880701"/>
-            <a:ext cx="2436564" cy="492443"/>
+            <a:off x="385763" y="880701"/>
+            <a:ext cx="4966103" cy="492443"/>
           </a:xfrm>
           <a:prstGeom prst="rect">
             <a:avLst/>
@@ -3699,7 +3700,7 @@
           <a:lstStyle/>
           <a:p>
             <a:r>
-              <a:rPr lang="en-US" sz="3200" b="1" dirty="0" smtClean="0">
+              <a:rPr lang="en-US" sz="3200" b="1" dirty="0">
                 <a:solidFill>
                   <a:srgbClr val="3B8DCD"/>
                 </a:solidFill>
@@ -3708,7 +3709,7 @@
                 <a:cs typeface="Helvetica Neue" charset="0"/>
                 <a:sym typeface="Helvetica Neue" charset="0"/>
               </a:rPr>
-              <a:t>The Process</a:t>
+              <a:t>Problem Characterization</a:t>
             </a:r>
             <a:endParaRPr lang="en-US" sz="3200" b="1" dirty="0">
               <a:solidFill>
@@ -3724,67 +3725,7 @@
       </p:sp>
       <p:sp>
         <p:nvSpPr>
-          <p:cNvPr id="19" name="Rectangle 6"/>
-          <p:cNvSpPr>
-            <a:spLocks/>
-          </p:cNvSpPr>
-          <p:nvPr/>
-        </p:nvSpPr>
-        <p:spPr bwMode="auto">
-          <a:xfrm>
-            <a:off x="1112128" y="1772816"/>
-            <a:ext cx="7333946" cy="2880320"/>
-          </a:xfrm>
-          <a:prstGeom prst="rect">
-            <a:avLst/>
-          </a:prstGeom>
-          <a:noFill/>
-          <a:ln>
-            <a:noFill/>
-          </a:ln>
-          <a:extLst>
-            <a:ext uri="{909E8E84-426E-40DD-AFC4-6F175D3DCCD1}">
-              <a14:hiddenFill xmlns:a14="http://schemas.microsoft.com/office/drawing/2010/main">
-                <a:solidFill>
-                  <a:srgbClr val="FFFFFF"/>
-                </a:solidFill>
-              </a14:hiddenFill>
-            </a:ext>
-            <a:ext uri="{91240B29-F687-4F45-9708-019B960494DF}">
-              <a14:hiddenLine xmlns:a14="http://schemas.microsoft.com/office/drawing/2010/main" w="12700" cap="flat">
-                <a:solidFill>
-                  <a:schemeClr val="tx1"/>
-                </a:solidFill>
-                <a:miter lim="800000"/>
-                <a:headEnd type="none" w="med" len="med"/>
-                <a:tailEnd type="none" w="med" len="med"/>
-              </a14:hiddenLine>
-            </a:ext>
-          </a:extLst>
-        </p:spPr>
-        <p:txBody>
-          <a:bodyPr lIns="0" tIns="0" rIns="0" bIns="0" anchor="ctr"/>
-          <a:lstStyle/>
-          <a:p>
-            <a:pPr indent="-342900">
-              <a:buFont typeface="Arial" pitchFamily="34" charset="0"/>
-              <a:buChar char="•"/>
-            </a:pPr>
-            <a:endParaRPr lang="en-US" sz="2000" dirty="0">
-              <a:solidFill>
-                <a:srgbClr val="666666"/>
-              </a:solidFill>
-              <a:latin typeface="Helvetica Neue" charset="0"/>
-              <a:ea typeface="Helvetica Neue" charset="0"/>
-              <a:cs typeface="Helvetica Neue" charset="0"/>
-              <a:sym typeface="Helvetica Neue" charset="0"/>
-            </a:endParaRPr>
-          </a:p>
-        </p:txBody>
-      </p:sp>
-      <p:sp>
-        <p:nvSpPr>
-          <p:cNvPr id="39" name="AutoShape 7"/>
+          <p:cNvPr id="40" name="AutoShape 7"/>
           <p:cNvSpPr>
             <a:spLocks/>
           </p:cNvSpPr>
@@ -3823,7 +3764,7 @@
       </p:sp>
       <p:sp>
         <p:nvSpPr>
-          <p:cNvPr id="40" name="AutoShape 8"/>
+          <p:cNvPr id="41" name="AutoShape 8"/>
           <p:cNvSpPr>
             <a:spLocks/>
           </p:cNvSpPr>
@@ -3862,7 +3803,7 @@
       </p:sp>
       <p:sp>
         <p:nvSpPr>
-          <p:cNvPr id="41" name="AutoShape 7"/>
+          <p:cNvPr id="42" name="AutoShape 7"/>
           <p:cNvSpPr>
             <a:spLocks/>
           </p:cNvSpPr>
@@ -3901,7 +3842,7 @@
       </p:sp>
       <p:sp>
         <p:nvSpPr>
-          <p:cNvPr id="43" name="Rectangle 10"/>
+          <p:cNvPr id="44" name="Rectangle 10"/>
           <p:cNvSpPr>
             <a:spLocks/>
           </p:cNvSpPr>
@@ -3953,21 +3894,14 @@
                 <a:ea typeface="Gill Sans" charset="0"/>
                 <a:cs typeface="Gill Sans" charset="0"/>
               </a:rPr>
-              <a:t>9</a:t>
-            </a:r>
-            <a:endParaRPr lang="en-US" dirty="0" smtClean="0">
-              <a:solidFill>
-                <a:srgbClr val="656565"/>
-              </a:solidFill>
-              <a:ea typeface="Gill Sans" charset="0"/>
-              <a:cs typeface="Gill Sans" charset="0"/>
-            </a:endParaRPr>
-          </a:p>
-        </p:txBody>
-      </p:sp>
-      <p:sp>
-        <p:nvSpPr>
-          <p:cNvPr id="55" name="AutoShape 8"/>
+              <a:t>6</a:t>
+            </a:r>
+          </a:p>
+        </p:txBody>
+      </p:sp>
+      <p:sp>
+        <p:nvSpPr>
+          <p:cNvPr id="57" name="AutoShape 8"/>
           <p:cNvSpPr>
             <a:spLocks/>
           </p:cNvSpPr>
@@ -3976,7 +3910,7 @@
         <p:spPr bwMode="auto">
           <a:xfrm>
             <a:off x="392908" y="6524625"/>
-            <a:ext cx="4179092" cy="152400"/>
+            <a:ext cx="2666924" cy="152400"/>
           </a:xfrm>
           <a:prstGeom prst="roundRect">
             <a:avLst>
@@ -4004,59 +3938,18 @@
           </a:p>
         </p:txBody>
       </p:sp>
-      <p:pic>
-        <p:nvPicPr>
-          <p:cNvPr id="1026" name="Picture 2" descr="C:\Users\ZePedro\Dropbox\mieic\5-ano\1-semestre\ECAC\DMMarket\Negotiation Process.png"/>
-          <p:cNvPicPr>
-            <a:picLocks noChangeAspect="1" noChangeArrowheads="1"/>
-          </p:cNvPicPr>
-          <p:nvPr/>
-        </p:nvPicPr>
-        <p:blipFill>
-          <a:blip r:embed="rId2">
-            <a:extLst>
-              <a:ext uri="{28A0092B-C50C-407E-A947-70E740481C1C}">
-                <a14:useLocalDpi xmlns:a14="http://schemas.microsoft.com/office/drawing/2010/main" val="0"/>
-              </a:ext>
-            </a:extLst>
-          </a:blip>
-          <a:srcRect/>
-          <a:stretch>
-            <a:fillRect/>
-          </a:stretch>
-        </p:blipFill>
-        <p:spPr bwMode="auto">
-          <a:xfrm>
-            <a:off x="1793679" y="1353942"/>
-            <a:ext cx="7081180" cy="4732053"/>
-          </a:xfrm>
-          <a:prstGeom prst="rect">
-            <a:avLst/>
-          </a:prstGeom>
-          <a:noFill/>
-          <a:extLst>
-            <a:ext uri="{909E8E84-426E-40DD-AFC4-6F175D3DCCD1}">
-              <a14:hiddenFill xmlns:a14="http://schemas.microsoft.com/office/drawing/2010/main">
-                <a:solidFill>
-                  <a:srgbClr val="FFFFFF"/>
-                </a:solidFill>
-              </a14:hiddenFill>
-            </a:ext>
-          </a:extLst>
-        </p:spPr>
-      </p:pic>
-      <p:sp>
-        <p:nvSpPr>
-          <p:cNvPr id="22" name="Rectangle 9"/>
-          <p:cNvSpPr>
-            <a:spLocks/>
-          </p:cNvSpPr>
-          <p:nvPr/>
-        </p:nvSpPr>
-        <p:spPr bwMode="auto">
-          <a:xfrm>
-            <a:off x="755576" y="6303992"/>
-            <a:ext cx="792088" cy="153888"/>
+      <p:sp>
+        <p:nvSpPr>
+          <p:cNvPr id="25" name="Rectangle 6"/>
+          <p:cNvSpPr>
+            <a:spLocks/>
+          </p:cNvSpPr>
+          <p:nvPr/>
+        </p:nvSpPr>
+        <p:spPr bwMode="auto">
+          <a:xfrm>
+            <a:off x="933505" y="1772816"/>
+            <a:ext cx="7333946" cy="3240360"/>
           </a:xfrm>
           <a:prstGeom prst="rect">
             <a:avLst/>
@@ -4086,6 +3979,255 @@
           </a:extLst>
         </p:spPr>
         <p:txBody>
+          <a:bodyPr lIns="0" tIns="0" rIns="0" bIns="0" anchor="ctr"/>
+          <a:lstStyle/>
+          <a:p>
+            <a:pPr marL="457200" indent="-457200">
+              <a:spcBef>
+                <a:spcPts val="600"/>
+              </a:spcBef>
+              <a:spcAft>
+                <a:spcPts val="600"/>
+              </a:spcAft>
+              <a:buFont typeface="Arial" pitchFamily="34" charset="0"/>
+              <a:buChar char="•"/>
+            </a:pPr>
+            <a:r>
+              <a:rPr lang="en-US" sz="2800" dirty="0">
+                <a:solidFill>
+                  <a:schemeClr val="bg1">
+                    <a:lumMod val="95000"/>
+                  </a:schemeClr>
+                </a:solidFill>
+                <a:latin typeface="Helvetica Neue" charset="0"/>
+                <a:ea typeface="Helvetica Neue" charset="0"/>
+                <a:cs typeface="Helvetica Neue" charset="0"/>
+              </a:rPr>
+              <a:t>Number of examples in the dataset </a:t>
+            </a:r>
+          </a:p>
+          <a:p>
+            <a:pPr marL="457200" indent="-457200">
+              <a:spcBef>
+                <a:spcPts val="600"/>
+              </a:spcBef>
+              <a:spcAft>
+                <a:spcPts val="600"/>
+              </a:spcAft>
+              <a:buFont typeface="Arial" pitchFamily="34" charset="0"/>
+              <a:buChar char="•"/>
+            </a:pPr>
+            <a:r>
+              <a:rPr lang="en-US" sz="2800" dirty="0">
+                <a:solidFill>
+                  <a:schemeClr val="bg1">
+                    <a:lumMod val="95000"/>
+                  </a:schemeClr>
+                </a:solidFill>
+                <a:latin typeface="Helvetica Neue" charset="0"/>
+                <a:ea typeface="Helvetica Neue" charset="0"/>
+                <a:cs typeface="Helvetica Neue" charset="0"/>
+              </a:rPr>
+              <a:t>Proportion of symbolic attributes</a:t>
+            </a:r>
+          </a:p>
+          <a:p>
+            <a:pPr marL="457200" indent="-457200">
+              <a:spcBef>
+                <a:spcPts val="600"/>
+              </a:spcBef>
+              <a:spcAft>
+                <a:spcPts val="600"/>
+              </a:spcAft>
+              <a:buFont typeface="Arial" pitchFamily="34" charset="0"/>
+              <a:buChar char="•"/>
+            </a:pPr>
+            <a:r>
+              <a:rPr lang="en-US" sz="2800" dirty="0">
+                <a:solidFill>
+                  <a:schemeClr val="bg1">
+                    <a:lumMod val="95000"/>
+                  </a:schemeClr>
+                </a:solidFill>
+                <a:latin typeface="Helvetica Neue" charset="0"/>
+                <a:ea typeface="Helvetica Neue" charset="0"/>
+                <a:cs typeface="Helvetica Neue" charset="0"/>
+              </a:rPr>
+              <a:t>Proportion </a:t>
+            </a:r>
+            <a:r>
+              <a:rPr lang="en-US" sz="2800" dirty="0">
+                <a:solidFill>
+                  <a:schemeClr val="bg1">
+                    <a:lumMod val="95000"/>
+                  </a:schemeClr>
+                </a:solidFill>
+                <a:latin typeface="Helvetica Neue" charset="0"/>
+                <a:ea typeface="Helvetica Neue" charset="0"/>
+                <a:cs typeface="Helvetica Neue" charset="0"/>
+              </a:rPr>
+              <a:t>of </a:t>
+            </a:r>
+            <a:r>
+              <a:rPr lang="en-US" sz="2800" dirty="0">
+                <a:solidFill>
+                  <a:schemeClr val="bg1">
+                    <a:lumMod val="95000"/>
+                  </a:schemeClr>
+                </a:solidFill>
+                <a:latin typeface="Helvetica Neue" charset="0"/>
+                <a:ea typeface="Helvetica Neue" charset="0"/>
+                <a:cs typeface="Helvetica Neue" charset="0"/>
+              </a:rPr>
+              <a:t>attributes with outliers</a:t>
+            </a:r>
+          </a:p>
+          <a:p>
+            <a:pPr marL="457200" indent="-457200">
+              <a:spcBef>
+                <a:spcPts val="600"/>
+              </a:spcBef>
+              <a:spcAft>
+                <a:spcPts val="600"/>
+              </a:spcAft>
+              <a:buFont typeface="Arial" pitchFamily="34" charset="0"/>
+              <a:buChar char="•"/>
+            </a:pPr>
+            <a:r>
+              <a:rPr lang="en-US" sz="2800" dirty="0" smtClean="0">
+                <a:solidFill>
+                  <a:srgbClr val="666666"/>
+                </a:solidFill>
+                <a:latin typeface="Helvetica Neue" charset="0"/>
+                <a:ea typeface="Helvetica Neue" charset="0"/>
+                <a:cs typeface="Helvetica Neue" charset="0"/>
+                <a:sym typeface="Helvetica Neue" charset="0"/>
+              </a:rPr>
+              <a:t>Entropy of classes</a:t>
+            </a:r>
+          </a:p>
+          <a:p>
+            <a:pPr>
+              <a:spcBef>
+                <a:spcPts val="600"/>
+              </a:spcBef>
+              <a:spcAft>
+                <a:spcPts val="600"/>
+              </a:spcAft>
+            </a:pPr>
+            <a:r>
+              <a:rPr lang="en-US" sz="2200" dirty="0" smtClean="0">
+                <a:solidFill>
+                  <a:srgbClr val="666666"/>
+                </a:solidFill>
+                <a:latin typeface="Helvetica Neue" charset="0"/>
+                <a:ea typeface="Helvetica Neue" charset="0"/>
+                <a:cs typeface="Helvetica Neue" charset="0"/>
+                <a:sym typeface="Helvetica Neue" charset="0"/>
+              </a:rPr>
+              <a:t>Combines </a:t>
+            </a:r>
+            <a:r>
+              <a:rPr lang="en-US" sz="2200" dirty="0">
+                <a:solidFill>
+                  <a:srgbClr val="666666"/>
+                </a:solidFill>
+                <a:latin typeface="Helvetica Neue" charset="0"/>
+                <a:ea typeface="Helvetica Neue" charset="0"/>
+                <a:cs typeface="Helvetica Neue" charset="0"/>
+                <a:sym typeface="Helvetica Neue" charset="0"/>
+              </a:rPr>
+              <a:t>information about the number of </a:t>
+            </a:r>
+            <a:r>
+              <a:rPr lang="en-US" sz="2200" dirty="0" smtClean="0">
+                <a:solidFill>
+                  <a:srgbClr val="666666"/>
+                </a:solidFill>
+                <a:latin typeface="Helvetica Neue" charset="0"/>
+                <a:ea typeface="Helvetica Neue" charset="0"/>
+                <a:cs typeface="Helvetica Neue" charset="0"/>
+                <a:sym typeface="Helvetica Neue" charset="0"/>
+              </a:rPr>
+              <a:t>classes and </a:t>
+            </a:r>
+            <a:r>
+              <a:rPr lang="en-US" sz="2200" dirty="0">
+                <a:solidFill>
+                  <a:srgbClr val="666666"/>
+                </a:solidFill>
+                <a:latin typeface="Helvetica Neue" charset="0"/>
+                <a:ea typeface="Helvetica Neue" charset="0"/>
+                <a:cs typeface="Helvetica Neue" charset="0"/>
+                <a:sym typeface="Helvetica Neue" charset="0"/>
+              </a:rPr>
+              <a:t>their frequency, measuring one aspect of problem </a:t>
+            </a:r>
+            <a:r>
+              <a:rPr lang="en-US" sz="2200" dirty="0" smtClean="0">
+                <a:solidFill>
+                  <a:srgbClr val="666666"/>
+                </a:solidFill>
+                <a:latin typeface="Helvetica Neue" charset="0"/>
+                <a:ea typeface="Helvetica Neue" charset="0"/>
+                <a:cs typeface="Helvetica Neue" charset="0"/>
+                <a:sym typeface="Helvetica Neue" charset="0"/>
+              </a:rPr>
+              <a:t>difﬁculty</a:t>
+            </a:r>
+            <a:endParaRPr lang="en-US" sz="2200" dirty="0">
+              <a:solidFill>
+                <a:srgbClr val="666666"/>
+              </a:solidFill>
+              <a:latin typeface="Helvetica Neue" charset="0"/>
+              <a:ea typeface="Helvetica Neue" charset="0"/>
+              <a:cs typeface="Helvetica Neue" charset="0"/>
+              <a:sym typeface="Helvetica Neue" charset="0"/>
+            </a:endParaRPr>
+          </a:p>
+        </p:txBody>
+      </p:sp>
+      <p:sp>
+        <p:nvSpPr>
+          <p:cNvPr id="21" name="Rectangle 9"/>
+          <p:cNvSpPr>
+            <a:spLocks/>
+          </p:cNvSpPr>
+          <p:nvPr/>
+        </p:nvSpPr>
+        <p:spPr bwMode="auto">
+          <a:xfrm>
+            <a:off x="755576" y="6303992"/>
+            <a:ext cx="792088" cy="153888"/>
+          </a:xfrm>
+          <a:prstGeom prst="rect">
+            <a:avLst/>
+          </a:prstGeom>
+          <a:noFill/>
+          <a:ln>
+            <a:noFill/>
+          </a:ln>
+          <a:extLst>
+            <a:ext uri="{909E8E84-426E-40DD-AFC4-6F175D3DCCD1}">
+              <a14:hiddenFill xmlns:a14="http://schemas.microsoft.com/office/drawing/2010/main">
+                <a:solidFill>
+                  <a:srgbClr val="FFFFFF"/>
+                </a:solidFill>
+              </a14:hiddenFill>
+            </a:ext>
+            <a:ext uri="{91240B29-F687-4F45-9708-019B960494DF}">
+              <a14:hiddenLine xmlns:a14="http://schemas.microsoft.com/office/drawing/2010/main" w="12700" cap="flat">
+                <a:solidFill>
+                  <a:schemeClr val="tx1"/>
+                </a:solidFill>
+                <a:miter lim="800000"/>
+                <a:headEnd type="none" w="med" len="med"/>
+                <a:tailEnd type="none" w="med" len="med"/>
+              </a14:hiddenLine>
+            </a:ext>
+          </a:extLst>
+        </p:spPr>
+        <p:txBody>
           <a:bodyPr wrap="square" lIns="0" tIns="0" rIns="0" bIns="0" anchor="ctr">
             <a:spAutoFit/>
           </a:bodyPr>
@@ -4106,7 +4248,7 @@
       </p:sp>
       <p:sp>
         <p:nvSpPr>
-          <p:cNvPr id="23" name="Rectangle 12"/>
+          <p:cNvPr id="22" name="Rectangle 12"/>
           <p:cNvSpPr>
             <a:spLocks/>
           </p:cNvSpPr>
@@ -4172,7 +4314,7 @@
       </p:sp>
       <p:sp>
         <p:nvSpPr>
-          <p:cNvPr id="24" name="Rectangle 14"/>
+          <p:cNvPr id="23" name="Rectangle 14"/>
           <p:cNvSpPr>
             <a:spLocks/>
           </p:cNvSpPr>
@@ -4231,7 +4373,7 @@
       </p:sp>
       <p:sp>
         <p:nvSpPr>
-          <p:cNvPr id="25" name="Rectangle 17"/>
+          <p:cNvPr id="24" name="Rectangle 17"/>
           <p:cNvSpPr>
             <a:spLocks/>
           </p:cNvSpPr>
@@ -4597,10 +4739,49 @@
           </a:p>
         </p:txBody>
       </p:sp>
+      <p:sp>
+        <p:nvSpPr>
+          <p:cNvPr id="18" name="AutoShape 8"/>
+          <p:cNvSpPr>
+            <a:spLocks/>
+          </p:cNvSpPr>
+          <p:nvPr/>
+        </p:nvSpPr>
+        <p:spPr bwMode="auto">
+          <a:xfrm>
+            <a:off x="392907" y="6525344"/>
+            <a:ext cx="3561480" cy="152400"/>
+          </a:xfrm>
+          <a:prstGeom prst="roundRect">
+            <a:avLst>
+              <a:gd name="adj" fmla="val 50000"/>
+            </a:avLst>
+          </a:prstGeom>
+          <a:solidFill>
+            <a:srgbClr val="7AA8DA"/>
+          </a:solidFill>
+          <a:ln w="25400" cap="flat">
+            <a:solidFill>
+              <a:srgbClr val="B0B0B0"/>
+            </a:solidFill>
+            <a:prstDash val="solid"/>
+            <a:miter lim="800000"/>
+            <a:headEnd type="none" w="med" len="med"/>
+            <a:tailEnd type="none" w="med" len="med"/>
+          </a:ln>
+        </p:spPr>
+        <p:txBody>
+          <a:bodyPr lIns="0" tIns="0" rIns="0" bIns="0"/>
+          <a:lstStyle/>
+          <a:p>
+            <a:endParaRPr lang="pt-PT"/>
+          </a:p>
+        </p:txBody>
+      </p:sp>
     </p:spTree>
     <p:extLst>
       <p:ext uri="{BB962C8B-B14F-4D97-AF65-F5344CB8AC3E}">
-        <p14:creationId xmlns:p14="http://schemas.microsoft.com/office/powerpoint/2010/main" val="2518775925"/>
+        <p14:creationId xmlns:p14="http://schemas.microsoft.com/office/powerpoint/2010/main" val="3333909181"/>
       </p:ext>
     </p:extLst>
   </p:cSld>
@@ -4652,8 +4833,8 @@
         </p:nvSpPr>
         <p:spPr bwMode="auto">
           <a:xfrm>
-            <a:off x="385763" y="880701"/>
-            <a:ext cx="4934043" cy="492443"/>
+            <a:off x="396256" y="880701"/>
+            <a:ext cx="2436564" cy="492443"/>
           </a:xfrm>
           <a:prstGeom prst="rect">
             <a:avLst/>
@@ -4698,7 +4879,7 @@
                 <a:cs typeface="Helvetica Neue" charset="0"/>
                 <a:sym typeface="Helvetica Neue" charset="0"/>
               </a:rPr>
-              <a:t>Test Problem Description</a:t>
+              <a:t>The Process</a:t>
             </a:r>
             <a:endParaRPr lang="en-US" sz="3200" b="1" dirty="0">
               <a:solidFill>
@@ -4714,7 +4895,67 @@
       </p:sp>
       <p:sp>
         <p:nvSpPr>
-          <p:cNvPr id="40" name="AutoShape 7"/>
+          <p:cNvPr id="19" name="Rectangle 6"/>
+          <p:cNvSpPr>
+            <a:spLocks/>
+          </p:cNvSpPr>
+          <p:nvPr/>
+        </p:nvSpPr>
+        <p:spPr bwMode="auto">
+          <a:xfrm>
+            <a:off x="1112128" y="1772816"/>
+            <a:ext cx="7333946" cy="2880320"/>
+          </a:xfrm>
+          <a:prstGeom prst="rect">
+            <a:avLst/>
+          </a:prstGeom>
+          <a:noFill/>
+          <a:ln>
+            <a:noFill/>
+          </a:ln>
+          <a:extLst>
+            <a:ext uri="{909E8E84-426E-40DD-AFC4-6F175D3DCCD1}">
+              <a14:hiddenFill xmlns:a14="http://schemas.microsoft.com/office/drawing/2010/main">
+                <a:solidFill>
+                  <a:srgbClr val="FFFFFF"/>
+                </a:solidFill>
+              </a14:hiddenFill>
+            </a:ext>
+            <a:ext uri="{91240B29-F687-4F45-9708-019B960494DF}">
+              <a14:hiddenLine xmlns:a14="http://schemas.microsoft.com/office/drawing/2010/main" w="12700" cap="flat">
+                <a:solidFill>
+                  <a:schemeClr val="tx1"/>
+                </a:solidFill>
+                <a:miter lim="800000"/>
+                <a:headEnd type="none" w="med" len="med"/>
+                <a:tailEnd type="none" w="med" len="med"/>
+              </a14:hiddenLine>
+            </a:ext>
+          </a:extLst>
+        </p:spPr>
+        <p:txBody>
+          <a:bodyPr lIns="0" tIns="0" rIns="0" bIns="0" anchor="ctr"/>
+          <a:lstStyle/>
+          <a:p>
+            <a:pPr indent="-342900">
+              <a:buFont typeface="Arial" pitchFamily="34" charset="0"/>
+              <a:buChar char="•"/>
+            </a:pPr>
+            <a:endParaRPr lang="en-US" sz="2000" dirty="0">
+              <a:solidFill>
+                <a:srgbClr val="666666"/>
+              </a:solidFill>
+              <a:latin typeface="Helvetica Neue" charset="0"/>
+              <a:ea typeface="Helvetica Neue" charset="0"/>
+              <a:cs typeface="Helvetica Neue" charset="0"/>
+              <a:sym typeface="Helvetica Neue" charset="0"/>
+            </a:endParaRPr>
+          </a:p>
+        </p:txBody>
+      </p:sp>
+      <p:sp>
+        <p:nvSpPr>
+          <p:cNvPr id="39" name="AutoShape 7"/>
           <p:cNvSpPr>
             <a:spLocks/>
           </p:cNvSpPr>
@@ -4753,7 +4994,7 @@
       </p:sp>
       <p:sp>
         <p:nvSpPr>
-          <p:cNvPr id="41" name="AutoShape 8"/>
+          <p:cNvPr id="40" name="AutoShape 8"/>
           <p:cNvSpPr>
             <a:spLocks/>
           </p:cNvSpPr>
@@ -4792,7 +5033,7 @@
       </p:sp>
       <p:sp>
         <p:nvSpPr>
-          <p:cNvPr id="42" name="AutoShape 7"/>
+          <p:cNvPr id="41" name="AutoShape 7"/>
           <p:cNvSpPr>
             <a:spLocks/>
           </p:cNvSpPr>
@@ -4831,7 +5072,7 @@
       </p:sp>
       <p:sp>
         <p:nvSpPr>
-          <p:cNvPr id="44" name="Rectangle 10"/>
+          <p:cNvPr id="43" name="Rectangle 10"/>
           <p:cNvSpPr>
             <a:spLocks/>
           </p:cNvSpPr>
@@ -4840,7 +5081,7 @@
         <p:spPr bwMode="auto">
           <a:xfrm>
             <a:off x="8816349" y="6448771"/>
-            <a:ext cx="234038" cy="276999"/>
+            <a:ext cx="117020" cy="276999"/>
           </a:xfrm>
           <a:prstGeom prst="rect">
             <a:avLst/>
@@ -4883,21 +5124,14 @@
                 <a:ea typeface="Gill Sans" charset="0"/>
                 <a:cs typeface="Gill Sans" charset="0"/>
               </a:rPr>
-              <a:t>10</a:t>
-            </a:r>
-            <a:endParaRPr lang="en-US" dirty="0" smtClean="0">
-              <a:solidFill>
-                <a:srgbClr val="656565"/>
-              </a:solidFill>
-              <a:ea typeface="Gill Sans" charset="0"/>
-              <a:cs typeface="Gill Sans" charset="0"/>
-            </a:endParaRPr>
-          </a:p>
-        </p:txBody>
-      </p:sp>
-      <p:sp>
-        <p:nvSpPr>
-          <p:cNvPr id="57" name="AutoShape 8"/>
+              <a:t>9</a:t>
+            </a:r>
+          </a:p>
+        </p:txBody>
+      </p:sp>
+      <p:sp>
+        <p:nvSpPr>
+          <p:cNvPr id="55" name="AutoShape 8"/>
           <p:cNvSpPr>
             <a:spLocks/>
           </p:cNvSpPr>
@@ -4906,7 +5140,7 @@
         <p:spPr bwMode="auto">
           <a:xfrm>
             <a:off x="392908" y="6524625"/>
-            <a:ext cx="5078786" cy="152400"/>
+            <a:ext cx="4179092" cy="152400"/>
           </a:xfrm>
           <a:prstGeom prst="roundRect">
             <a:avLst>
@@ -4934,18 +5168,59 @@
           </a:p>
         </p:txBody>
       </p:sp>
-      <p:sp>
-        <p:nvSpPr>
-          <p:cNvPr id="25" name="Rectangle 6"/>
-          <p:cNvSpPr>
-            <a:spLocks/>
-          </p:cNvSpPr>
-          <p:nvPr/>
-        </p:nvSpPr>
-        <p:spPr bwMode="auto">
-          <a:xfrm>
-            <a:off x="933505" y="1772816"/>
-            <a:ext cx="7333946" cy="3240360"/>
+      <p:pic>
+        <p:nvPicPr>
+          <p:cNvPr id="1026" name="Picture 2" descr="C:\Users\ZePedro\Dropbox\mieic\5-ano\1-semestre\ECAC\DMMarket\Negotiation Process.png"/>
+          <p:cNvPicPr>
+            <a:picLocks noChangeAspect="1" noChangeArrowheads="1"/>
+          </p:cNvPicPr>
+          <p:nvPr/>
+        </p:nvPicPr>
+        <p:blipFill>
+          <a:blip r:embed="rId2">
+            <a:extLst>
+              <a:ext uri="{28A0092B-C50C-407E-A947-70E740481C1C}">
+                <a14:useLocalDpi xmlns:a14="http://schemas.microsoft.com/office/drawing/2010/main" val="0"/>
+              </a:ext>
+            </a:extLst>
+          </a:blip>
+          <a:srcRect/>
+          <a:stretch>
+            <a:fillRect/>
+          </a:stretch>
+        </p:blipFill>
+        <p:spPr bwMode="auto">
+          <a:xfrm>
+            <a:off x="1793679" y="1353942"/>
+            <a:ext cx="7081180" cy="4732053"/>
+          </a:xfrm>
+          <a:prstGeom prst="rect">
+            <a:avLst/>
+          </a:prstGeom>
+          <a:noFill/>
+          <a:extLst>
+            <a:ext uri="{909E8E84-426E-40DD-AFC4-6F175D3DCCD1}">
+              <a14:hiddenFill xmlns:a14="http://schemas.microsoft.com/office/drawing/2010/main">
+                <a:solidFill>
+                  <a:srgbClr val="FFFFFF"/>
+                </a:solidFill>
+              </a14:hiddenFill>
+            </a:ext>
+          </a:extLst>
+        </p:spPr>
+      </p:pic>
+      <p:sp>
+        <p:nvSpPr>
+          <p:cNvPr id="22" name="Rectangle 9"/>
+          <p:cNvSpPr>
+            <a:spLocks/>
+          </p:cNvSpPr>
+          <p:nvPr/>
+        </p:nvSpPr>
+        <p:spPr bwMode="auto">
+          <a:xfrm>
+            <a:off x="755576" y="6303992"/>
+            <a:ext cx="792088" cy="153888"/>
           </a:xfrm>
           <a:prstGeom prst="rect">
             <a:avLst/>
@@ -4975,72 +5250,6 @@
           </a:extLst>
         </p:spPr>
         <p:txBody>
-          <a:bodyPr lIns="0" tIns="0" rIns="0" bIns="0" anchor="ctr"/>
-          <a:lstStyle/>
-          <a:p>
-            <a:pPr marL="457200" indent="-457200">
-              <a:spcBef>
-                <a:spcPts val="600"/>
-              </a:spcBef>
-              <a:spcAft>
-                <a:spcPts val="600"/>
-              </a:spcAft>
-              <a:buFont typeface="Arial" pitchFamily="34" charset="0"/>
-              <a:buChar char="•"/>
-            </a:pPr>
-            <a:endParaRPr lang="en-US" sz="2200" dirty="0">
-              <a:solidFill>
-                <a:srgbClr val="666666"/>
-              </a:solidFill>
-              <a:latin typeface="Helvetica Neue" charset="0"/>
-              <a:ea typeface="Helvetica Neue" charset="0"/>
-              <a:cs typeface="Helvetica Neue" charset="0"/>
-              <a:sym typeface="Helvetica Neue" charset="0"/>
-            </a:endParaRPr>
-          </a:p>
-        </p:txBody>
-      </p:sp>
-      <p:sp>
-        <p:nvSpPr>
-          <p:cNvPr id="21" name="Rectangle 9"/>
-          <p:cNvSpPr>
-            <a:spLocks/>
-          </p:cNvSpPr>
-          <p:nvPr/>
-        </p:nvSpPr>
-        <p:spPr bwMode="auto">
-          <a:xfrm>
-            <a:off x="755576" y="6303992"/>
-            <a:ext cx="792088" cy="153888"/>
-          </a:xfrm>
-          <a:prstGeom prst="rect">
-            <a:avLst/>
-          </a:prstGeom>
-          <a:noFill/>
-          <a:ln>
-            <a:noFill/>
-          </a:ln>
-          <a:extLst>
-            <a:ext uri="{909E8E84-426E-40DD-AFC4-6F175D3DCCD1}">
-              <a14:hiddenFill xmlns:a14="http://schemas.microsoft.com/office/drawing/2010/main">
-                <a:solidFill>
-                  <a:srgbClr val="FFFFFF"/>
-                </a:solidFill>
-              </a14:hiddenFill>
-            </a:ext>
-            <a:ext uri="{91240B29-F687-4F45-9708-019B960494DF}">
-              <a14:hiddenLine xmlns:a14="http://schemas.microsoft.com/office/drawing/2010/main" w="12700" cap="flat">
-                <a:solidFill>
-                  <a:schemeClr val="tx1"/>
-                </a:solidFill>
-                <a:miter lim="800000"/>
-                <a:headEnd type="none" w="med" len="med"/>
-                <a:tailEnd type="none" w="med" len="med"/>
-              </a14:hiddenLine>
-            </a:ext>
-          </a:extLst>
-        </p:spPr>
-        <p:txBody>
           <a:bodyPr wrap="square" lIns="0" tIns="0" rIns="0" bIns="0" anchor="ctr">
             <a:spAutoFit/>
           </a:bodyPr>
@@ -5061,7 +5270,7 @@
       </p:sp>
       <p:sp>
         <p:nvSpPr>
-          <p:cNvPr id="22" name="Rectangle 12"/>
+          <p:cNvPr id="23" name="Rectangle 12"/>
           <p:cNvSpPr>
             <a:spLocks/>
           </p:cNvSpPr>
@@ -5127,7 +5336,7 @@
       </p:sp>
       <p:sp>
         <p:nvSpPr>
-          <p:cNvPr id="23" name="Rectangle 14"/>
+          <p:cNvPr id="24" name="Rectangle 14"/>
           <p:cNvSpPr>
             <a:spLocks/>
           </p:cNvSpPr>
@@ -5186,7 +5395,7 @@
       </p:sp>
       <p:sp>
         <p:nvSpPr>
-          <p:cNvPr id="24" name="Rectangle 17"/>
+          <p:cNvPr id="25" name="Rectangle 17"/>
           <p:cNvSpPr>
             <a:spLocks/>
           </p:cNvSpPr>
@@ -5555,7 +5764,7 @@
     </p:spTree>
     <p:extLst>
       <p:ext uri="{BB962C8B-B14F-4D97-AF65-F5344CB8AC3E}">
-        <p14:creationId xmlns:p14="http://schemas.microsoft.com/office/powerpoint/2010/main" val="3549491797"/>
+        <p14:creationId xmlns:p14="http://schemas.microsoft.com/office/powerpoint/2010/main" val="2518775925"/>
       </p:ext>
     </p:extLst>
   </p:cSld>
@@ -5607,8 +5816,8 @@
         </p:nvSpPr>
         <p:spPr bwMode="auto">
           <a:xfrm>
-            <a:off x="396256" y="880701"/>
-            <a:ext cx="2164054" cy="492443"/>
+            <a:off x="385763" y="880701"/>
+            <a:ext cx="4934043" cy="492443"/>
           </a:xfrm>
           <a:prstGeom prst="rect">
             <a:avLst/>
@@ -5653,7 +5862,7 @@
                 <a:cs typeface="Helvetica Neue" charset="0"/>
                 <a:sym typeface="Helvetica Neue" charset="0"/>
               </a:rPr>
-              <a:t>Algorithms</a:t>
+              <a:t>Test Problem Description</a:t>
             </a:r>
             <a:endParaRPr lang="en-US" sz="3200" b="1" dirty="0">
               <a:solidFill>
@@ -5669,7 +5878,7 @@
       </p:sp>
       <p:sp>
         <p:nvSpPr>
-          <p:cNvPr id="20487" name="AutoShape 7"/>
+          <p:cNvPr id="40" name="AutoShape 7"/>
           <p:cNvSpPr>
             <a:spLocks/>
           </p:cNvSpPr>
@@ -5708,7 +5917,7 @@
       </p:sp>
       <p:sp>
         <p:nvSpPr>
-          <p:cNvPr id="20488" name="AutoShape 8"/>
+          <p:cNvPr id="41" name="AutoShape 8"/>
           <p:cNvSpPr>
             <a:spLocks/>
           </p:cNvSpPr>
@@ -5747,16 +5956,55 @@
       </p:sp>
       <p:sp>
         <p:nvSpPr>
-          <p:cNvPr id="19" name="Rectangle 6"/>
-          <p:cNvSpPr>
-            <a:spLocks/>
-          </p:cNvSpPr>
-          <p:nvPr/>
-        </p:nvSpPr>
-        <p:spPr bwMode="auto">
-          <a:xfrm>
-            <a:off x="1088402" y="1700808"/>
-            <a:ext cx="7333946" cy="2664296"/>
+          <p:cNvPr id="42" name="AutoShape 7"/>
+          <p:cNvSpPr>
+            <a:spLocks/>
+          </p:cNvSpPr>
+          <p:nvPr/>
+        </p:nvSpPr>
+        <p:spPr bwMode="auto">
+          <a:xfrm>
+            <a:off x="385763" y="6524625"/>
+            <a:ext cx="8372475" cy="152400"/>
+          </a:xfrm>
+          <a:prstGeom prst="roundRect">
+            <a:avLst>
+              <a:gd name="adj" fmla="val 50000"/>
+            </a:avLst>
+          </a:prstGeom>
+          <a:solidFill>
+            <a:srgbClr val="B0B0B0"/>
+          </a:solidFill>
+          <a:ln w="25400" cap="flat">
+            <a:solidFill>
+              <a:srgbClr val="B0B0B0"/>
+            </a:solidFill>
+            <a:prstDash val="solid"/>
+            <a:miter lim="800000"/>
+            <a:headEnd type="none" w="med" len="med"/>
+            <a:tailEnd type="none" w="med" len="med"/>
+          </a:ln>
+        </p:spPr>
+        <p:txBody>
+          <a:bodyPr lIns="0" tIns="0" rIns="0" bIns="0"/>
+          <a:lstStyle/>
+          <a:p>
+            <a:endParaRPr lang="pt-PT"/>
+          </a:p>
+        </p:txBody>
+      </p:sp>
+      <p:sp>
+        <p:nvSpPr>
+          <p:cNvPr id="44" name="Rectangle 10"/>
+          <p:cNvSpPr>
+            <a:spLocks/>
+          </p:cNvSpPr>
+          <p:nvPr/>
+        </p:nvSpPr>
+        <p:spPr bwMode="auto">
+          <a:xfrm>
+            <a:off x="8816349" y="6448771"/>
+            <a:ext cx="234038" cy="276999"/>
           </a:xfrm>
           <a:prstGeom prst="rect">
             <a:avLst/>
@@ -5786,10 +6034,108 @@
           </a:extLst>
         </p:spPr>
         <p:txBody>
+          <a:bodyPr wrap="none" lIns="0" tIns="0" rIns="0" bIns="0" anchor="ctr">
+            <a:spAutoFit/>
+          </a:bodyPr>
+          <a:lstStyle/>
+          <a:p>
+            <a:r>
+              <a:rPr lang="en-US" dirty="0" smtClean="0">
+                <a:solidFill>
+                  <a:srgbClr val="656565"/>
+                </a:solidFill>
+                <a:ea typeface="Gill Sans" charset="0"/>
+                <a:cs typeface="Gill Sans" charset="0"/>
+              </a:rPr>
+              <a:t>10</a:t>
+            </a:r>
+          </a:p>
+        </p:txBody>
+      </p:sp>
+      <p:sp>
+        <p:nvSpPr>
+          <p:cNvPr id="57" name="AutoShape 8"/>
+          <p:cNvSpPr>
+            <a:spLocks/>
+          </p:cNvSpPr>
+          <p:nvPr/>
+        </p:nvSpPr>
+        <p:spPr bwMode="auto">
+          <a:xfrm>
+            <a:off x="392908" y="6524625"/>
+            <a:ext cx="5078786" cy="152400"/>
+          </a:xfrm>
+          <a:prstGeom prst="roundRect">
+            <a:avLst>
+              <a:gd name="adj" fmla="val 50000"/>
+            </a:avLst>
+          </a:prstGeom>
+          <a:solidFill>
+            <a:srgbClr val="7AA8DA"/>
+          </a:solidFill>
+          <a:ln w="25400" cap="flat">
+            <a:solidFill>
+              <a:srgbClr val="B0B0B0"/>
+            </a:solidFill>
+            <a:prstDash val="solid"/>
+            <a:miter lim="800000"/>
+            <a:headEnd type="none" w="med" len="med"/>
+            <a:tailEnd type="none" w="med" len="med"/>
+          </a:ln>
+        </p:spPr>
+        <p:txBody>
+          <a:bodyPr lIns="0" tIns="0" rIns="0" bIns="0"/>
+          <a:lstStyle/>
+          <a:p>
+            <a:endParaRPr lang="pt-PT"/>
+          </a:p>
+        </p:txBody>
+      </p:sp>
+      <p:sp>
+        <p:nvSpPr>
+          <p:cNvPr id="25" name="Rectangle 6"/>
+          <p:cNvSpPr>
+            <a:spLocks/>
+          </p:cNvSpPr>
+          <p:nvPr/>
+        </p:nvSpPr>
+        <p:spPr bwMode="auto">
+          <a:xfrm>
+            <a:off x="933505" y="1772816"/>
+            <a:ext cx="7333946" cy="3240360"/>
+          </a:xfrm>
+          <a:prstGeom prst="rect">
+            <a:avLst/>
+          </a:prstGeom>
+          <a:noFill/>
+          <a:ln>
+            <a:noFill/>
+          </a:ln>
+          <a:extLst>
+            <a:ext uri="{909E8E84-426E-40DD-AFC4-6F175D3DCCD1}">
+              <a14:hiddenFill xmlns:a14="http://schemas.microsoft.com/office/drawing/2010/main">
+                <a:solidFill>
+                  <a:srgbClr val="FFFFFF"/>
+                </a:solidFill>
+              </a14:hiddenFill>
+            </a:ext>
+            <a:ext uri="{91240B29-F687-4F45-9708-019B960494DF}">
+              <a14:hiddenLine xmlns:a14="http://schemas.microsoft.com/office/drawing/2010/main" w="12700" cap="flat">
+                <a:solidFill>
+                  <a:schemeClr val="tx1"/>
+                </a:solidFill>
+                <a:miter lim="800000"/>
+                <a:headEnd type="none" w="med" len="med"/>
+                <a:tailEnd type="none" w="med" len="med"/>
+              </a14:hiddenLine>
+            </a:ext>
+          </a:extLst>
+        </p:spPr>
+        <p:txBody>
           <a:bodyPr lIns="0" tIns="0" rIns="0" bIns="0" anchor="ctr"/>
           <a:lstStyle/>
           <a:p>
-            <a:pPr marL="342900" indent="-342900">
+            <a:pPr marL="457200" indent="-457200">
               <a:spcBef>
                 <a:spcPts val="600"/>
               </a:spcBef>
@@ -5813,55 +6159,16 @@
       </p:sp>
       <p:sp>
         <p:nvSpPr>
-          <p:cNvPr id="14" name="AutoShape 7"/>
-          <p:cNvSpPr>
-            <a:spLocks/>
-          </p:cNvSpPr>
-          <p:nvPr/>
-        </p:nvSpPr>
-        <p:spPr bwMode="auto">
-          <a:xfrm>
-            <a:off x="385763" y="6524625"/>
-            <a:ext cx="8372475" cy="152400"/>
-          </a:xfrm>
-          <a:prstGeom prst="roundRect">
-            <a:avLst>
-              <a:gd name="adj" fmla="val 50000"/>
-            </a:avLst>
-          </a:prstGeom>
-          <a:solidFill>
-            <a:srgbClr val="B0B0B0"/>
-          </a:solidFill>
-          <a:ln w="25400" cap="flat">
-            <a:solidFill>
-              <a:srgbClr val="B0B0B0"/>
-            </a:solidFill>
-            <a:prstDash val="solid"/>
-            <a:miter lim="800000"/>
-            <a:headEnd type="none" w="med" len="med"/>
-            <a:tailEnd type="none" w="med" len="med"/>
-          </a:ln>
-        </p:spPr>
-        <p:txBody>
-          <a:bodyPr lIns="0" tIns="0" rIns="0" bIns="0"/>
-          <a:lstStyle/>
-          <a:p>
-            <a:endParaRPr lang="pt-PT"/>
-          </a:p>
-        </p:txBody>
-      </p:sp>
-      <p:sp>
-        <p:nvSpPr>
-          <p:cNvPr id="16" name="Rectangle 10"/>
-          <p:cNvSpPr>
-            <a:spLocks/>
-          </p:cNvSpPr>
-          <p:nvPr/>
-        </p:nvSpPr>
-        <p:spPr bwMode="auto">
-          <a:xfrm>
-            <a:off x="8816349" y="6448771"/>
-            <a:ext cx="234038" cy="276999"/>
+          <p:cNvPr id="21" name="Rectangle 9"/>
+          <p:cNvSpPr>
+            <a:spLocks/>
+          </p:cNvSpPr>
+          <p:nvPr/>
+        </p:nvSpPr>
+        <p:spPr bwMode="auto">
+          <a:xfrm>
+            <a:off x="755576" y="6303992"/>
+            <a:ext cx="792088" cy="153888"/>
           </a:xfrm>
           <a:prstGeom prst="rect">
             <a:avLst/>
@@ -5891,225 +6198,6 @@
           </a:extLst>
         </p:spPr>
         <p:txBody>
-          <a:bodyPr wrap="none" lIns="0" tIns="0" rIns="0" bIns="0" anchor="ctr">
-            <a:spAutoFit/>
-          </a:bodyPr>
-          <a:lstStyle/>
-          <a:p>
-            <a:r>
-              <a:rPr lang="en-US" dirty="0" smtClean="0">
-                <a:solidFill>
-                  <a:srgbClr val="656565"/>
-                </a:solidFill>
-                <a:ea typeface="Gill Sans" charset="0"/>
-                <a:cs typeface="Gill Sans" charset="0"/>
-              </a:rPr>
-              <a:t>11</a:t>
-            </a:r>
-            <a:endParaRPr lang="en-US" dirty="0" smtClean="0">
-              <a:solidFill>
-                <a:srgbClr val="656565"/>
-              </a:solidFill>
-              <a:ea typeface="Gill Sans" charset="0"/>
-              <a:cs typeface="Gill Sans" charset="0"/>
-            </a:endParaRPr>
-          </a:p>
-        </p:txBody>
-      </p:sp>
-      <p:sp>
-        <p:nvSpPr>
-          <p:cNvPr id="36" name="AutoShape 8"/>
-          <p:cNvSpPr>
-            <a:spLocks/>
-          </p:cNvSpPr>
-          <p:nvPr/>
-        </p:nvSpPr>
-        <p:spPr bwMode="auto">
-          <a:xfrm>
-            <a:off x="392908" y="6524625"/>
-            <a:ext cx="5870874" cy="152400"/>
-          </a:xfrm>
-          <a:prstGeom prst="roundRect">
-            <a:avLst>
-              <a:gd name="adj" fmla="val 50000"/>
-            </a:avLst>
-          </a:prstGeom>
-          <a:solidFill>
-            <a:srgbClr val="7AA8DA"/>
-          </a:solidFill>
-          <a:ln w="25400" cap="flat">
-            <a:solidFill>
-              <a:srgbClr val="B0B0B0"/>
-            </a:solidFill>
-            <a:prstDash val="solid"/>
-            <a:miter lim="800000"/>
-            <a:headEnd type="none" w="med" len="med"/>
-            <a:tailEnd type="none" w="med" len="med"/>
-          </a:ln>
-        </p:spPr>
-        <p:txBody>
-          <a:bodyPr lIns="0" tIns="0" rIns="0" bIns="0"/>
-          <a:lstStyle/>
-          <a:p>
-            <a:endParaRPr lang="pt-PT"/>
-          </a:p>
-        </p:txBody>
-      </p:sp>
-      <p:sp>
-        <p:nvSpPr>
-          <p:cNvPr id="2" name="TextBox 1"/>
-          <p:cNvSpPr txBox="1"/>
-          <p:nvPr/>
-        </p:nvSpPr>
-        <p:spPr>
-          <a:xfrm>
-            <a:off x="972572" y="1988840"/>
-            <a:ext cx="7631876" cy="1692771"/>
-          </a:xfrm>
-          <a:prstGeom prst="rect">
-            <a:avLst/>
-          </a:prstGeom>
-          <a:noFill/>
-        </p:spPr>
-        <p:txBody>
-          <a:bodyPr wrap="square" rtlCol="0">
-            <a:spAutoFit/>
-          </a:bodyPr>
-          <a:lstStyle/>
-          <a:p>
-            <a:pPr marL="457200" indent="-457200">
-              <a:spcBef>
-                <a:spcPts val="600"/>
-              </a:spcBef>
-              <a:spcAft>
-                <a:spcPts val="600"/>
-              </a:spcAft>
-              <a:buFont typeface="Arial" pitchFamily="34" charset="0"/>
-              <a:buChar char="•"/>
-            </a:pPr>
-            <a:r>
-              <a:rPr lang="pt-PT" sz="2800" dirty="0">
-                <a:solidFill>
-                  <a:srgbClr val="666666"/>
-                </a:solidFill>
-                <a:latin typeface="Helvetica Neue" charset="0"/>
-                <a:ea typeface="Helvetica Neue" charset="0"/>
-                <a:cs typeface="Helvetica Neue" charset="0"/>
-              </a:rPr>
-              <a:t>Clustering for Outlier </a:t>
-            </a:r>
-            <a:r>
-              <a:rPr lang="pt-PT" sz="2800" dirty="0">
-                <a:solidFill>
-                  <a:srgbClr val="666666"/>
-                </a:solidFill>
-                <a:latin typeface="Helvetica Neue" charset="0"/>
-                <a:ea typeface="Helvetica Neue" charset="0"/>
-                <a:cs typeface="Helvetica Neue" charset="0"/>
-              </a:rPr>
-              <a:t>Detection</a:t>
-            </a:r>
-          </a:p>
-          <a:p>
-            <a:pPr marL="457200" indent="-457200">
-              <a:spcBef>
-                <a:spcPts val="600"/>
-              </a:spcBef>
-              <a:spcAft>
-                <a:spcPts val="600"/>
-              </a:spcAft>
-              <a:buFont typeface="Arial" pitchFamily="34" charset="0"/>
-              <a:buChar char="•"/>
-            </a:pPr>
-            <a:r>
-              <a:rPr lang="en-US" sz="2800" dirty="0">
-                <a:solidFill>
-                  <a:srgbClr val="666666"/>
-                </a:solidFill>
-                <a:latin typeface="Helvetica Neue" charset="0"/>
-                <a:ea typeface="Helvetica Neue" charset="0"/>
-                <a:cs typeface="Helvetica Neue" charset="0"/>
-              </a:rPr>
-              <a:t>Decision Trees for Outlier </a:t>
-            </a:r>
-            <a:r>
-              <a:rPr lang="en-US" sz="2800" dirty="0">
-                <a:solidFill>
-                  <a:srgbClr val="666666"/>
-                </a:solidFill>
-                <a:latin typeface="Helvetica Neue" charset="0"/>
-                <a:ea typeface="Helvetica Neue" charset="0"/>
-                <a:cs typeface="Helvetica Neue" charset="0"/>
-              </a:rPr>
-              <a:t>Detection</a:t>
-            </a:r>
-          </a:p>
-          <a:p>
-            <a:pPr marL="457200" indent="-457200">
-              <a:spcBef>
-                <a:spcPts val="600"/>
-              </a:spcBef>
-              <a:spcAft>
-                <a:spcPts val="600"/>
-              </a:spcAft>
-              <a:buFont typeface="Arial" pitchFamily="34" charset="0"/>
-              <a:buChar char="•"/>
-            </a:pPr>
-            <a:r>
-              <a:rPr lang="pt-PT" sz="2800" dirty="0">
-                <a:solidFill>
-                  <a:srgbClr val="666666"/>
-                </a:solidFill>
-                <a:latin typeface="Helvetica Neue" charset="0"/>
-                <a:ea typeface="Helvetica Neue" charset="0"/>
-                <a:cs typeface="Helvetica Neue" charset="0"/>
-              </a:rPr>
-              <a:t>Cell based outlier detection</a:t>
-            </a:r>
-          </a:p>
-        </p:txBody>
-      </p:sp>
-      <p:sp>
-        <p:nvSpPr>
-          <p:cNvPr id="22" name="Rectangle 9"/>
-          <p:cNvSpPr>
-            <a:spLocks/>
-          </p:cNvSpPr>
-          <p:nvPr/>
-        </p:nvSpPr>
-        <p:spPr bwMode="auto">
-          <a:xfrm>
-            <a:off x="755576" y="6303992"/>
-            <a:ext cx="792088" cy="153888"/>
-          </a:xfrm>
-          <a:prstGeom prst="rect">
-            <a:avLst/>
-          </a:prstGeom>
-          <a:noFill/>
-          <a:ln>
-            <a:noFill/>
-          </a:ln>
-          <a:extLst>
-            <a:ext uri="{909E8E84-426E-40DD-AFC4-6F175D3DCCD1}">
-              <a14:hiddenFill xmlns:a14="http://schemas.microsoft.com/office/drawing/2010/main">
-                <a:solidFill>
-                  <a:srgbClr val="FFFFFF"/>
-                </a:solidFill>
-              </a14:hiddenFill>
-            </a:ext>
-            <a:ext uri="{91240B29-F687-4F45-9708-019B960494DF}">
-              <a14:hiddenLine xmlns:a14="http://schemas.microsoft.com/office/drawing/2010/main" w="12700" cap="flat">
-                <a:solidFill>
-                  <a:schemeClr val="tx1"/>
-                </a:solidFill>
-                <a:miter lim="800000"/>
-                <a:headEnd type="none" w="med" len="med"/>
-                <a:tailEnd type="none" w="med" len="med"/>
-              </a14:hiddenLine>
-            </a:ext>
-          </a:extLst>
-        </p:spPr>
-        <p:txBody>
           <a:bodyPr wrap="square" lIns="0" tIns="0" rIns="0" bIns="0" anchor="ctr">
             <a:spAutoFit/>
           </a:bodyPr>
@@ -6130,7 +6218,7 @@
       </p:sp>
       <p:sp>
         <p:nvSpPr>
-          <p:cNvPr id="23" name="Rectangle 12"/>
+          <p:cNvPr id="22" name="Rectangle 12"/>
           <p:cNvSpPr>
             <a:spLocks/>
           </p:cNvSpPr>
@@ -6196,7 +6284,7 @@
       </p:sp>
       <p:sp>
         <p:nvSpPr>
-          <p:cNvPr id="24" name="Rectangle 14"/>
+          <p:cNvPr id="23" name="Rectangle 14"/>
           <p:cNvSpPr>
             <a:spLocks/>
           </p:cNvSpPr>
@@ -6255,7 +6343,7 @@
       </p:sp>
       <p:sp>
         <p:nvSpPr>
-          <p:cNvPr id="25" name="Rectangle 17"/>
+          <p:cNvPr id="24" name="Rectangle 17"/>
           <p:cNvSpPr>
             <a:spLocks/>
           </p:cNvSpPr>
@@ -6439,7 +6527,7 @@
       </p:sp>
       <p:sp>
         <p:nvSpPr>
-          <p:cNvPr id="37" name="Rectangle 14"/>
+          <p:cNvPr id="28" name="Rectangle 14"/>
           <p:cNvSpPr>
             <a:spLocks/>
           </p:cNvSpPr>
@@ -6505,7 +6593,7 @@
       </p:sp>
       <p:sp>
         <p:nvSpPr>
-          <p:cNvPr id="38" name="Rectangle 14"/>
+          <p:cNvPr id="29" name="Rectangle 14"/>
           <p:cNvSpPr>
             <a:spLocks/>
           </p:cNvSpPr>
@@ -6564,7 +6652,7 @@
       </p:sp>
       <p:sp>
         <p:nvSpPr>
-          <p:cNvPr id="39" name="Rectangle 14"/>
+          <p:cNvPr id="30" name="Rectangle 14"/>
           <p:cNvSpPr>
             <a:spLocks/>
           </p:cNvSpPr>
@@ -6624,7 +6712,7 @@
     </p:spTree>
     <p:extLst>
       <p:ext uri="{BB962C8B-B14F-4D97-AF65-F5344CB8AC3E}">
-        <p14:creationId xmlns:p14="http://schemas.microsoft.com/office/powerpoint/2010/main" val="1019583670"/>
+        <p14:creationId xmlns:p14="http://schemas.microsoft.com/office/powerpoint/2010/main" val="3549491797"/>
       </p:ext>
     </p:extLst>
   </p:cSld>
@@ -6677,7 +6765,7 @@
         <p:spPr bwMode="auto">
           <a:xfrm>
             <a:off x="396256" y="880701"/>
-            <a:ext cx="2266646" cy="492443"/>
+            <a:ext cx="2164054" cy="492443"/>
           </a:xfrm>
           <a:prstGeom prst="rect">
             <a:avLst/>
@@ -6722,7 +6810,7 @@
                 <a:cs typeface="Helvetica Neue" charset="0"/>
                 <a:sym typeface="Helvetica Neue" charset="0"/>
               </a:rPr>
-              <a:t>Technology</a:t>
+              <a:t>Algorithms</a:t>
             </a:r>
             <a:endParaRPr lang="en-US" sz="3200" b="1" dirty="0">
               <a:solidFill>
@@ -6973,15 +7061,8 @@
                 <a:ea typeface="Gill Sans" charset="0"/>
                 <a:cs typeface="Gill Sans" charset="0"/>
               </a:rPr>
-              <a:t>12</a:t>
-            </a:r>
-            <a:endParaRPr lang="en-US" dirty="0" smtClean="0">
-              <a:solidFill>
-                <a:srgbClr val="656565"/>
-              </a:solidFill>
-              <a:ea typeface="Gill Sans" charset="0"/>
-              <a:cs typeface="Gill Sans" charset="0"/>
-            </a:endParaRPr>
+              <a:t>11</a:t>
+            </a:r>
           </a:p>
         </p:txBody>
       </p:sp>
@@ -6996,7 +7077,7 @@
         <p:spPr bwMode="auto">
           <a:xfrm>
             <a:off x="392908" y="6524625"/>
-            <a:ext cx="6741736" cy="152400"/>
+            <a:ext cx="5870874" cy="152400"/>
           </a:xfrm>
           <a:prstGeom prst="roundRect">
             <a:avLst>
@@ -7024,233 +7105,101 @@
           </a:p>
         </p:txBody>
       </p:sp>
-      <p:pic>
-        <p:nvPicPr>
-          <p:cNvPr id="2050" name="Picture 2" descr="C:\Users\ZePedro\Dropbox\mieic\5-ano\1-semestre\ECAC\DMMarket\150px-Ruby_on_Rails.svg.png"/>
-          <p:cNvPicPr>
-            <a:picLocks noChangeAspect="1" noChangeArrowheads="1"/>
-          </p:cNvPicPr>
-          <p:nvPr/>
-        </p:nvPicPr>
-        <p:blipFill>
-          <a:blip r:embed="rId2">
-            <a:extLst>
-              <a:ext uri="{28A0092B-C50C-407E-A947-70E740481C1C}">
-                <a14:useLocalDpi xmlns:a14="http://schemas.microsoft.com/office/drawing/2010/main" val="0"/>
-              </a:ext>
-            </a:extLst>
-          </a:blip>
-          <a:srcRect/>
-          <a:stretch>
-            <a:fillRect/>
-          </a:stretch>
-        </p:blipFill>
-        <p:spPr bwMode="auto">
-          <a:xfrm>
-            <a:off x="3628900" y="320727"/>
-            <a:ext cx="1428750" cy="1847850"/>
+      <p:sp>
+        <p:nvSpPr>
+          <p:cNvPr id="2" name="TextBox 1"/>
+          <p:cNvSpPr txBox="1"/>
+          <p:nvPr/>
+        </p:nvSpPr>
+        <p:spPr>
+          <a:xfrm>
+            <a:off x="972572" y="1988840"/>
+            <a:ext cx="7631876" cy="1692771"/>
           </a:xfrm>
           <a:prstGeom prst="rect">
             <a:avLst/>
           </a:prstGeom>
           <a:noFill/>
-          <a:extLst>
-            <a:ext uri="{909E8E84-426E-40DD-AFC4-6F175D3DCCD1}">
-              <a14:hiddenFill xmlns:a14="http://schemas.microsoft.com/office/drawing/2010/main">
-                <a:solidFill>
-                  <a:srgbClr val="FFFFFF"/>
-                </a:solidFill>
-              </a14:hiddenFill>
-            </a:ext>
-          </a:extLst>
-        </p:spPr>
-      </p:pic>
-      <p:pic>
-        <p:nvPicPr>
-          <p:cNvPr id="2051" name="Picture 3" descr="C:\Users\ZePedro\Dropbox\mieic\5-ano\1-semestre\ECAC\DMMarket\java-2.jpg"/>
-          <p:cNvPicPr>
-            <a:picLocks noChangeAspect="1" noChangeArrowheads="1"/>
-          </p:cNvPicPr>
-          <p:nvPr/>
-        </p:nvPicPr>
-        <p:blipFill>
-          <a:blip r:embed="rId3">
-            <a:extLst>
-              <a:ext uri="{28A0092B-C50C-407E-A947-70E740481C1C}">
-                <a14:useLocalDpi xmlns:a14="http://schemas.microsoft.com/office/drawing/2010/main" val="0"/>
-              </a:ext>
-            </a:extLst>
-          </a:blip>
-          <a:srcRect/>
-          <a:stretch>
-            <a:fillRect/>
-          </a:stretch>
-        </p:blipFill>
-        <p:spPr bwMode="auto">
-          <a:xfrm>
-            <a:off x="981376" y="4028114"/>
-            <a:ext cx="2647524" cy="2008665"/>
-          </a:xfrm>
-          <a:prstGeom prst="rect">
-            <a:avLst/>
-          </a:prstGeom>
-          <a:noFill/>
-          <a:extLst>
-            <a:ext uri="{909E8E84-426E-40DD-AFC4-6F175D3DCCD1}">
-              <a14:hiddenFill xmlns:a14="http://schemas.microsoft.com/office/drawing/2010/main">
-                <a:solidFill>
-                  <a:srgbClr val="FFFFFF"/>
-                </a:solidFill>
-              </a14:hiddenFill>
-            </a:ext>
-          </a:extLst>
-        </p:spPr>
-      </p:pic>
-      <p:pic>
-        <p:nvPicPr>
-          <p:cNvPr id="2052" name="Picture 4" descr="C:\Users\ZePedro\Dropbox\mieic\5-ano\1-semestre\ECAC\DMMarket\JSON.gif"/>
-          <p:cNvPicPr>
-            <a:picLocks noChangeAspect="1" noChangeArrowheads="1"/>
-          </p:cNvPicPr>
-          <p:nvPr/>
-        </p:nvPicPr>
-        <p:blipFill>
-          <a:blip r:embed="rId4">
-            <a:extLst>
-              <a:ext uri="{28A0092B-C50C-407E-A947-70E740481C1C}">
-                <a14:useLocalDpi xmlns:a14="http://schemas.microsoft.com/office/drawing/2010/main" val="0"/>
-              </a:ext>
-            </a:extLst>
-          </a:blip>
-          <a:srcRect/>
-          <a:stretch>
-            <a:fillRect/>
-          </a:stretch>
-        </p:blipFill>
-        <p:spPr bwMode="auto">
-          <a:xfrm>
-            <a:off x="4280058" y="2600208"/>
-            <a:ext cx="2164889" cy="1341780"/>
-          </a:xfrm>
-          <a:prstGeom prst="rect">
-            <a:avLst/>
-          </a:prstGeom>
-          <a:noFill/>
-          <a:extLst>
-            <a:ext uri="{909E8E84-426E-40DD-AFC4-6F175D3DCCD1}">
-              <a14:hiddenFill xmlns:a14="http://schemas.microsoft.com/office/drawing/2010/main">
-                <a:solidFill>
-                  <a:srgbClr val="FFFFFF"/>
-                </a:solidFill>
-              </a14:hiddenFill>
-            </a:ext>
-          </a:extLst>
-        </p:spPr>
-      </p:pic>
-      <p:pic>
-        <p:nvPicPr>
-          <p:cNvPr id="2053" name="Picture 5" descr="C:\Users\ZePedro\Dropbox\mieic\5-ano\1-semestre\ECAC\DMMarket\Rlogo-1.png"/>
-          <p:cNvPicPr>
-            <a:picLocks noChangeAspect="1" noChangeArrowheads="1"/>
-          </p:cNvPicPr>
-          <p:nvPr/>
-        </p:nvPicPr>
-        <p:blipFill>
-          <a:blip r:embed="rId5" cstate="print">
-            <a:extLst>
-              <a:ext uri="{28A0092B-C50C-407E-A947-70E740481C1C}">
-                <a14:useLocalDpi xmlns:a14="http://schemas.microsoft.com/office/drawing/2010/main" val="0"/>
-              </a:ext>
-            </a:extLst>
-          </a:blip>
-          <a:srcRect/>
-          <a:stretch>
-            <a:fillRect/>
-          </a:stretch>
-        </p:blipFill>
-        <p:spPr bwMode="auto">
-          <a:xfrm>
-            <a:off x="4382525" y="3941988"/>
-            <a:ext cx="2998676" cy="2274858"/>
-          </a:xfrm>
-          <a:prstGeom prst="rect">
-            <a:avLst/>
-          </a:prstGeom>
-          <a:noFill/>
-          <a:extLst>
-            <a:ext uri="{909E8E84-426E-40DD-AFC4-6F175D3DCCD1}">
-              <a14:hiddenFill xmlns:a14="http://schemas.microsoft.com/office/drawing/2010/main">
-                <a:solidFill>
-                  <a:srgbClr val="FFFFFF"/>
-                </a:solidFill>
-              </a14:hiddenFill>
-            </a:ext>
-          </a:extLst>
-        </p:spPr>
-      </p:pic>
-      <p:sp>
-        <p:nvSpPr>
-          <p:cNvPr id="2" name="TextBox 1"/>
-          <p:cNvSpPr txBox="1"/>
-          <p:nvPr/>
-        </p:nvSpPr>
-        <p:spPr>
-          <a:xfrm>
-            <a:off x="1529579" y="2437474"/>
-            <a:ext cx="2198679" cy="1323439"/>
-          </a:xfrm>
-          <a:prstGeom prst="rect">
-            <a:avLst/>
-          </a:prstGeom>
-          <a:noFill/>
-        </p:spPr>
-        <p:txBody>
-          <a:bodyPr wrap="none" rtlCol="0">
+        </p:spPr>
+        <p:txBody>
+          <a:bodyPr wrap="square" rtlCol="0">
             <a:spAutoFit/>
           </a:bodyPr>
           <a:lstStyle/>
           <a:p>
-            <a:r>
-              <a:rPr lang="pt-PT" sz="8000" dirty="0" smtClean="0"/>
-              <a:t>REST</a:t>
-            </a:r>
-            <a:endParaRPr lang="pt-PT" sz="8000" dirty="0"/>
-          </a:p>
-        </p:txBody>
-      </p:sp>
-      <p:sp>
-        <p:nvSpPr>
-          <p:cNvPr id="3" name="TextBox 2"/>
-          <p:cNvSpPr txBox="1"/>
-          <p:nvPr/>
-        </p:nvSpPr>
-        <p:spPr>
-          <a:xfrm>
-            <a:off x="3584034" y="4370728"/>
-            <a:ext cx="696024" cy="1323439"/>
-          </a:xfrm>
-          <a:prstGeom prst="rect">
-            <a:avLst/>
-          </a:prstGeom>
-          <a:noFill/>
-        </p:spPr>
-        <p:txBody>
-          <a:bodyPr wrap="none" rtlCol="0">
-            <a:spAutoFit/>
-          </a:bodyPr>
-          <a:lstStyle/>
-          <a:p>
-            <a:r>
-              <a:rPr lang="pt-PT" sz="8000" dirty="0" smtClean="0"/>
-              <a:t>+</a:t>
-            </a:r>
-            <a:endParaRPr lang="pt-PT" sz="8000" dirty="0"/>
-          </a:p>
-        </p:txBody>
-      </p:sp>
-      <p:sp>
-        <p:nvSpPr>
-          <p:cNvPr id="27" name="Rectangle 9"/>
+            <a:pPr marL="457200" indent="-457200">
+              <a:spcBef>
+                <a:spcPts val="600"/>
+              </a:spcBef>
+              <a:spcAft>
+                <a:spcPts val="600"/>
+              </a:spcAft>
+              <a:buFont typeface="Arial" pitchFamily="34" charset="0"/>
+              <a:buChar char="•"/>
+            </a:pPr>
+            <a:r>
+              <a:rPr lang="pt-PT" sz="2800" dirty="0">
+                <a:solidFill>
+                  <a:srgbClr val="666666"/>
+                </a:solidFill>
+                <a:latin typeface="Helvetica Neue" charset="0"/>
+                <a:ea typeface="Helvetica Neue" charset="0"/>
+                <a:cs typeface="Helvetica Neue" charset="0"/>
+              </a:rPr>
+              <a:t>Clustering for Outlier Detection</a:t>
+            </a:r>
+          </a:p>
+          <a:p>
+            <a:pPr marL="457200" indent="-457200">
+              <a:spcBef>
+                <a:spcPts val="600"/>
+              </a:spcBef>
+              <a:spcAft>
+                <a:spcPts val="600"/>
+              </a:spcAft>
+              <a:buFont typeface="Arial" pitchFamily="34" charset="0"/>
+              <a:buChar char="•"/>
+            </a:pPr>
+            <a:r>
+              <a:rPr lang="en-US" sz="2800" dirty="0">
+                <a:solidFill>
+                  <a:srgbClr val="666666"/>
+                </a:solidFill>
+                <a:latin typeface="Helvetica Neue" charset="0"/>
+                <a:ea typeface="Helvetica Neue" charset="0"/>
+                <a:cs typeface="Helvetica Neue" charset="0"/>
+              </a:rPr>
+              <a:t>Decision Trees for Outlier Detection</a:t>
+            </a:r>
+          </a:p>
+          <a:p>
+            <a:pPr marL="457200" indent="-457200">
+              <a:spcBef>
+                <a:spcPts val="600"/>
+              </a:spcBef>
+              <a:spcAft>
+                <a:spcPts val="600"/>
+              </a:spcAft>
+              <a:buFont typeface="Arial" pitchFamily="34" charset="0"/>
+              <a:buChar char="•"/>
+            </a:pPr>
+            <a:r>
+              <a:rPr lang="pt-PT" sz="2800" dirty="0">
+                <a:solidFill>
+                  <a:srgbClr val="666666"/>
+                </a:solidFill>
+                <a:latin typeface="Helvetica Neue" charset="0"/>
+                <a:ea typeface="Helvetica Neue" charset="0"/>
+                <a:cs typeface="Helvetica Neue" charset="0"/>
+              </a:rPr>
+              <a:t>Cell based outlier detection</a:t>
+            </a:r>
+          </a:p>
+        </p:txBody>
+      </p:sp>
+      <p:sp>
+        <p:nvSpPr>
+          <p:cNvPr id="22" name="Rectangle 9"/>
           <p:cNvSpPr>
             <a:spLocks/>
           </p:cNvSpPr>
@@ -7309,7 +7258,7 @@
       </p:sp>
       <p:sp>
         <p:nvSpPr>
-          <p:cNvPr id="37" name="Rectangle 12"/>
+          <p:cNvPr id="23" name="Rectangle 12"/>
           <p:cNvSpPr>
             <a:spLocks/>
           </p:cNvSpPr>
@@ -7375,7 +7324,7 @@
       </p:sp>
       <p:sp>
         <p:nvSpPr>
-          <p:cNvPr id="38" name="Rectangle 14"/>
+          <p:cNvPr id="24" name="Rectangle 14"/>
           <p:cNvSpPr>
             <a:spLocks/>
           </p:cNvSpPr>
@@ -7434,7 +7383,7 @@
       </p:sp>
       <p:sp>
         <p:nvSpPr>
-          <p:cNvPr id="39" name="Rectangle 17"/>
+          <p:cNvPr id="25" name="Rectangle 17"/>
           <p:cNvSpPr>
             <a:spLocks/>
           </p:cNvSpPr>
@@ -7493,7 +7442,7 @@
       </p:sp>
       <p:sp>
         <p:nvSpPr>
-          <p:cNvPr id="40" name="Rectangle 13"/>
+          <p:cNvPr id="26" name="Rectangle 13"/>
           <p:cNvSpPr>
             <a:spLocks/>
           </p:cNvSpPr>
@@ -7559,7 +7508,7 @@
       </p:sp>
       <p:sp>
         <p:nvSpPr>
-          <p:cNvPr id="41" name="Rectangle 14"/>
+          <p:cNvPr id="27" name="Rectangle 14"/>
           <p:cNvSpPr>
             <a:spLocks/>
           </p:cNvSpPr>
@@ -7618,7 +7567,7 @@
       </p:sp>
       <p:sp>
         <p:nvSpPr>
-          <p:cNvPr id="42" name="Rectangle 14"/>
+          <p:cNvPr id="37" name="Rectangle 14"/>
           <p:cNvSpPr>
             <a:spLocks/>
           </p:cNvSpPr>
@@ -7684,7 +7633,7 @@
       </p:sp>
       <p:sp>
         <p:nvSpPr>
-          <p:cNvPr id="43" name="Rectangle 14"/>
+          <p:cNvPr id="38" name="Rectangle 14"/>
           <p:cNvSpPr>
             <a:spLocks/>
           </p:cNvSpPr>
@@ -7743,7 +7692,7 @@
       </p:sp>
       <p:sp>
         <p:nvSpPr>
-          <p:cNvPr id="44" name="Rectangle 14"/>
+          <p:cNvPr id="39" name="Rectangle 14"/>
           <p:cNvSpPr>
             <a:spLocks/>
           </p:cNvSpPr>
@@ -7803,7 +7752,7 @@
     </p:spTree>
     <p:extLst>
       <p:ext uri="{BB962C8B-B14F-4D97-AF65-F5344CB8AC3E}">
-        <p14:creationId xmlns:p14="http://schemas.microsoft.com/office/powerpoint/2010/main" val="3218845743"/>
+        <p14:creationId xmlns:p14="http://schemas.microsoft.com/office/powerpoint/2010/main" val="1019583670"/>
       </p:ext>
     </p:extLst>
   </p:cSld>
@@ -7856,7 +7805,7 @@
         <p:spPr bwMode="auto">
           <a:xfrm>
             <a:off x="396256" y="880701"/>
-            <a:ext cx="1997919" cy="492443"/>
+            <a:ext cx="2266646" cy="492443"/>
           </a:xfrm>
           <a:prstGeom prst="rect">
             <a:avLst/>
@@ -7901,7 +7850,7 @@
                 <a:cs typeface="Helvetica Neue" charset="0"/>
                 <a:sym typeface="Helvetica Neue" charset="0"/>
               </a:rPr>
-              <a:t>Work Plan</a:t>
+              <a:t>Technology</a:t>
             </a:r>
             <a:endParaRPr lang="en-US" sz="3200" b="1" dirty="0">
               <a:solidFill>
@@ -8152,15 +8101,8 @@
                 <a:ea typeface="Gill Sans" charset="0"/>
                 <a:cs typeface="Gill Sans" charset="0"/>
               </a:rPr>
-              <a:t>13</a:t>
-            </a:r>
-            <a:endParaRPr lang="en-US" dirty="0" smtClean="0">
-              <a:solidFill>
-                <a:srgbClr val="656565"/>
-              </a:solidFill>
-              <a:ea typeface="Gill Sans" charset="0"/>
-              <a:cs typeface="Gill Sans" charset="0"/>
-            </a:endParaRPr>
+              <a:t>12</a:t>
+            </a:r>
           </a:p>
         </p:txBody>
       </p:sp>
@@ -8175,7 +8117,7 @@
         <p:spPr bwMode="auto">
           <a:xfrm>
             <a:off x="392908" y="6524625"/>
-            <a:ext cx="7491460" cy="152400"/>
+            <a:ext cx="6741736" cy="152400"/>
           </a:xfrm>
           <a:prstGeom prst="roundRect">
             <a:avLst>
@@ -8203,9 +8145,233 @@
           </a:p>
         </p:txBody>
       </p:sp>
-      <p:sp>
-        <p:nvSpPr>
-          <p:cNvPr id="21" name="Rectangle 9"/>
+      <p:pic>
+        <p:nvPicPr>
+          <p:cNvPr id="2050" name="Picture 2" descr="C:\Users\ZePedro\Dropbox\mieic\5-ano\1-semestre\ECAC\DMMarket\150px-Ruby_on_Rails.svg.png"/>
+          <p:cNvPicPr>
+            <a:picLocks noChangeAspect="1" noChangeArrowheads="1"/>
+          </p:cNvPicPr>
+          <p:nvPr/>
+        </p:nvPicPr>
+        <p:blipFill>
+          <a:blip r:embed="rId2">
+            <a:extLst>
+              <a:ext uri="{28A0092B-C50C-407E-A947-70E740481C1C}">
+                <a14:useLocalDpi xmlns:a14="http://schemas.microsoft.com/office/drawing/2010/main" val="0"/>
+              </a:ext>
+            </a:extLst>
+          </a:blip>
+          <a:srcRect/>
+          <a:stretch>
+            <a:fillRect/>
+          </a:stretch>
+        </p:blipFill>
+        <p:spPr bwMode="auto">
+          <a:xfrm>
+            <a:off x="3628900" y="320727"/>
+            <a:ext cx="1428750" cy="1847850"/>
+          </a:xfrm>
+          <a:prstGeom prst="rect">
+            <a:avLst/>
+          </a:prstGeom>
+          <a:noFill/>
+          <a:extLst>
+            <a:ext uri="{909E8E84-426E-40DD-AFC4-6F175D3DCCD1}">
+              <a14:hiddenFill xmlns:a14="http://schemas.microsoft.com/office/drawing/2010/main">
+                <a:solidFill>
+                  <a:srgbClr val="FFFFFF"/>
+                </a:solidFill>
+              </a14:hiddenFill>
+            </a:ext>
+          </a:extLst>
+        </p:spPr>
+      </p:pic>
+      <p:pic>
+        <p:nvPicPr>
+          <p:cNvPr id="2051" name="Picture 3" descr="C:\Users\ZePedro\Dropbox\mieic\5-ano\1-semestre\ECAC\DMMarket\java-2.jpg"/>
+          <p:cNvPicPr>
+            <a:picLocks noChangeAspect="1" noChangeArrowheads="1"/>
+          </p:cNvPicPr>
+          <p:nvPr/>
+        </p:nvPicPr>
+        <p:blipFill>
+          <a:blip r:embed="rId3">
+            <a:extLst>
+              <a:ext uri="{28A0092B-C50C-407E-A947-70E740481C1C}">
+                <a14:useLocalDpi xmlns:a14="http://schemas.microsoft.com/office/drawing/2010/main" val="0"/>
+              </a:ext>
+            </a:extLst>
+          </a:blip>
+          <a:srcRect/>
+          <a:stretch>
+            <a:fillRect/>
+          </a:stretch>
+        </p:blipFill>
+        <p:spPr bwMode="auto">
+          <a:xfrm>
+            <a:off x="981376" y="4028114"/>
+            <a:ext cx="2647524" cy="2008665"/>
+          </a:xfrm>
+          <a:prstGeom prst="rect">
+            <a:avLst/>
+          </a:prstGeom>
+          <a:noFill/>
+          <a:extLst>
+            <a:ext uri="{909E8E84-426E-40DD-AFC4-6F175D3DCCD1}">
+              <a14:hiddenFill xmlns:a14="http://schemas.microsoft.com/office/drawing/2010/main">
+                <a:solidFill>
+                  <a:srgbClr val="FFFFFF"/>
+                </a:solidFill>
+              </a14:hiddenFill>
+            </a:ext>
+          </a:extLst>
+        </p:spPr>
+      </p:pic>
+      <p:pic>
+        <p:nvPicPr>
+          <p:cNvPr id="2052" name="Picture 4" descr="C:\Users\ZePedro\Dropbox\mieic\5-ano\1-semestre\ECAC\DMMarket\JSON.gif"/>
+          <p:cNvPicPr>
+            <a:picLocks noChangeAspect="1" noChangeArrowheads="1"/>
+          </p:cNvPicPr>
+          <p:nvPr/>
+        </p:nvPicPr>
+        <p:blipFill>
+          <a:blip r:embed="rId4">
+            <a:extLst>
+              <a:ext uri="{28A0092B-C50C-407E-A947-70E740481C1C}">
+                <a14:useLocalDpi xmlns:a14="http://schemas.microsoft.com/office/drawing/2010/main" val="0"/>
+              </a:ext>
+            </a:extLst>
+          </a:blip>
+          <a:srcRect/>
+          <a:stretch>
+            <a:fillRect/>
+          </a:stretch>
+        </p:blipFill>
+        <p:spPr bwMode="auto">
+          <a:xfrm>
+            <a:off x="4280058" y="2600208"/>
+            <a:ext cx="2164889" cy="1341780"/>
+          </a:xfrm>
+          <a:prstGeom prst="rect">
+            <a:avLst/>
+          </a:prstGeom>
+          <a:noFill/>
+          <a:extLst>
+            <a:ext uri="{909E8E84-426E-40DD-AFC4-6F175D3DCCD1}">
+              <a14:hiddenFill xmlns:a14="http://schemas.microsoft.com/office/drawing/2010/main">
+                <a:solidFill>
+                  <a:srgbClr val="FFFFFF"/>
+                </a:solidFill>
+              </a14:hiddenFill>
+            </a:ext>
+          </a:extLst>
+        </p:spPr>
+      </p:pic>
+      <p:pic>
+        <p:nvPicPr>
+          <p:cNvPr id="2053" name="Picture 5" descr="C:\Users\ZePedro\Dropbox\mieic\5-ano\1-semestre\ECAC\DMMarket\Rlogo-1.png"/>
+          <p:cNvPicPr>
+            <a:picLocks noChangeAspect="1" noChangeArrowheads="1"/>
+          </p:cNvPicPr>
+          <p:nvPr/>
+        </p:nvPicPr>
+        <p:blipFill>
+          <a:blip r:embed="rId5" cstate="print">
+            <a:extLst>
+              <a:ext uri="{28A0092B-C50C-407E-A947-70E740481C1C}">
+                <a14:useLocalDpi xmlns:a14="http://schemas.microsoft.com/office/drawing/2010/main" val="0"/>
+              </a:ext>
+            </a:extLst>
+          </a:blip>
+          <a:srcRect/>
+          <a:stretch>
+            <a:fillRect/>
+          </a:stretch>
+        </p:blipFill>
+        <p:spPr bwMode="auto">
+          <a:xfrm>
+            <a:off x="4382525" y="3941988"/>
+            <a:ext cx="2998676" cy="2274858"/>
+          </a:xfrm>
+          <a:prstGeom prst="rect">
+            <a:avLst/>
+          </a:prstGeom>
+          <a:noFill/>
+          <a:extLst>
+            <a:ext uri="{909E8E84-426E-40DD-AFC4-6F175D3DCCD1}">
+              <a14:hiddenFill xmlns:a14="http://schemas.microsoft.com/office/drawing/2010/main">
+                <a:solidFill>
+                  <a:srgbClr val="FFFFFF"/>
+                </a:solidFill>
+              </a14:hiddenFill>
+            </a:ext>
+          </a:extLst>
+        </p:spPr>
+      </p:pic>
+      <p:sp>
+        <p:nvSpPr>
+          <p:cNvPr id="2" name="TextBox 1"/>
+          <p:cNvSpPr txBox="1"/>
+          <p:nvPr/>
+        </p:nvSpPr>
+        <p:spPr>
+          <a:xfrm>
+            <a:off x="1529579" y="2437474"/>
+            <a:ext cx="2198679" cy="1323439"/>
+          </a:xfrm>
+          <a:prstGeom prst="rect">
+            <a:avLst/>
+          </a:prstGeom>
+          <a:noFill/>
+        </p:spPr>
+        <p:txBody>
+          <a:bodyPr wrap="none" rtlCol="0">
+            <a:spAutoFit/>
+          </a:bodyPr>
+          <a:lstStyle/>
+          <a:p>
+            <a:r>
+              <a:rPr lang="pt-PT" sz="8000" dirty="0" smtClean="0"/>
+              <a:t>REST</a:t>
+            </a:r>
+            <a:endParaRPr lang="pt-PT" sz="8000" dirty="0"/>
+          </a:p>
+        </p:txBody>
+      </p:sp>
+      <p:sp>
+        <p:nvSpPr>
+          <p:cNvPr id="3" name="TextBox 2"/>
+          <p:cNvSpPr txBox="1"/>
+          <p:nvPr/>
+        </p:nvSpPr>
+        <p:spPr>
+          <a:xfrm>
+            <a:off x="3584034" y="4370728"/>
+            <a:ext cx="696024" cy="1323439"/>
+          </a:xfrm>
+          <a:prstGeom prst="rect">
+            <a:avLst/>
+          </a:prstGeom>
+          <a:noFill/>
+        </p:spPr>
+        <p:txBody>
+          <a:bodyPr wrap="none" rtlCol="0">
+            <a:spAutoFit/>
+          </a:bodyPr>
+          <a:lstStyle/>
+          <a:p>
+            <a:r>
+              <a:rPr lang="pt-PT" sz="8000" dirty="0" smtClean="0"/>
+              <a:t>+</a:t>
+            </a:r>
+            <a:endParaRPr lang="pt-PT" sz="8000" dirty="0"/>
+          </a:p>
+        </p:txBody>
+      </p:sp>
+      <p:sp>
+        <p:nvSpPr>
+          <p:cNvPr id="27" name="Rectangle 9"/>
           <p:cNvSpPr>
             <a:spLocks/>
           </p:cNvSpPr>
@@ -8264,7 +8430,7 @@
       </p:sp>
       <p:sp>
         <p:nvSpPr>
-          <p:cNvPr id="22" name="Rectangle 12"/>
+          <p:cNvPr id="37" name="Rectangle 12"/>
           <p:cNvSpPr>
             <a:spLocks/>
           </p:cNvSpPr>
@@ -8330,7 +8496,7 @@
       </p:sp>
       <p:sp>
         <p:nvSpPr>
-          <p:cNvPr id="23" name="Rectangle 14"/>
+          <p:cNvPr id="38" name="Rectangle 14"/>
           <p:cNvSpPr>
             <a:spLocks/>
           </p:cNvSpPr>
@@ -8389,7 +8555,7 @@
       </p:sp>
       <p:sp>
         <p:nvSpPr>
-          <p:cNvPr id="24" name="Rectangle 17"/>
+          <p:cNvPr id="39" name="Rectangle 17"/>
           <p:cNvSpPr>
             <a:spLocks/>
           </p:cNvSpPr>
@@ -8448,7 +8614,7 @@
       </p:sp>
       <p:sp>
         <p:nvSpPr>
-          <p:cNvPr id="25" name="Rectangle 13"/>
+          <p:cNvPr id="40" name="Rectangle 13"/>
           <p:cNvSpPr>
             <a:spLocks/>
           </p:cNvSpPr>
@@ -8514,7 +8680,7 @@
       </p:sp>
       <p:sp>
         <p:nvSpPr>
-          <p:cNvPr id="26" name="Rectangle 14"/>
+          <p:cNvPr id="41" name="Rectangle 14"/>
           <p:cNvSpPr>
             <a:spLocks/>
           </p:cNvSpPr>
@@ -8573,7 +8739,7 @@
       </p:sp>
       <p:sp>
         <p:nvSpPr>
-          <p:cNvPr id="27" name="Rectangle 14"/>
+          <p:cNvPr id="42" name="Rectangle 14"/>
           <p:cNvSpPr>
             <a:spLocks/>
           </p:cNvSpPr>
@@ -8639,7 +8805,7 @@
       </p:sp>
       <p:sp>
         <p:nvSpPr>
-          <p:cNvPr id="37" name="Rectangle 14"/>
+          <p:cNvPr id="43" name="Rectangle 14"/>
           <p:cNvSpPr>
             <a:spLocks/>
           </p:cNvSpPr>
@@ -8698,7 +8864,7 @@
       </p:sp>
       <p:sp>
         <p:nvSpPr>
-          <p:cNvPr id="38" name="Rectangle 14"/>
+          <p:cNvPr id="44" name="Rectangle 14"/>
           <p:cNvSpPr>
             <a:spLocks/>
           </p:cNvSpPr>
@@ -8758,7 +8924,7 @@
     </p:spTree>
     <p:extLst>
       <p:ext uri="{BB962C8B-B14F-4D97-AF65-F5344CB8AC3E}">
-        <p14:creationId xmlns:p14="http://schemas.microsoft.com/office/powerpoint/2010/main" val="571818541"/>
+        <p14:creationId xmlns:p14="http://schemas.microsoft.com/office/powerpoint/2010/main" val="3218845743"/>
       </p:ext>
     </p:extLst>
   </p:cSld>
@@ -8810,8 +8976,8 @@
         </p:nvSpPr>
         <p:spPr bwMode="auto">
           <a:xfrm>
-            <a:off x="3320837" y="2924944"/>
-            <a:ext cx="2252220" cy="492443"/>
+            <a:off x="396256" y="880701"/>
+            <a:ext cx="1997919" cy="492443"/>
           </a:xfrm>
           <a:prstGeom prst="rect">
             <a:avLst/>
@@ -8856,7 +9022,7 @@
                 <a:cs typeface="Helvetica Neue" charset="0"/>
                 <a:sym typeface="Helvetica Neue" charset="0"/>
               </a:rPr>
-              <a:t>Questions?</a:t>
+              <a:t>Work Plan</a:t>
             </a:r>
             <a:endParaRPr lang="en-US" sz="3200" b="1" dirty="0">
               <a:solidFill>
@@ -9107,15 +9273,956 @@
                 <a:ea typeface="Gill Sans" charset="0"/>
                 <a:cs typeface="Gill Sans" charset="0"/>
               </a:rPr>
-              <a:t>14</a:t>
-            </a:r>
-            <a:endParaRPr lang="en-US" dirty="0" smtClean="0">
+              <a:t>13</a:t>
+            </a:r>
+          </a:p>
+        </p:txBody>
+      </p:sp>
+      <p:sp>
+        <p:nvSpPr>
+          <p:cNvPr id="36" name="AutoShape 8"/>
+          <p:cNvSpPr>
+            <a:spLocks/>
+          </p:cNvSpPr>
+          <p:nvPr/>
+        </p:nvSpPr>
+        <p:spPr bwMode="auto">
+          <a:xfrm>
+            <a:off x="392908" y="6524625"/>
+            <a:ext cx="7491460" cy="152400"/>
+          </a:xfrm>
+          <a:prstGeom prst="roundRect">
+            <a:avLst>
+              <a:gd name="adj" fmla="val 50000"/>
+            </a:avLst>
+          </a:prstGeom>
+          <a:solidFill>
+            <a:srgbClr val="7AA8DA"/>
+          </a:solidFill>
+          <a:ln w="25400" cap="flat">
+            <a:solidFill>
+              <a:srgbClr val="B0B0B0"/>
+            </a:solidFill>
+            <a:prstDash val="solid"/>
+            <a:miter lim="800000"/>
+            <a:headEnd type="none" w="med" len="med"/>
+            <a:tailEnd type="none" w="med" len="med"/>
+          </a:ln>
+        </p:spPr>
+        <p:txBody>
+          <a:bodyPr lIns="0" tIns="0" rIns="0" bIns="0"/>
+          <a:lstStyle/>
+          <a:p>
+            <a:endParaRPr lang="pt-PT"/>
+          </a:p>
+        </p:txBody>
+      </p:sp>
+      <p:sp>
+        <p:nvSpPr>
+          <p:cNvPr id="21" name="Rectangle 9"/>
+          <p:cNvSpPr>
+            <a:spLocks/>
+          </p:cNvSpPr>
+          <p:nvPr/>
+        </p:nvSpPr>
+        <p:spPr bwMode="auto">
+          <a:xfrm>
+            <a:off x="755576" y="6303992"/>
+            <a:ext cx="792088" cy="153888"/>
+          </a:xfrm>
+          <a:prstGeom prst="rect">
+            <a:avLst/>
+          </a:prstGeom>
+          <a:noFill/>
+          <a:ln>
+            <a:noFill/>
+          </a:ln>
+          <a:extLst>
+            <a:ext uri="{909E8E84-426E-40DD-AFC4-6F175D3DCCD1}">
+              <a14:hiddenFill xmlns:a14="http://schemas.microsoft.com/office/drawing/2010/main">
+                <a:solidFill>
+                  <a:srgbClr val="FFFFFF"/>
+                </a:solidFill>
+              </a14:hiddenFill>
+            </a:ext>
+            <a:ext uri="{91240B29-F687-4F45-9708-019B960494DF}">
+              <a14:hiddenLine xmlns:a14="http://schemas.microsoft.com/office/drawing/2010/main" w="12700" cap="flat">
+                <a:solidFill>
+                  <a:schemeClr val="tx1"/>
+                </a:solidFill>
+                <a:miter lim="800000"/>
+                <a:headEnd type="none" w="med" len="med"/>
+                <a:tailEnd type="none" w="med" len="med"/>
+              </a14:hiddenLine>
+            </a:ext>
+          </a:extLst>
+        </p:spPr>
+        <p:txBody>
+          <a:bodyPr wrap="square" lIns="0" tIns="0" rIns="0" bIns="0" anchor="ctr">
+            <a:spAutoFit/>
+          </a:bodyPr>
+          <a:lstStyle/>
+          <a:p>
+            <a:r>
+              <a:rPr lang="en-US" sz="1000" dirty="0">
+                <a:solidFill>
+                  <a:srgbClr val="B0B0B0"/>
+                </a:solidFill>
+                <a:ea typeface="Gill Sans" charset="0"/>
+                <a:cs typeface="Gill Sans" charset="0"/>
+              </a:rPr>
+              <a:t>Motivation</a:t>
+            </a:r>
+          </a:p>
+        </p:txBody>
+      </p:sp>
+      <p:sp>
+        <p:nvSpPr>
+          <p:cNvPr id="22" name="Rectangle 12"/>
+          <p:cNvSpPr>
+            <a:spLocks/>
+          </p:cNvSpPr>
+          <p:nvPr/>
+        </p:nvSpPr>
+        <p:spPr bwMode="auto">
+          <a:xfrm>
+            <a:off x="1723075" y="6293790"/>
+            <a:ext cx="720079" cy="153888"/>
+          </a:xfrm>
+          <a:prstGeom prst="rect">
+            <a:avLst/>
+          </a:prstGeom>
+          <a:noFill/>
+          <a:ln>
+            <a:noFill/>
+          </a:ln>
+          <a:extLst>
+            <a:ext uri="{909E8E84-426E-40DD-AFC4-6F175D3DCCD1}">
+              <a14:hiddenFill xmlns:a14="http://schemas.microsoft.com/office/drawing/2010/main">
+                <a:solidFill>
+                  <a:srgbClr val="FFFFFF"/>
+                </a:solidFill>
+              </a14:hiddenFill>
+            </a:ext>
+            <a:ext uri="{91240B29-F687-4F45-9708-019B960494DF}">
+              <a14:hiddenLine xmlns:a14="http://schemas.microsoft.com/office/drawing/2010/main" w="12700" cap="flat">
+                <a:solidFill>
+                  <a:schemeClr val="tx1"/>
+                </a:solidFill>
+                <a:miter lim="800000"/>
+                <a:headEnd type="none" w="med" len="med"/>
+                <a:tailEnd type="none" w="med" len="med"/>
+              </a14:hiddenLine>
+            </a:ext>
+          </a:extLst>
+        </p:spPr>
+        <p:txBody>
+          <a:bodyPr wrap="square" lIns="0" tIns="0" rIns="0" bIns="0" anchor="ctr">
+            <a:spAutoFit/>
+          </a:bodyPr>
+          <a:lstStyle/>
+          <a:p>
+            <a:r>
+              <a:rPr lang="en-US" sz="1000" dirty="0" smtClean="0">
+                <a:solidFill>
+                  <a:srgbClr val="B0B0B0"/>
+                </a:solidFill>
+                <a:ea typeface="Gill Sans" charset="0"/>
+                <a:cs typeface="Gill Sans" charset="0"/>
+              </a:rPr>
+              <a:t>Framework</a:t>
+            </a:r>
+            <a:endParaRPr lang="en-US" sz="1000" dirty="0">
               <a:solidFill>
-                <a:srgbClr val="656565"/>
+                <a:srgbClr val="B0B0B0"/>
               </a:solidFill>
               <a:ea typeface="Gill Sans" charset="0"/>
               <a:cs typeface="Gill Sans" charset="0"/>
             </a:endParaRPr>
+          </a:p>
+        </p:txBody>
+      </p:sp>
+      <p:sp>
+        <p:nvSpPr>
+          <p:cNvPr id="23" name="Rectangle 14"/>
+          <p:cNvSpPr>
+            <a:spLocks/>
+          </p:cNvSpPr>
+          <p:nvPr/>
+        </p:nvSpPr>
+        <p:spPr bwMode="auto">
+          <a:xfrm>
+            <a:off x="3954387" y="6258832"/>
+            <a:ext cx="617613" cy="153888"/>
+          </a:xfrm>
+          <a:prstGeom prst="rect">
+            <a:avLst/>
+          </a:prstGeom>
+          <a:noFill/>
+          <a:ln>
+            <a:noFill/>
+          </a:ln>
+          <a:extLst>
+            <a:ext uri="{909E8E84-426E-40DD-AFC4-6F175D3DCCD1}">
+              <a14:hiddenFill xmlns:a14="http://schemas.microsoft.com/office/drawing/2010/main">
+                <a:solidFill>
+                  <a:srgbClr val="FFFFFF"/>
+                </a:solidFill>
+              </a14:hiddenFill>
+            </a:ext>
+            <a:ext uri="{91240B29-F687-4F45-9708-019B960494DF}">
+              <a14:hiddenLine xmlns:a14="http://schemas.microsoft.com/office/drawing/2010/main" w="12700" cap="flat">
+                <a:solidFill>
+                  <a:schemeClr val="tx1"/>
+                </a:solidFill>
+                <a:miter lim="800000"/>
+                <a:headEnd type="none" w="med" len="med"/>
+                <a:tailEnd type="none" w="med" len="med"/>
+              </a14:hiddenLine>
+            </a:ext>
+          </a:extLst>
+        </p:spPr>
+        <p:txBody>
+          <a:bodyPr wrap="square" lIns="0" tIns="0" rIns="0" bIns="0" anchor="ctr">
+            <a:spAutoFit/>
+          </a:bodyPr>
+          <a:lstStyle/>
+          <a:p>
+            <a:r>
+              <a:rPr lang="en-US" sz="1000" dirty="0" smtClean="0">
+                <a:solidFill>
+                  <a:srgbClr val="B0B0B0"/>
+                </a:solidFill>
+                <a:ea typeface="Gill Sans" charset="0"/>
+                <a:cs typeface="Gill Sans" charset="0"/>
+              </a:rPr>
+              <a:t>The Process</a:t>
+            </a:r>
+          </a:p>
+        </p:txBody>
+      </p:sp>
+      <p:sp>
+        <p:nvSpPr>
+          <p:cNvPr id="24" name="Rectangle 17"/>
+          <p:cNvSpPr>
+            <a:spLocks/>
+          </p:cNvSpPr>
+          <p:nvPr/>
+        </p:nvSpPr>
+        <p:spPr bwMode="auto">
+          <a:xfrm>
+            <a:off x="8095586" y="6288551"/>
+            <a:ext cx="721588" cy="153888"/>
+          </a:xfrm>
+          <a:prstGeom prst="rect">
+            <a:avLst/>
+          </a:prstGeom>
+          <a:noFill/>
+          <a:ln>
+            <a:noFill/>
+          </a:ln>
+          <a:extLst>
+            <a:ext uri="{909E8E84-426E-40DD-AFC4-6F175D3DCCD1}">
+              <a14:hiddenFill xmlns:a14="http://schemas.microsoft.com/office/drawing/2010/main">
+                <a:solidFill>
+                  <a:srgbClr val="FFFFFF"/>
+                </a:solidFill>
+              </a14:hiddenFill>
+            </a:ext>
+            <a:ext uri="{91240B29-F687-4F45-9708-019B960494DF}">
+              <a14:hiddenLine xmlns:a14="http://schemas.microsoft.com/office/drawing/2010/main" w="12700" cap="flat">
+                <a:solidFill>
+                  <a:schemeClr val="tx1"/>
+                </a:solidFill>
+                <a:miter lim="800000"/>
+                <a:headEnd type="none" w="med" len="med"/>
+                <a:tailEnd type="none" w="med" len="med"/>
+              </a14:hiddenLine>
+            </a:ext>
+          </a:extLst>
+        </p:spPr>
+        <p:txBody>
+          <a:bodyPr wrap="square" lIns="0" tIns="0" rIns="0" bIns="0" anchor="ctr">
+            <a:spAutoFit/>
+          </a:bodyPr>
+          <a:lstStyle/>
+          <a:p>
+            <a:r>
+              <a:rPr lang="en-US" sz="1000" dirty="0">
+                <a:solidFill>
+                  <a:srgbClr val="B0B0B0"/>
+                </a:solidFill>
+                <a:ea typeface="Gill Sans" charset="0"/>
+                <a:cs typeface="Gill Sans" charset="0"/>
+              </a:rPr>
+              <a:t>Questions</a:t>
+            </a:r>
+          </a:p>
+        </p:txBody>
+      </p:sp>
+      <p:sp>
+        <p:nvSpPr>
+          <p:cNvPr id="25" name="Rectangle 13"/>
+          <p:cNvSpPr>
+            <a:spLocks/>
+          </p:cNvSpPr>
+          <p:nvPr/>
+        </p:nvSpPr>
+        <p:spPr bwMode="auto">
+          <a:xfrm>
+            <a:off x="2771800" y="6206022"/>
+            <a:ext cx="888557" cy="307777"/>
+          </a:xfrm>
+          <a:prstGeom prst="rect">
+            <a:avLst/>
+          </a:prstGeom>
+          <a:noFill/>
+          <a:ln>
+            <a:noFill/>
+          </a:ln>
+          <a:extLst>
+            <a:ext uri="{909E8E84-426E-40DD-AFC4-6F175D3DCCD1}">
+              <a14:hiddenFill xmlns:a14="http://schemas.microsoft.com/office/drawing/2010/main">
+                <a:solidFill>
+                  <a:srgbClr val="FFFFFF"/>
+                </a:solidFill>
+              </a14:hiddenFill>
+            </a:ext>
+            <a:ext uri="{91240B29-F687-4F45-9708-019B960494DF}">
+              <a14:hiddenLine xmlns:a14="http://schemas.microsoft.com/office/drawing/2010/main" w="12700" cap="flat">
+                <a:solidFill>
+                  <a:schemeClr val="tx1"/>
+                </a:solidFill>
+                <a:miter lim="800000"/>
+                <a:headEnd type="none" w="med" len="med"/>
+                <a:tailEnd type="none" w="med" len="med"/>
+              </a14:hiddenLine>
+            </a:ext>
+          </a:extLst>
+        </p:spPr>
+        <p:txBody>
+          <a:bodyPr wrap="square" lIns="0" tIns="0" rIns="0" bIns="0" anchor="ctr">
+            <a:spAutoFit/>
+          </a:bodyPr>
+          <a:lstStyle/>
+          <a:p>
+            <a:r>
+              <a:rPr lang="en-US" sz="1000" dirty="0" smtClean="0">
+                <a:solidFill>
+                  <a:srgbClr val="B0B0B0"/>
+                </a:solidFill>
+                <a:ea typeface="Gill Sans" charset="0"/>
+                <a:cs typeface="Gill Sans" charset="0"/>
+              </a:rPr>
+              <a:t>Problem Characterization</a:t>
+            </a:r>
+            <a:endParaRPr lang="en-US" sz="1000" dirty="0">
+              <a:solidFill>
+                <a:srgbClr val="B0B0B0"/>
+              </a:solidFill>
+              <a:ea typeface="Gill Sans" charset="0"/>
+              <a:cs typeface="Gill Sans" charset="0"/>
+            </a:endParaRPr>
+          </a:p>
+        </p:txBody>
+      </p:sp>
+      <p:sp>
+        <p:nvSpPr>
+          <p:cNvPr id="26" name="Rectangle 14"/>
+          <p:cNvSpPr>
+            <a:spLocks/>
+          </p:cNvSpPr>
+          <p:nvPr/>
+        </p:nvSpPr>
+        <p:spPr bwMode="auto">
+          <a:xfrm>
+            <a:off x="4860032" y="6216845"/>
+            <a:ext cx="611662" cy="307777"/>
+          </a:xfrm>
+          <a:prstGeom prst="rect">
+            <a:avLst/>
+          </a:prstGeom>
+          <a:noFill/>
+          <a:ln>
+            <a:noFill/>
+          </a:ln>
+          <a:extLst>
+            <a:ext uri="{909E8E84-426E-40DD-AFC4-6F175D3DCCD1}">
+              <a14:hiddenFill xmlns:a14="http://schemas.microsoft.com/office/drawing/2010/main">
+                <a:solidFill>
+                  <a:srgbClr val="FFFFFF"/>
+                </a:solidFill>
+              </a14:hiddenFill>
+            </a:ext>
+            <a:ext uri="{91240B29-F687-4F45-9708-019B960494DF}">
+              <a14:hiddenLine xmlns:a14="http://schemas.microsoft.com/office/drawing/2010/main" w="12700" cap="flat">
+                <a:solidFill>
+                  <a:schemeClr val="tx1"/>
+                </a:solidFill>
+                <a:miter lim="800000"/>
+                <a:headEnd type="none" w="med" len="med"/>
+                <a:tailEnd type="none" w="med" len="med"/>
+              </a14:hiddenLine>
+            </a:ext>
+          </a:extLst>
+        </p:spPr>
+        <p:txBody>
+          <a:bodyPr wrap="square" lIns="0" tIns="0" rIns="0" bIns="0" anchor="ctr">
+            <a:spAutoFit/>
+          </a:bodyPr>
+          <a:lstStyle/>
+          <a:p>
+            <a:r>
+              <a:rPr lang="en-US" sz="1000" dirty="0" smtClean="0">
+                <a:solidFill>
+                  <a:srgbClr val="B0B0B0"/>
+                </a:solidFill>
+                <a:ea typeface="Gill Sans" charset="0"/>
+                <a:cs typeface="Gill Sans" charset="0"/>
+              </a:rPr>
+              <a:t>Problem Description</a:t>
+            </a:r>
+          </a:p>
+        </p:txBody>
+      </p:sp>
+      <p:sp>
+        <p:nvSpPr>
+          <p:cNvPr id="27" name="Rectangle 14"/>
+          <p:cNvSpPr>
+            <a:spLocks/>
+          </p:cNvSpPr>
+          <p:nvPr/>
+        </p:nvSpPr>
+        <p:spPr bwMode="auto">
+          <a:xfrm>
+            <a:off x="6444208" y="6282967"/>
+            <a:ext cx="690436" cy="153888"/>
+          </a:xfrm>
+          <a:prstGeom prst="rect">
+            <a:avLst/>
+          </a:prstGeom>
+          <a:noFill/>
+          <a:ln>
+            <a:noFill/>
+          </a:ln>
+          <a:extLst>
+            <a:ext uri="{909E8E84-426E-40DD-AFC4-6F175D3DCCD1}">
+              <a14:hiddenFill xmlns:a14="http://schemas.microsoft.com/office/drawing/2010/main">
+                <a:solidFill>
+                  <a:srgbClr val="FFFFFF"/>
+                </a:solidFill>
+              </a14:hiddenFill>
+            </a:ext>
+            <a:ext uri="{91240B29-F687-4F45-9708-019B960494DF}">
+              <a14:hiddenLine xmlns:a14="http://schemas.microsoft.com/office/drawing/2010/main" w="12700" cap="flat">
+                <a:solidFill>
+                  <a:schemeClr val="tx1"/>
+                </a:solidFill>
+                <a:miter lim="800000"/>
+                <a:headEnd type="none" w="med" len="med"/>
+                <a:tailEnd type="none" w="med" len="med"/>
+              </a14:hiddenLine>
+            </a:ext>
+          </a:extLst>
+        </p:spPr>
+        <p:txBody>
+          <a:bodyPr wrap="square" lIns="0" tIns="0" rIns="0" bIns="0" anchor="ctr">
+            <a:spAutoFit/>
+          </a:bodyPr>
+          <a:lstStyle/>
+          <a:p>
+            <a:r>
+              <a:rPr lang="en-US" sz="1000" dirty="0" smtClean="0">
+                <a:solidFill>
+                  <a:srgbClr val="B0B0B0"/>
+                </a:solidFill>
+                <a:ea typeface="Gill Sans" charset="0"/>
+                <a:cs typeface="Gill Sans" charset="0"/>
+              </a:rPr>
+              <a:t>Technology</a:t>
+            </a:r>
+            <a:endParaRPr lang="en-US" sz="1000" dirty="0">
+              <a:solidFill>
+                <a:srgbClr val="B0B0B0"/>
+              </a:solidFill>
+              <a:ea typeface="Gill Sans" charset="0"/>
+              <a:cs typeface="Gill Sans" charset="0"/>
+            </a:endParaRPr>
+          </a:p>
+        </p:txBody>
+      </p:sp>
+      <p:sp>
+        <p:nvSpPr>
+          <p:cNvPr id="37" name="Rectangle 14"/>
+          <p:cNvSpPr>
+            <a:spLocks/>
+          </p:cNvSpPr>
+          <p:nvPr/>
+        </p:nvSpPr>
+        <p:spPr bwMode="auto">
+          <a:xfrm>
+            <a:off x="5652120" y="6282965"/>
+            <a:ext cx="611662" cy="153888"/>
+          </a:xfrm>
+          <a:prstGeom prst="rect">
+            <a:avLst/>
+          </a:prstGeom>
+          <a:noFill/>
+          <a:ln>
+            <a:noFill/>
+          </a:ln>
+          <a:extLst>
+            <a:ext uri="{909E8E84-426E-40DD-AFC4-6F175D3DCCD1}">
+              <a14:hiddenFill xmlns:a14="http://schemas.microsoft.com/office/drawing/2010/main">
+                <a:solidFill>
+                  <a:srgbClr val="FFFFFF"/>
+                </a:solidFill>
+              </a14:hiddenFill>
+            </a:ext>
+            <a:ext uri="{91240B29-F687-4F45-9708-019B960494DF}">
+              <a14:hiddenLine xmlns:a14="http://schemas.microsoft.com/office/drawing/2010/main" w="12700" cap="flat">
+                <a:solidFill>
+                  <a:schemeClr val="tx1"/>
+                </a:solidFill>
+                <a:miter lim="800000"/>
+                <a:headEnd type="none" w="med" len="med"/>
+                <a:tailEnd type="none" w="med" len="med"/>
+              </a14:hiddenLine>
+            </a:ext>
+          </a:extLst>
+        </p:spPr>
+        <p:txBody>
+          <a:bodyPr wrap="square" lIns="0" tIns="0" rIns="0" bIns="0" anchor="ctr">
+            <a:spAutoFit/>
+          </a:bodyPr>
+          <a:lstStyle/>
+          <a:p>
+            <a:r>
+              <a:rPr lang="en-US" sz="1000" dirty="0" smtClean="0">
+                <a:solidFill>
+                  <a:srgbClr val="B0B0B0"/>
+                </a:solidFill>
+                <a:ea typeface="Gill Sans" charset="0"/>
+                <a:cs typeface="Gill Sans" charset="0"/>
+              </a:rPr>
+              <a:t>Algorithms</a:t>
+            </a:r>
+          </a:p>
+        </p:txBody>
+      </p:sp>
+      <p:sp>
+        <p:nvSpPr>
+          <p:cNvPr id="38" name="Rectangle 14"/>
+          <p:cNvSpPr>
+            <a:spLocks/>
+          </p:cNvSpPr>
+          <p:nvPr/>
+        </p:nvSpPr>
+        <p:spPr bwMode="auto">
+          <a:xfrm>
+            <a:off x="7308304" y="6282965"/>
+            <a:ext cx="576064" cy="153888"/>
+          </a:xfrm>
+          <a:prstGeom prst="rect">
+            <a:avLst/>
+          </a:prstGeom>
+          <a:noFill/>
+          <a:ln>
+            <a:noFill/>
+          </a:ln>
+          <a:extLst>
+            <a:ext uri="{909E8E84-426E-40DD-AFC4-6F175D3DCCD1}">
+              <a14:hiddenFill xmlns:a14="http://schemas.microsoft.com/office/drawing/2010/main">
+                <a:solidFill>
+                  <a:srgbClr val="FFFFFF"/>
+                </a:solidFill>
+              </a14:hiddenFill>
+            </a:ext>
+            <a:ext uri="{91240B29-F687-4F45-9708-019B960494DF}">
+              <a14:hiddenLine xmlns:a14="http://schemas.microsoft.com/office/drawing/2010/main" w="12700" cap="flat">
+                <a:solidFill>
+                  <a:schemeClr val="tx1"/>
+                </a:solidFill>
+                <a:miter lim="800000"/>
+                <a:headEnd type="none" w="med" len="med"/>
+                <a:tailEnd type="none" w="med" len="med"/>
+              </a14:hiddenLine>
+            </a:ext>
+          </a:extLst>
+        </p:spPr>
+        <p:txBody>
+          <a:bodyPr wrap="square" lIns="0" tIns="0" rIns="0" bIns="0" anchor="ctr">
+            <a:spAutoFit/>
+          </a:bodyPr>
+          <a:lstStyle/>
+          <a:p>
+            <a:r>
+              <a:rPr lang="en-US" sz="1000" dirty="0" smtClean="0">
+                <a:solidFill>
+                  <a:srgbClr val="B0B0B0"/>
+                </a:solidFill>
+                <a:ea typeface="Gill Sans" charset="0"/>
+                <a:cs typeface="Gill Sans" charset="0"/>
+              </a:rPr>
+              <a:t>Work Plan</a:t>
+            </a:r>
+          </a:p>
+        </p:txBody>
+      </p:sp>
+    </p:spTree>
+    <p:extLst>
+      <p:ext uri="{BB962C8B-B14F-4D97-AF65-F5344CB8AC3E}">
+        <p14:creationId xmlns:p14="http://schemas.microsoft.com/office/powerpoint/2010/main" val="571818541"/>
+      </p:ext>
+    </p:extLst>
+  </p:cSld>
+  <p:clrMapOvr>
+    <a:masterClrMapping/>
+  </p:clrMapOvr>
+  <mc:AlternateContent xmlns:mc="http://schemas.openxmlformats.org/markup-compatibility/2006" xmlns:p14="http://schemas.microsoft.com/office/powerpoint/2010/main">
+    <mc:Choice Requires="p14">
+      <p:transition spd="slow" p14:dur="2000"/>
+    </mc:Choice>
+    <mc:Fallback xmlns="">
+      <p:transition spd="slow"/>
+    </mc:Fallback>
+  </mc:AlternateContent>
+  <p:timing>
+    <p:tnLst>
+      <p:par>
+        <p:cTn id="1" dur="indefinite" restart="never" nodeType="tmRoot"/>
+      </p:par>
+    </p:tnLst>
+  </p:timing>
+</p:sld>
+</file>
+
+<file path=ppt/slides/slide16.xml><?xml version="1.0" encoding="utf-8"?>
+<p:sld xmlns:a="http://schemas.openxmlformats.org/drawingml/2006/main" xmlns:r="http://schemas.openxmlformats.org/officeDocument/2006/relationships" xmlns:p="http://schemas.openxmlformats.org/presentationml/2006/main">
+  <p:cSld>
+    <p:spTree>
+      <p:nvGrpSpPr>
+        <p:cNvPr id="1" name=""/>
+        <p:cNvGrpSpPr/>
+        <p:nvPr/>
+      </p:nvGrpSpPr>
+      <p:grpSpPr>
+        <a:xfrm>
+          <a:off x="0" y="0"/>
+          <a:ext cx="0" cy="0"/>
+          <a:chOff x="0" y="0"/>
+          <a:chExt cx="0" cy="0"/>
+        </a:xfrm>
+      </p:grpSpPr>
+      <p:sp>
+        <p:nvSpPr>
+          <p:cNvPr id="20485" name="Rectangle 5"/>
+          <p:cNvSpPr>
+            <a:spLocks/>
+          </p:cNvSpPr>
+          <p:nvPr/>
+        </p:nvSpPr>
+        <p:spPr bwMode="auto">
+          <a:xfrm>
+            <a:off x="3320837" y="2924944"/>
+            <a:ext cx="2252220" cy="492443"/>
+          </a:xfrm>
+          <a:prstGeom prst="rect">
+            <a:avLst/>
+          </a:prstGeom>
+          <a:noFill/>
+          <a:ln>
+            <a:noFill/>
+          </a:ln>
+          <a:extLst>
+            <a:ext uri="{909E8E84-426E-40DD-AFC4-6F175D3DCCD1}">
+              <a14:hiddenFill xmlns:a14="http://schemas.microsoft.com/office/drawing/2010/main">
+                <a:solidFill>
+                  <a:srgbClr val="FFFFFF"/>
+                </a:solidFill>
+              </a14:hiddenFill>
+            </a:ext>
+            <a:ext uri="{91240B29-F687-4F45-9708-019B960494DF}">
+              <a14:hiddenLine xmlns:a14="http://schemas.microsoft.com/office/drawing/2010/main" w="12700" cap="flat">
+                <a:solidFill>
+                  <a:schemeClr val="tx1"/>
+                </a:solidFill>
+                <a:miter lim="800000"/>
+                <a:headEnd type="none" w="med" len="med"/>
+                <a:tailEnd type="none" w="med" len="med"/>
+              </a14:hiddenLine>
+            </a:ext>
+          </a:extLst>
+        </p:spPr>
+        <p:txBody>
+          <a:bodyPr wrap="none" lIns="0" tIns="0" rIns="0" bIns="0" anchor="ctr">
+            <a:spAutoFit/>
+          </a:bodyPr>
+          <a:lstStyle/>
+          <a:p>
+            <a:r>
+              <a:rPr lang="en-US" sz="3200" b="1" dirty="0" smtClean="0">
+                <a:solidFill>
+                  <a:srgbClr val="3B8DCD"/>
+                </a:solidFill>
+                <a:latin typeface="Helvetica Neue" charset="0"/>
+                <a:ea typeface="Helvetica Neue" charset="0"/>
+                <a:cs typeface="Helvetica Neue" charset="0"/>
+                <a:sym typeface="Helvetica Neue" charset="0"/>
+              </a:rPr>
+              <a:t>Questions?</a:t>
+            </a:r>
+            <a:endParaRPr lang="en-US" sz="3200" b="1" dirty="0">
+              <a:solidFill>
+                <a:srgbClr val="3B8DCD"/>
+              </a:solidFill>
+              <a:latin typeface="Helvetica Neue" charset="0"/>
+              <a:ea typeface="Helvetica Neue" charset="0"/>
+              <a:cs typeface="Helvetica Neue" charset="0"/>
+              <a:sym typeface="Helvetica Neue" charset="0"/>
+            </a:endParaRPr>
+          </a:p>
+        </p:txBody>
+      </p:sp>
+      <p:sp>
+        <p:nvSpPr>
+          <p:cNvPr id="20487" name="AutoShape 7"/>
+          <p:cNvSpPr>
+            <a:spLocks/>
+          </p:cNvSpPr>
+          <p:nvPr/>
+        </p:nvSpPr>
+        <p:spPr bwMode="auto">
+          <a:xfrm>
+            <a:off x="385763" y="6524625"/>
+            <a:ext cx="8372475" cy="152400"/>
+          </a:xfrm>
+          <a:prstGeom prst="roundRect">
+            <a:avLst>
+              <a:gd name="adj" fmla="val 50000"/>
+            </a:avLst>
+          </a:prstGeom>
+          <a:solidFill>
+            <a:srgbClr val="B0B0B0"/>
+          </a:solidFill>
+          <a:ln w="25400" cap="flat">
+            <a:solidFill>
+              <a:srgbClr val="B0B0B0"/>
+            </a:solidFill>
+            <a:prstDash val="solid"/>
+            <a:miter lim="800000"/>
+            <a:headEnd type="none" w="med" len="med"/>
+            <a:tailEnd type="none" w="med" len="med"/>
+          </a:ln>
+        </p:spPr>
+        <p:txBody>
+          <a:bodyPr lIns="0" tIns="0" rIns="0" bIns="0"/>
+          <a:lstStyle/>
+          <a:p>
+            <a:endParaRPr lang="pt-PT"/>
+          </a:p>
+        </p:txBody>
+      </p:sp>
+      <p:sp>
+        <p:nvSpPr>
+          <p:cNvPr id="20488" name="AutoShape 8"/>
+          <p:cNvSpPr>
+            <a:spLocks/>
+          </p:cNvSpPr>
+          <p:nvPr/>
+        </p:nvSpPr>
+        <p:spPr bwMode="auto">
+          <a:xfrm>
+            <a:off x="392905" y="6524625"/>
+            <a:ext cx="4611143" cy="152400"/>
+          </a:xfrm>
+          <a:prstGeom prst="roundRect">
+            <a:avLst>
+              <a:gd name="adj" fmla="val 50000"/>
+            </a:avLst>
+          </a:prstGeom>
+          <a:solidFill>
+            <a:srgbClr val="7AA8DA"/>
+          </a:solidFill>
+          <a:ln w="25400" cap="flat">
+            <a:solidFill>
+              <a:srgbClr val="B0B0B0"/>
+            </a:solidFill>
+            <a:prstDash val="solid"/>
+            <a:miter lim="800000"/>
+            <a:headEnd type="none" w="med" len="med"/>
+            <a:tailEnd type="none" w="med" len="med"/>
+          </a:ln>
+        </p:spPr>
+        <p:txBody>
+          <a:bodyPr lIns="0" tIns="0" rIns="0" bIns="0"/>
+          <a:lstStyle/>
+          <a:p>
+            <a:endParaRPr lang="pt-PT"/>
+          </a:p>
+        </p:txBody>
+      </p:sp>
+      <p:sp>
+        <p:nvSpPr>
+          <p:cNvPr id="19" name="Rectangle 6"/>
+          <p:cNvSpPr>
+            <a:spLocks/>
+          </p:cNvSpPr>
+          <p:nvPr/>
+        </p:nvSpPr>
+        <p:spPr bwMode="auto">
+          <a:xfrm>
+            <a:off x="1088402" y="1700808"/>
+            <a:ext cx="7333946" cy="2664296"/>
+          </a:xfrm>
+          <a:prstGeom prst="rect">
+            <a:avLst/>
+          </a:prstGeom>
+          <a:noFill/>
+          <a:ln>
+            <a:noFill/>
+          </a:ln>
+          <a:extLst>
+            <a:ext uri="{909E8E84-426E-40DD-AFC4-6F175D3DCCD1}">
+              <a14:hiddenFill xmlns:a14="http://schemas.microsoft.com/office/drawing/2010/main">
+                <a:solidFill>
+                  <a:srgbClr val="FFFFFF"/>
+                </a:solidFill>
+              </a14:hiddenFill>
+            </a:ext>
+            <a:ext uri="{91240B29-F687-4F45-9708-019B960494DF}">
+              <a14:hiddenLine xmlns:a14="http://schemas.microsoft.com/office/drawing/2010/main" w="12700" cap="flat">
+                <a:solidFill>
+                  <a:schemeClr val="tx1"/>
+                </a:solidFill>
+                <a:miter lim="800000"/>
+                <a:headEnd type="none" w="med" len="med"/>
+                <a:tailEnd type="none" w="med" len="med"/>
+              </a14:hiddenLine>
+            </a:ext>
+          </a:extLst>
+        </p:spPr>
+        <p:txBody>
+          <a:bodyPr lIns="0" tIns="0" rIns="0" bIns="0" anchor="ctr"/>
+          <a:lstStyle/>
+          <a:p>
+            <a:pPr marL="342900" indent="-342900">
+              <a:spcBef>
+                <a:spcPts val="600"/>
+              </a:spcBef>
+              <a:spcAft>
+                <a:spcPts val="600"/>
+              </a:spcAft>
+              <a:buFont typeface="Arial" pitchFamily="34" charset="0"/>
+              <a:buChar char="•"/>
+            </a:pPr>
+            <a:endParaRPr lang="en-US" sz="2200" dirty="0">
+              <a:solidFill>
+                <a:srgbClr val="666666"/>
+              </a:solidFill>
+              <a:latin typeface="Helvetica Neue" charset="0"/>
+              <a:ea typeface="Helvetica Neue" charset="0"/>
+              <a:cs typeface="Helvetica Neue" charset="0"/>
+              <a:sym typeface="Helvetica Neue" charset="0"/>
+            </a:endParaRPr>
+          </a:p>
+        </p:txBody>
+      </p:sp>
+      <p:sp>
+        <p:nvSpPr>
+          <p:cNvPr id="14" name="AutoShape 7"/>
+          <p:cNvSpPr>
+            <a:spLocks/>
+          </p:cNvSpPr>
+          <p:nvPr/>
+        </p:nvSpPr>
+        <p:spPr bwMode="auto">
+          <a:xfrm>
+            <a:off x="385763" y="6524625"/>
+            <a:ext cx="8372475" cy="152400"/>
+          </a:xfrm>
+          <a:prstGeom prst="roundRect">
+            <a:avLst>
+              <a:gd name="adj" fmla="val 50000"/>
+            </a:avLst>
+          </a:prstGeom>
+          <a:solidFill>
+            <a:srgbClr val="B0B0B0"/>
+          </a:solidFill>
+          <a:ln w="25400" cap="flat">
+            <a:solidFill>
+              <a:srgbClr val="B0B0B0"/>
+            </a:solidFill>
+            <a:prstDash val="solid"/>
+            <a:miter lim="800000"/>
+            <a:headEnd type="none" w="med" len="med"/>
+            <a:tailEnd type="none" w="med" len="med"/>
+          </a:ln>
+        </p:spPr>
+        <p:txBody>
+          <a:bodyPr lIns="0" tIns="0" rIns="0" bIns="0"/>
+          <a:lstStyle/>
+          <a:p>
+            <a:endParaRPr lang="pt-PT"/>
+          </a:p>
+        </p:txBody>
+      </p:sp>
+      <p:sp>
+        <p:nvSpPr>
+          <p:cNvPr id="16" name="Rectangle 10"/>
+          <p:cNvSpPr>
+            <a:spLocks/>
+          </p:cNvSpPr>
+          <p:nvPr/>
+        </p:nvSpPr>
+        <p:spPr bwMode="auto">
+          <a:xfrm>
+            <a:off x="8816349" y="6448771"/>
+            <a:ext cx="234038" cy="276999"/>
+          </a:xfrm>
+          <a:prstGeom prst="rect">
+            <a:avLst/>
+          </a:prstGeom>
+          <a:noFill/>
+          <a:ln>
+            <a:noFill/>
+          </a:ln>
+          <a:extLst>
+            <a:ext uri="{909E8E84-426E-40DD-AFC4-6F175D3DCCD1}">
+              <a14:hiddenFill xmlns:a14="http://schemas.microsoft.com/office/drawing/2010/main">
+                <a:solidFill>
+                  <a:srgbClr val="FFFFFF"/>
+                </a:solidFill>
+              </a14:hiddenFill>
+            </a:ext>
+            <a:ext uri="{91240B29-F687-4F45-9708-019B960494DF}">
+              <a14:hiddenLine xmlns:a14="http://schemas.microsoft.com/office/drawing/2010/main" w="12700" cap="flat">
+                <a:solidFill>
+                  <a:schemeClr val="tx1"/>
+                </a:solidFill>
+                <a:miter lim="800000"/>
+                <a:headEnd type="none" w="med" len="med"/>
+                <a:tailEnd type="none" w="med" len="med"/>
+              </a14:hiddenLine>
+            </a:ext>
+          </a:extLst>
+        </p:spPr>
+        <p:txBody>
+          <a:bodyPr wrap="none" lIns="0" tIns="0" rIns="0" bIns="0" anchor="ctr">
+            <a:spAutoFit/>
+          </a:bodyPr>
+          <a:lstStyle/>
+          <a:p>
+            <a:r>
+              <a:rPr lang="en-US" dirty="0" smtClean="0">
+                <a:solidFill>
+                  <a:srgbClr val="656565"/>
+                </a:solidFill>
+                <a:ea typeface="Gill Sans" charset="0"/>
+                <a:cs typeface="Gill Sans" charset="0"/>
+              </a:rPr>
+              <a:t>14</a:t>
+            </a:r>
           </a:p>
         </p:txBody>
       </p:sp>
@@ -12055,13 +13162,6 @@
               </a:rPr>
               <a:t>3</a:t>
             </a:r>
-            <a:endParaRPr lang="en-US" dirty="0" smtClean="0">
-              <a:solidFill>
-                <a:srgbClr val="656565"/>
-              </a:solidFill>
-              <a:ea typeface="Gill Sans" charset="0"/>
-              <a:cs typeface="Gill Sans" charset="0"/>
-            </a:endParaRPr>
           </a:p>
         </p:txBody>
       </p:sp>
@@ -12985,13 +14085,6 @@
               </a:rPr>
               <a:t>4</a:t>
             </a:r>
-            <a:endParaRPr lang="en-US" dirty="0" smtClean="0">
-              <a:solidFill>
-                <a:srgbClr val="656565"/>
-              </a:solidFill>
-              <a:ea typeface="Gill Sans" charset="0"/>
-              <a:cs typeface="Gill Sans" charset="0"/>
-            </a:endParaRPr>
           </a:p>
         </p:txBody>
       </p:sp>
@@ -13816,7 +14909,7 @@
           <a:lstStyle/>
           <a:p>
             <a:r>
-              <a:rPr lang="en-US" sz="3200" b="1" dirty="0" smtClean="0">
+              <a:rPr lang="en-US" sz="3200" b="1" dirty="0">
                 <a:solidFill>
                   <a:srgbClr val="3B8DCD"/>
                 </a:solidFill>
@@ -14010,15 +15103,8 @@
                 <a:ea typeface="Gill Sans" charset="0"/>
                 <a:cs typeface="Gill Sans" charset="0"/>
               </a:rPr>
-              <a:t>5</a:t>
-            </a:r>
-            <a:endParaRPr lang="en-US" dirty="0" smtClean="0">
-              <a:solidFill>
-                <a:srgbClr val="656565"/>
-              </a:solidFill>
-              <a:ea typeface="Gill Sans" charset="0"/>
-              <a:cs typeface="Gill Sans" charset="0"/>
-            </a:endParaRPr>
+              <a:t>6</a:t>
+            </a:r>
           </a:p>
         </p:txBody>
       </p:sp>
@@ -14033,7 +15119,7 @@
         <p:spPr bwMode="auto">
           <a:xfrm>
             <a:off x="392908" y="6524625"/>
-            <a:ext cx="2594916" cy="152400"/>
+            <a:ext cx="2823170" cy="152400"/>
           </a:xfrm>
           <a:prstGeom prst="roundRect">
             <a:avLst>
@@ -14124,29 +15210,7 @@
                 <a:ea typeface="Helvetica Neue" charset="0"/>
                 <a:cs typeface="Helvetica Neue" charset="0"/>
               </a:rPr>
-              <a:t>S</a:t>
-            </a:r>
-            <a:r>
-              <a:rPr lang="en-US" sz="2800" dirty="0" smtClean="0">
-                <a:solidFill>
-                  <a:srgbClr val="666666"/>
-                </a:solidFill>
-                <a:latin typeface="Helvetica Neue" charset="0"/>
-                <a:ea typeface="Helvetica Neue" charset="0"/>
-                <a:cs typeface="Helvetica Neue" charset="0"/>
-              </a:rPr>
-              <a:t>imple </a:t>
-            </a:r>
-            <a:r>
-              <a:rPr lang="en-US" sz="2800" dirty="0">
-                <a:solidFill>
-                  <a:srgbClr val="666666"/>
-                </a:solidFill>
-                <a:latin typeface="Helvetica Neue" charset="0"/>
-                <a:ea typeface="Helvetica Neue" charset="0"/>
-                <a:cs typeface="Helvetica Neue" charset="0"/>
-              </a:rPr>
-              <a:t>measures</a:t>
+              <a:t>Number of examples in the dataset </a:t>
             </a:r>
           </a:p>
           <a:p>
@@ -14169,18 +15233,7 @@
                 <a:ea typeface="Helvetica Neue" charset="0"/>
                 <a:cs typeface="Helvetica Neue" charset="0"/>
               </a:rPr>
-              <a:t>Statistical </a:t>
-            </a:r>
-            <a:r>
-              <a:rPr lang="en-US" sz="2800" dirty="0">
-                <a:solidFill>
-                  <a:srgbClr val="666666"/>
-                </a:solidFill>
-                <a:latin typeface="Helvetica Neue" charset="0"/>
-                <a:ea typeface="Helvetica Neue" charset="0"/>
-                <a:cs typeface="Helvetica Neue" charset="0"/>
-              </a:rPr>
-              <a:t>measures</a:t>
+              <a:t>Proportion of symbolic attributes</a:t>
             </a:r>
           </a:p>
           <a:p>
@@ -14195,7 +15248,7 @@
               <a:buChar char="•"/>
             </a:pPr>
             <a:r>
-              <a:rPr lang="en-US" sz="2800" dirty="0">
+              <a:rPr lang="en-US" sz="2800" dirty="0" smtClean="0">
                 <a:solidFill>
                   <a:srgbClr val="666666"/>
                 </a:solidFill>
@@ -14203,10 +15256,10 @@
                 <a:ea typeface="Helvetica Neue" charset="0"/>
                 <a:cs typeface="Helvetica Neue" charset="0"/>
               </a:rPr>
-              <a:t>I</a:t>
-            </a:r>
-            <a:r>
-              <a:rPr lang="en-US" sz="2800" dirty="0" smtClean="0">
+              <a:t>Proportion </a:t>
+            </a:r>
+            <a:r>
+              <a:rPr lang="en-US" sz="2800" dirty="0">
                 <a:solidFill>
                   <a:srgbClr val="666666"/>
                 </a:solidFill>
@@ -14214,10 +15267,10 @@
                 <a:ea typeface="Helvetica Neue" charset="0"/>
                 <a:cs typeface="Helvetica Neue" charset="0"/>
               </a:rPr>
-              <a:t>nformation </a:t>
-            </a:r>
-            <a:r>
-              <a:rPr lang="en-US" sz="2800" dirty="0">
+              <a:t>of </a:t>
+            </a:r>
+            <a:r>
+              <a:rPr lang="en-US" sz="2800" dirty="0" smtClean="0">
                 <a:solidFill>
                   <a:srgbClr val="666666"/>
                 </a:solidFill>
@@ -14225,17 +15278,8 @@
                 <a:ea typeface="Helvetica Neue" charset="0"/>
                 <a:cs typeface="Helvetica Neue" charset="0"/>
               </a:rPr>
-              <a:t>based measures</a:t>
-            </a:r>
-            <a:endParaRPr lang="en-US" sz="2800" dirty="0">
-              <a:solidFill>
-                <a:srgbClr val="666666"/>
-              </a:solidFill>
-              <a:latin typeface="Helvetica Neue" charset="0"/>
-              <a:ea typeface="Helvetica Neue" charset="0"/>
-              <a:cs typeface="Helvetica Neue" charset="0"/>
-              <a:sym typeface="Helvetica Neue" charset="0"/>
-            </a:endParaRPr>
+              <a:t>attributes with outliers</a:t>
+            </a:r>
           </a:p>
           <a:p>
             <a:pPr marL="457200" indent="-457200">
@@ -14248,15 +15292,18 @@
               <a:buFont typeface="Arial" pitchFamily="34" charset="0"/>
               <a:buChar char="•"/>
             </a:pPr>
-            <a:endParaRPr lang="en-US" sz="2800" dirty="0">
-              <a:solidFill>
-                <a:srgbClr val="666666"/>
-              </a:solidFill>
-              <a:latin typeface="Helvetica Neue" charset="0"/>
-              <a:ea typeface="Helvetica Neue" charset="0"/>
-              <a:cs typeface="Helvetica Neue" charset="0"/>
-              <a:sym typeface="Helvetica Neue" charset="0"/>
-            </a:endParaRPr>
+            <a:r>
+              <a:rPr lang="en-US" sz="2800" dirty="0" smtClean="0">
+                <a:solidFill>
+                  <a:srgbClr val="666666"/>
+                </a:solidFill>
+                <a:latin typeface="Helvetica Neue" charset="0"/>
+                <a:ea typeface="Helvetica Neue" charset="0"/>
+                <a:cs typeface="Helvetica Neue" charset="0"/>
+                <a:sym typeface="Helvetica Neue" charset="0"/>
+              </a:rPr>
+              <a:t>Entropy of classes</a:t>
+            </a:r>
           </a:p>
         </p:txBody>
       </p:sp>
@@ -14815,7 +15862,7 @@
     </p:spTree>
     <p:extLst>
       <p:ext uri="{BB962C8B-B14F-4D97-AF65-F5344CB8AC3E}">
-        <p14:creationId xmlns:p14="http://schemas.microsoft.com/office/powerpoint/2010/main" val="3971464074"/>
+        <p14:creationId xmlns:p14="http://schemas.microsoft.com/office/powerpoint/2010/main" val="2414391273"/>
       </p:ext>
     </p:extLst>
   </p:cSld>
@@ -14868,7 +15915,7 @@
         <p:spPr bwMode="auto">
           <a:xfrm>
             <a:off x="385763" y="880701"/>
-            <a:ext cx="3348674" cy="492443"/>
+            <a:ext cx="4966103" cy="492443"/>
           </a:xfrm>
           <a:prstGeom prst="rect">
             <a:avLst/>
@@ -14904,7 +15951,7 @@
           <a:lstStyle/>
           <a:p>
             <a:r>
-              <a:rPr lang="en-US" sz="3200" b="1" dirty="0" smtClean="0">
+              <a:rPr lang="en-US" sz="3200" b="1" dirty="0">
                 <a:solidFill>
                   <a:srgbClr val="3B8DCD"/>
                 </a:solidFill>
@@ -14913,7 +15960,7 @@
                 <a:cs typeface="Helvetica Neue" charset="0"/>
                 <a:sym typeface="Helvetica Neue" charset="0"/>
               </a:rPr>
-              <a:t>Simple Measures</a:t>
+              <a:t>Problem Characterization</a:t>
             </a:r>
             <a:endParaRPr lang="en-US" sz="3200" b="1" dirty="0">
               <a:solidFill>
@@ -15100,13 +16147,6 @@
               </a:rPr>
               <a:t>6</a:t>
             </a:r>
-            <a:endParaRPr lang="en-US" dirty="0" smtClean="0">
-              <a:solidFill>
-                <a:srgbClr val="656565"/>
-              </a:solidFill>
-              <a:ea typeface="Gill Sans" charset="0"/>
-              <a:cs typeface="Gill Sans" charset="0"/>
-            </a:endParaRPr>
           </a:p>
         </p:txBody>
       </p:sp>
@@ -15121,7 +16161,7 @@
         <p:spPr bwMode="auto">
           <a:xfrm>
             <a:off x="392908" y="6524625"/>
-            <a:ext cx="2666924" cy="152400"/>
+            <a:ext cx="2954956" cy="152400"/>
           </a:xfrm>
           <a:prstGeom prst="roundRect">
             <a:avLst>
@@ -15212,8 +16252,92 @@
                 <a:ea typeface="Helvetica Neue" charset="0"/>
                 <a:cs typeface="Helvetica Neue" charset="0"/>
               </a:rPr>
-              <a:t>Number of examples in the dataset </a:t>
-            </a:r>
+              <a:t>Number of examples in the </a:t>
+            </a:r>
+            <a:r>
+              <a:rPr lang="en-US" sz="2800" dirty="0" smtClean="0">
+                <a:solidFill>
+                  <a:srgbClr val="666666"/>
+                </a:solidFill>
+                <a:latin typeface="Helvetica Neue" charset="0"/>
+                <a:ea typeface="Helvetica Neue" charset="0"/>
+                <a:cs typeface="Helvetica Neue" charset="0"/>
+              </a:rPr>
+              <a:t>dataset</a:t>
+            </a:r>
+          </a:p>
+          <a:p>
+            <a:pPr>
+              <a:spcBef>
+                <a:spcPts val="600"/>
+              </a:spcBef>
+              <a:spcAft>
+                <a:spcPts val="600"/>
+              </a:spcAft>
+            </a:pPr>
+            <a:r>
+              <a:rPr lang="en-US" sz="2200" dirty="0" smtClean="0">
+                <a:solidFill>
+                  <a:srgbClr val="666666"/>
+                </a:solidFill>
+                <a:latin typeface="Helvetica Neue" charset="0"/>
+                <a:ea typeface="Helvetica Neue" charset="0"/>
+                <a:cs typeface="Helvetica Neue" charset="0"/>
+              </a:rPr>
+              <a:t> Discriminates </a:t>
+            </a:r>
+            <a:r>
+              <a:rPr lang="en-US" sz="2200" dirty="0">
+                <a:solidFill>
+                  <a:srgbClr val="666666"/>
+                </a:solidFill>
+                <a:latin typeface="Helvetica Neue" charset="0"/>
+                <a:ea typeface="Helvetica Neue" charset="0"/>
+                <a:cs typeface="Helvetica Neue" charset="0"/>
+              </a:rPr>
+              <a:t>algorithms according to how </a:t>
+            </a:r>
+            <a:r>
+              <a:rPr lang="en-US" sz="2200" dirty="0" smtClean="0">
+                <a:solidFill>
+                  <a:srgbClr val="666666"/>
+                </a:solidFill>
+                <a:latin typeface="Helvetica Neue" charset="0"/>
+                <a:ea typeface="Helvetica Neue" charset="0"/>
+                <a:cs typeface="Helvetica Neue" charset="0"/>
+              </a:rPr>
+              <a:t>scalable they </a:t>
+            </a:r>
+            <a:r>
+              <a:rPr lang="en-US" sz="2200" dirty="0">
+                <a:solidFill>
+                  <a:srgbClr val="666666"/>
+                </a:solidFill>
+                <a:latin typeface="Helvetica Neue" charset="0"/>
+                <a:ea typeface="Helvetica Neue" charset="0"/>
+                <a:cs typeface="Helvetica Neue" charset="0"/>
+              </a:rPr>
+              <a:t>are with respect to this </a:t>
+            </a:r>
+            <a:r>
+              <a:rPr lang="en-US" sz="2200" dirty="0" smtClean="0">
+                <a:solidFill>
+                  <a:srgbClr val="666666"/>
+                </a:solidFill>
+                <a:latin typeface="Helvetica Neue" charset="0"/>
+                <a:ea typeface="Helvetica Neue" charset="0"/>
+                <a:cs typeface="Helvetica Neue" charset="0"/>
+              </a:rPr>
+              <a:t>measure.</a:t>
+            </a:r>
+            <a:endParaRPr lang="en-US" sz="2200" dirty="0">
+              <a:solidFill>
+                <a:srgbClr val="666666"/>
+              </a:solidFill>
+              <a:latin typeface="Helvetica Neue" charset="0"/>
+              <a:ea typeface="Helvetica Neue" charset="0"/>
+              <a:cs typeface="Helvetica Neue" charset="0"/>
+            </a:endParaRPr>
           </a:p>
           <a:p>
             <a:pPr marL="457200" indent="-457200">
@@ -15227,15 +16351,17 @@
               <a:buChar char="•"/>
             </a:pPr>
             <a:r>
-              <a:rPr lang="en-US" sz="2800" dirty="0">
-                <a:solidFill>
-                  <a:srgbClr val="666666"/>
+              <a:rPr lang="en-US" sz="2800" dirty="0" smtClean="0">
+                <a:solidFill>
+                  <a:schemeClr val="bg1">
+                    <a:lumMod val="95000"/>
+                  </a:schemeClr>
                 </a:solidFill>
                 <a:latin typeface="Helvetica Neue" charset="0"/>
                 <a:ea typeface="Helvetica Neue" charset="0"/>
                 <a:cs typeface="Helvetica Neue" charset="0"/>
               </a:rPr>
-              <a:t>Number of attributes. </a:t>
+              <a:t>Proportion of symbolic attributes</a:t>
             </a:r>
           </a:p>
           <a:p>
@@ -15250,26 +16376,43 @@
               <a:buChar char="•"/>
             </a:pPr>
             <a:r>
-              <a:rPr lang="en-US" sz="2800" dirty="0">
-                <a:solidFill>
-                  <a:srgbClr val="666666"/>
+              <a:rPr lang="en-US" sz="2800" dirty="0" smtClean="0">
+                <a:solidFill>
+                  <a:schemeClr val="bg1">
+                    <a:lumMod val="95000"/>
+                  </a:schemeClr>
                 </a:solidFill>
                 <a:latin typeface="Helvetica Neue" charset="0"/>
                 <a:ea typeface="Helvetica Neue" charset="0"/>
                 <a:cs typeface="Helvetica Neue" charset="0"/>
               </a:rPr>
-              <a:t>Proportion of binary </a:t>
-            </a:r>
-            <a:r>
-              <a:rPr lang="en-US" sz="2800" dirty="0" smtClean="0">
-                <a:solidFill>
-                  <a:srgbClr val="666666"/>
+              <a:t>Proportion </a:t>
+            </a:r>
+            <a:r>
+              <a:rPr lang="en-US" sz="2800" dirty="0">
+                <a:solidFill>
+                  <a:schemeClr val="bg1">
+                    <a:lumMod val="95000"/>
+                  </a:schemeClr>
                 </a:solidFill>
                 <a:latin typeface="Helvetica Neue" charset="0"/>
                 <a:ea typeface="Helvetica Neue" charset="0"/>
                 <a:cs typeface="Helvetica Neue" charset="0"/>
               </a:rPr>
-              <a:t>attributes</a:t>
+              <a:t>of </a:t>
+            </a:r>
+            <a:r>
+              <a:rPr lang="en-US" sz="2800" dirty="0" smtClean="0">
+                <a:solidFill>
+                  <a:schemeClr val="bg1">
+                    <a:lumMod val="95000"/>
+                  </a:schemeClr>
+                </a:solidFill>
+                <a:latin typeface="Helvetica Neue" charset="0"/>
+                <a:ea typeface="Helvetica Neue" charset="0"/>
+                <a:cs typeface="Helvetica Neue" charset="0"/>
+              </a:rPr>
+              <a:t>attributes with outliers</a:t>
             </a:r>
           </a:p>
           <a:p>
@@ -15286,45 +16429,17 @@
             <a:r>
               <a:rPr lang="en-US" sz="2800" dirty="0" smtClean="0">
                 <a:solidFill>
-                  <a:srgbClr val="666666"/>
+                  <a:schemeClr val="bg1">
+                    <a:lumMod val="95000"/>
+                  </a:schemeClr>
                 </a:solidFill>
                 <a:latin typeface="Helvetica Neue" charset="0"/>
                 <a:ea typeface="Helvetica Neue" charset="0"/>
                 <a:cs typeface="Helvetica Neue" charset="0"/>
                 <a:sym typeface="Helvetica Neue" charset="0"/>
               </a:rPr>
-              <a:t>…</a:t>
-            </a:r>
-            <a:endParaRPr lang="en-US" sz="2800" dirty="0">
-              <a:solidFill>
-                <a:srgbClr val="666666"/>
-              </a:solidFill>
-              <a:latin typeface="Helvetica Neue" charset="0"/>
-              <a:ea typeface="Helvetica Neue" charset="0"/>
-              <a:cs typeface="Helvetica Neue" charset="0"/>
-              <a:sym typeface="Helvetica Neue" charset="0"/>
-            </a:endParaRPr>
-          </a:p>
-          <a:p>
-            <a:pPr indent="-342900">
-              <a:spcBef>
-                <a:spcPts val="600"/>
-              </a:spcBef>
-              <a:spcAft>
-                <a:spcPts val="600"/>
-              </a:spcAft>
-              <a:buFont typeface="Arial" pitchFamily="34" charset="0"/>
-              <a:buChar char="•"/>
-            </a:pPr>
-            <a:endParaRPr lang="en-US" sz="2200" dirty="0">
-              <a:solidFill>
-                <a:srgbClr val="666666"/>
-              </a:solidFill>
-              <a:latin typeface="Helvetica Neue" charset="0"/>
-              <a:ea typeface="Helvetica Neue" charset="0"/>
-              <a:cs typeface="Helvetica Neue" charset="0"/>
-              <a:sym typeface="Helvetica Neue" charset="0"/>
-            </a:endParaRPr>
+              <a:t>Entropy of classes</a:t>
+            </a:r>
           </a:p>
         </p:txBody>
       </p:sp>
@@ -15883,7 +16998,7 @@
     </p:spTree>
     <p:extLst>
       <p:ext uri="{BB962C8B-B14F-4D97-AF65-F5344CB8AC3E}">
-        <p14:creationId xmlns:p14="http://schemas.microsoft.com/office/powerpoint/2010/main" val="2414391273"/>
+        <p14:creationId xmlns:p14="http://schemas.microsoft.com/office/powerpoint/2010/main" val="91556388"/>
       </p:ext>
     </p:extLst>
   </p:cSld>
@@ -15936,7 +17051,7 @@
         <p:spPr bwMode="auto">
           <a:xfrm>
             <a:off x="385763" y="880701"/>
-            <a:ext cx="3938579" cy="492443"/>
+            <a:ext cx="4966103" cy="492443"/>
           </a:xfrm>
           <a:prstGeom prst="rect">
             <a:avLst/>
@@ -15972,7 +17087,7 @@
           <a:lstStyle/>
           <a:p>
             <a:r>
-              <a:rPr lang="en-US" sz="3200" b="1" dirty="0" smtClean="0">
+              <a:rPr lang="en-US" sz="3200" b="1" dirty="0">
                 <a:solidFill>
                   <a:srgbClr val="3B8DCD"/>
                 </a:solidFill>
@@ -15981,7 +17096,7 @@
                 <a:cs typeface="Helvetica Neue" charset="0"/>
                 <a:sym typeface="Helvetica Neue" charset="0"/>
               </a:rPr>
-              <a:t>Statistical Measures</a:t>
+              <a:t>Problem Characterization</a:t>
             </a:r>
             <a:endParaRPr lang="en-US" sz="3200" b="1" dirty="0">
               <a:solidFill>
@@ -16166,11 +17281,361 @@
                 <a:ea typeface="Gill Sans" charset="0"/>
                 <a:cs typeface="Gill Sans" charset="0"/>
               </a:rPr>
-              <a:t>7</a:t>
-            </a:r>
-            <a:endParaRPr lang="en-US" dirty="0" smtClean="0">
+              <a:t>6</a:t>
+            </a:r>
+          </a:p>
+        </p:txBody>
+      </p:sp>
+      <p:sp>
+        <p:nvSpPr>
+          <p:cNvPr id="25" name="Rectangle 6"/>
+          <p:cNvSpPr>
+            <a:spLocks/>
+          </p:cNvSpPr>
+          <p:nvPr/>
+        </p:nvSpPr>
+        <p:spPr bwMode="auto">
+          <a:xfrm>
+            <a:off x="933505" y="1772816"/>
+            <a:ext cx="7333946" cy="3240360"/>
+          </a:xfrm>
+          <a:prstGeom prst="rect">
+            <a:avLst/>
+          </a:prstGeom>
+          <a:noFill/>
+          <a:ln>
+            <a:noFill/>
+          </a:ln>
+          <a:extLst>
+            <a:ext uri="{909E8E84-426E-40DD-AFC4-6F175D3DCCD1}">
+              <a14:hiddenFill xmlns:a14="http://schemas.microsoft.com/office/drawing/2010/main">
+                <a:solidFill>
+                  <a:srgbClr val="FFFFFF"/>
+                </a:solidFill>
+              </a14:hiddenFill>
+            </a:ext>
+            <a:ext uri="{91240B29-F687-4F45-9708-019B960494DF}">
+              <a14:hiddenLine xmlns:a14="http://schemas.microsoft.com/office/drawing/2010/main" w="12700" cap="flat">
+                <a:solidFill>
+                  <a:schemeClr val="tx1"/>
+                </a:solidFill>
+                <a:miter lim="800000"/>
+                <a:headEnd type="none" w="med" len="med"/>
+                <a:tailEnd type="none" w="med" len="med"/>
+              </a14:hiddenLine>
+            </a:ext>
+          </a:extLst>
+        </p:spPr>
+        <p:txBody>
+          <a:bodyPr lIns="0" tIns="0" rIns="0" bIns="0" anchor="ctr"/>
+          <a:lstStyle/>
+          <a:p>
+            <a:pPr marL="457200" indent="-457200">
+              <a:spcBef>
+                <a:spcPts val="600"/>
+              </a:spcBef>
+              <a:spcAft>
+                <a:spcPts val="600"/>
+              </a:spcAft>
+              <a:buFont typeface="Arial" pitchFamily="34" charset="0"/>
+              <a:buChar char="•"/>
+            </a:pPr>
+            <a:r>
+              <a:rPr lang="en-US" sz="2800" dirty="0">
+                <a:solidFill>
+                  <a:schemeClr val="bg1">
+                    <a:lumMod val="95000"/>
+                  </a:schemeClr>
+                </a:solidFill>
+                <a:latin typeface="Helvetica Neue" charset="0"/>
+                <a:ea typeface="Helvetica Neue" charset="0"/>
+                <a:cs typeface="Helvetica Neue" charset="0"/>
+              </a:rPr>
+              <a:t>Number of examples in the dataset </a:t>
+            </a:r>
+          </a:p>
+          <a:p>
+            <a:pPr marL="457200" indent="-457200">
+              <a:spcBef>
+                <a:spcPts val="600"/>
+              </a:spcBef>
+              <a:spcAft>
+                <a:spcPts val="600"/>
+              </a:spcAft>
+              <a:buFont typeface="Arial" pitchFamily="34" charset="0"/>
+              <a:buChar char="•"/>
+            </a:pPr>
+            <a:r>
+              <a:rPr lang="en-US" sz="2800" dirty="0" smtClean="0">
+                <a:solidFill>
+                  <a:srgbClr val="666666"/>
+                </a:solidFill>
+                <a:latin typeface="Helvetica Neue" charset="0"/>
+                <a:ea typeface="Helvetica Neue" charset="0"/>
+                <a:cs typeface="Helvetica Neue" charset="0"/>
+              </a:rPr>
+              <a:t>Proportion of symbolic attributes</a:t>
+            </a:r>
+          </a:p>
+          <a:p>
+            <a:pPr>
+              <a:spcBef>
+                <a:spcPts val="600"/>
+              </a:spcBef>
+              <a:spcAft>
+                <a:spcPts val="600"/>
+              </a:spcAft>
+            </a:pPr>
+            <a:r>
+              <a:rPr lang="en-US" sz="2200" dirty="0" smtClean="0">
+                <a:solidFill>
+                  <a:srgbClr val="666666"/>
+                </a:solidFill>
+                <a:latin typeface="Helvetica Neue" charset="0"/>
+                <a:ea typeface="Helvetica Neue" charset="0"/>
+                <a:cs typeface="Helvetica Neue" charset="0"/>
+              </a:rPr>
+              <a:t>Indicative </a:t>
+            </a:r>
+            <a:r>
+              <a:rPr lang="en-US" sz="2200" dirty="0">
+                <a:solidFill>
+                  <a:srgbClr val="666666"/>
+                </a:solidFill>
+                <a:latin typeface="Helvetica Neue" charset="0"/>
+                <a:ea typeface="Helvetica Neue" charset="0"/>
+                <a:cs typeface="Helvetica Neue" charset="0"/>
+              </a:rPr>
+              <a:t>of the aptitude </a:t>
+            </a:r>
+            <a:r>
+              <a:rPr lang="en-US" sz="2200" dirty="0" smtClean="0">
+                <a:solidFill>
+                  <a:srgbClr val="666666"/>
+                </a:solidFill>
+                <a:latin typeface="Helvetica Neue" charset="0"/>
+                <a:ea typeface="Helvetica Neue" charset="0"/>
+                <a:cs typeface="Helvetica Neue" charset="0"/>
+              </a:rPr>
+              <a:t>or inadequacy </a:t>
+            </a:r>
+            <a:r>
+              <a:rPr lang="en-US" sz="2200" dirty="0">
+                <a:solidFill>
+                  <a:srgbClr val="666666"/>
+                </a:solidFill>
+                <a:latin typeface="Helvetica Neue" charset="0"/>
+                <a:ea typeface="Helvetica Neue" charset="0"/>
+                <a:cs typeface="Helvetica Neue" charset="0"/>
+              </a:rPr>
+              <a:t>of the algorithm to deal with symbolic or numeric attributes</a:t>
+            </a:r>
+            <a:endParaRPr lang="en-US" sz="2200" dirty="0" smtClean="0">
               <a:solidFill>
-                <a:srgbClr val="656565"/>
+                <a:srgbClr val="666666"/>
+              </a:solidFill>
+              <a:latin typeface="Helvetica Neue" charset="0"/>
+              <a:ea typeface="Helvetica Neue" charset="0"/>
+              <a:cs typeface="Helvetica Neue" charset="0"/>
+            </a:endParaRPr>
+          </a:p>
+          <a:p>
+            <a:pPr marL="457200" indent="-457200">
+              <a:spcBef>
+                <a:spcPts val="600"/>
+              </a:spcBef>
+              <a:spcAft>
+                <a:spcPts val="600"/>
+              </a:spcAft>
+              <a:buFont typeface="Arial" pitchFamily="34" charset="0"/>
+              <a:buChar char="•"/>
+            </a:pPr>
+            <a:r>
+              <a:rPr lang="en-US" sz="2800" dirty="0">
+                <a:solidFill>
+                  <a:schemeClr val="bg1">
+                    <a:lumMod val="95000"/>
+                  </a:schemeClr>
+                </a:solidFill>
+                <a:latin typeface="Helvetica Neue" charset="0"/>
+                <a:ea typeface="Helvetica Neue" charset="0"/>
+                <a:cs typeface="Helvetica Neue" charset="0"/>
+              </a:rPr>
+              <a:t>Proportion </a:t>
+            </a:r>
+            <a:r>
+              <a:rPr lang="en-US" sz="2800" dirty="0">
+                <a:solidFill>
+                  <a:schemeClr val="bg1">
+                    <a:lumMod val="95000"/>
+                  </a:schemeClr>
+                </a:solidFill>
+                <a:latin typeface="Helvetica Neue" charset="0"/>
+                <a:ea typeface="Helvetica Neue" charset="0"/>
+                <a:cs typeface="Helvetica Neue" charset="0"/>
+              </a:rPr>
+              <a:t>of </a:t>
+            </a:r>
+            <a:r>
+              <a:rPr lang="en-US" sz="2800" dirty="0">
+                <a:solidFill>
+                  <a:schemeClr val="bg1">
+                    <a:lumMod val="95000"/>
+                  </a:schemeClr>
+                </a:solidFill>
+                <a:latin typeface="Helvetica Neue" charset="0"/>
+                <a:ea typeface="Helvetica Neue" charset="0"/>
+                <a:cs typeface="Helvetica Neue" charset="0"/>
+              </a:rPr>
+              <a:t>attributes with outliers</a:t>
+            </a:r>
+          </a:p>
+          <a:p>
+            <a:pPr marL="457200" indent="-457200">
+              <a:spcBef>
+                <a:spcPts val="600"/>
+              </a:spcBef>
+              <a:spcAft>
+                <a:spcPts val="600"/>
+              </a:spcAft>
+              <a:buFont typeface="Arial" pitchFamily="34" charset="0"/>
+              <a:buChar char="•"/>
+            </a:pPr>
+            <a:r>
+              <a:rPr lang="en-US" sz="2800" dirty="0">
+                <a:solidFill>
+                  <a:schemeClr val="bg1">
+                    <a:lumMod val="95000"/>
+                  </a:schemeClr>
+                </a:solidFill>
+                <a:latin typeface="Helvetica Neue" charset="0"/>
+                <a:ea typeface="Helvetica Neue" charset="0"/>
+                <a:cs typeface="Helvetica Neue" charset="0"/>
+                <a:sym typeface="Helvetica Neue" charset="0"/>
+              </a:rPr>
+              <a:t>Entropy of classes</a:t>
+            </a:r>
+          </a:p>
+        </p:txBody>
+      </p:sp>
+      <p:sp>
+        <p:nvSpPr>
+          <p:cNvPr id="21" name="Rectangle 9"/>
+          <p:cNvSpPr>
+            <a:spLocks/>
+          </p:cNvSpPr>
+          <p:nvPr/>
+        </p:nvSpPr>
+        <p:spPr bwMode="auto">
+          <a:xfrm>
+            <a:off x="755576" y="6303992"/>
+            <a:ext cx="792088" cy="153888"/>
+          </a:xfrm>
+          <a:prstGeom prst="rect">
+            <a:avLst/>
+          </a:prstGeom>
+          <a:noFill/>
+          <a:ln>
+            <a:noFill/>
+          </a:ln>
+          <a:extLst>
+            <a:ext uri="{909E8E84-426E-40DD-AFC4-6F175D3DCCD1}">
+              <a14:hiddenFill xmlns:a14="http://schemas.microsoft.com/office/drawing/2010/main">
+                <a:solidFill>
+                  <a:srgbClr val="FFFFFF"/>
+                </a:solidFill>
+              </a14:hiddenFill>
+            </a:ext>
+            <a:ext uri="{91240B29-F687-4F45-9708-019B960494DF}">
+              <a14:hiddenLine xmlns:a14="http://schemas.microsoft.com/office/drawing/2010/main" w="12700" cap="flat">
+                <a:solidFill>
+                  <a:schemeClr val="tx1"/>
+                </a:solidFill>
+                <a:miter lim="800000"/>
+                <a:headEnd type="none" w="med" len="med"/>
+                <a:tailEnd type="none" w="med" len="med"/>
+              </a14:hiddenLine>
+            </a:ext>
+          </a:extLst>
+        </p:spPr>
+        <p:txBody>
+          <a:bodyPr wrap="square" lIns="0" tIns="0" rIns="0" bIns="0" anchor="ctr">
+            <a:spAutoFit/>
+          </a:bodyPr>
+          <a:lstStyle/>
+          <a:p>
+            <a:r>
+              <a:rPr lang="en-US" sz="1000" dirty="0">
+                <a:solidFill>
+                  <a:srgbClr val="B0B0B0"/>
+                </a:solidFill>
+                <a:ea typeface="Gill Sans" charset="0"/>
+                <a:cs typeface="Gill Sans" charset="0"/>
+              </a:rPr>
+              <a:t>Motivation</a:t>
+            </a:r>
+          </a:p>
+        </p:txBody>
+      </p:sp>
+      <p:sp>
+        <p:nvSpPr>
+          <p:cNvPr id="22" name="Rectangle 12"/>
+          <p:cNvSpPr>
+            <a:spLocks/>
+          </p:cNvSpPr>
+          <p:nvPr/>
+        </p:nvSpPr>
+        <p:spPr bwMode="auto">
+          <a:xfrm>
+            <a:off x="1723075" y="6293790"/>
+            <a:ext cx="720079" cy="153888"/>
+          </a:xfrm>
+          <a:prstGeom prst="rect">
+            <a:avLst/>
+          </a:prstGeom>
+          <a:noFill/>
+          <a:ln>
+            <a:noFill/>
+          </a:ln>
+          <a:extLst>
+            <a:ext uri="{909E8E84-426E-40DD-AFC4-6F175D3DCCD1}">
+              <a14:hiddenFill xmlns:a14="http://schemas.microsoft.com/office/drawing/2010/main">
+                <a:solidFill>
+                  <a:srgbClr val="FFFFFF"/>
+                </a:solidFill>
+              </a14:hiddenFill>
+            </a:ext>
+            <a:ext uri="{91240B29-F687-4F45-9708-019B960494DF}">
+              <a14:hiddenLine xmlns:a14="http://schemas.microsoft.com/office/drawing/2010/main" w="12700" cap="flat">
+                <a:solidFill>
+                  <a:schemeClr val="tx1"/>
+                </a:solidFill>
+                <a:miter lim="800000"/>
+                <a:headEnd type="none" w="med" len="med"/>
+                <a:tailEnd type="none" w="med" len="med"/>
+              </a14:hiddenLine>
+            </a:ext>
+          </a:extLst>
+        </p:spPr>
+        <p:txBody>
+          <a:bodyPr wrap="square" lIns="0" tIns="0" rIns="0" bIns="0" anchor="ctr">
+            <a:spAutoFit/>
+          </a:bodyPr>
+          <a:lstStyle/>
+          <a:p>
+            <a:r>
+              <a:rPr lang="en-US" sz="1000" dirty="0" smtClean="0">
+                <a:solidFill>
+                  <a:srgbClr val="B0B0B0"/>
+                </a:solidFill>
+                <a:ea typeface="Gill Sans" charset="0"/>
+                <a:cs typeface="Gill Sans" charset="0"/>
+              </a:rPr>
+              <a:t>Framework</a:t>
+            </a:r>
+            <a:endParaRPr lang="en-US" sz="1000" dirty="0">
+              <a:solidFill>
+                <a:srgbClr val="B0B0B0"/>
               </a:solidFill>
               <a:ea typeface="Gill Sans" charset="0"/>
               <a:cs typeface="Gill Sans" charset="0"/>
@@ -16180,16 +17645,443 @@
       </p:sp>
       <p:sp>
         <p:nvSpPr>
-          <p:cNvPr id="57" name="AutoShape 8"/>
-          <p:cNvSpPr>
-            <a:spLocks/>
-          </p:cNvSpPr>
-          <p:nvPr/>
-        </p:nvSpPr>
-        <p:spPr bwMode="auto">
-          <a:xfrm>
-            <a:off x="392908" y="6524625"/>
-            <a:ext cx="3026964" cy="152400"/>
+          <p:cNvPr id="23" name="Rectangle 14"/>
+          <p:cNvSpPr>
+            <a:spLocks/>
+          </p:cNvSpPr>
+          <p:nvPr/>
+        </p:nvSpPr>
+        <p:spPr bwMode="auto">
+          <a:xfrm>
+            <a:off x="3954387" y="6258832"/>
+            <a:ext cx="617613" cy="153888"/>
+          </a:xfrm>
+          <a:prstGeom prst="rect">
+            <a:avLst/>
+          </a:prstGeom>
+          <a:noFill/>
+          <a:ln>
+            <a:noFill/>
+          </a:ln>
+          <a:extLst>
+            <a:ext uri="{909E8E84-426E-40DD-AFC4-6F175D3DCCD1}">
+              <a14:hiddenFill xmlns:a14="http://schemas.microsoft.com/office/drawing/2010/main">
+                <a:solidFill>
+                  <a:srgbClr val="FFFFFF"/>
+                </a:solidFill>
+              </a14:hiddenFill>
+            </a:ext>
+            <a:ext uri="{91240B29-F687-4F45-9708-019B960494DF}">
+              <a14:hiddenLine xmlns:a14="http://schemas.microsoft.com/office/drawing/2010/main" w="12700" cap="flat">
+                <a:solidFill>
+                  <a:schemeClr val="tx1"/>
+                </a:solidFill>
+                <a:miter lim="800000"/>
+                <a:headEnd type="none" w="med" len="med"/>
+                <a:tailEnd type="none" w="med" len="med"/>
+              </a14:hiddenLine>
+            </a:ext>
+          </a:extLst>
+        </p:spPr>
+        <p:txBody>
+          <a:bodyPr wrap="square" lIns="0" tIns="0" rIns="0" bIns="0" anchor="ctr">
+            <a:spAutoFit/>
+          </a:bodyPr>
+          <a:lstStyle/>
+          <a:p>
+            <a:r>
+              <a:rPr lang="en-US" sz="1000" dirty="0" smtClean="0">
+                <a:solidFill>
+                  <a:srgbClr val="B0B0B0"/>
+                </a:solidFill>
+                <a:ea typeface="Gill Sans" charset="0"/>
+                <a:cs typeface="Gill Sans" charset="0"/>
+              </a:rPr>
+              <a:t>The Process</a:t>
+            </a:r>
+          </a:p>
+        </p:txBody>
+      </p:sp>
+      <p:sp>
+        <p:nvSpPr>
+          <p:cNvPr id="24" name="Rectangle 17"/>
+          <p:cNvSpPr>
+            <a:spLocks/>
+          </p:cNvSpPr>
+          <p:nvPr/>
+        </p:nvSpPr>
+        <p:spPr bwMode="auto">
+          <a:xfrm>
+            <a:off x="8095586" y="6288551"/>
+            <a:ext cx="721588" cy="153888"/>
+          </a:xfrm>
+          <a:prstGeom prst="rect">
+            <a:avLst/>
+          </a:prstGeom>
+          <a:noFill/>
+          <a:ln>
+            <a:noFill/>
+          </a:ln>
+          <a:extLst>
+            <a:ext uri="{909E8E84-426E-40DD-AFC4-6F175D3DCCD1}">
+              <a14:hiddenFill xmlns:a14="http://schemas.microsoft.com/office/drawing/2010/main">
+                <a:solidFill>
+                  <a:srgbClr val="FFFFFF"/>
+                </a:solidFill>
+              </a14:hiddenFill>
+            </a:ext>
+            <a:ext uri="{91240B29-F687-4F45-9708-019B960494DF}">
+              <a14:hiddenLine xmlns:a14="http://schemas.microsoft.com/office/drawing/2010/main" w="12700" cap="flat">
+                <a:solidFill>
+                  <a:schemeClr val="tx1"/>
+                </a:solidFill>
+                <a:miter lim="800000"/>
+                <a:headEnd type="none" w="med" len="med"/>
+                <a:tailEnd type="none" w="med" len="med"/>
+              </a14:hiddenLine>
+            </a:ext>
+          </a:extLst>
+        </p:spPr>
+        <p:txBody>
+          <a:bodyPr wrap="square" lIns="0" tIns="0" rIns="0" bIns="0" anchor="ctr">
+            <a:spAutoFit/>
+          </a:bodyPr>
+          <a:lstStyle/>
+          <a:p>
+            <a:r>
+              <a:rPr lang="en-US" sz="1000" dirty="0">
+                <a:solidFill>
+                  <a:srgbClr val="B0B0B0"/>
+                </a:solidFill>
+                <a:ea typeface="Gill Sans" charset="0"/>
+                <a:cs typeface="Gill Sans" charset="0"/>
+              </a:rPr>
+              <a:t>Questions</a:t>
+            </a:r>
+          </a:p>
+        </p:txBody>
+      </p:sp>
+      <p:sp>
+        <p:nvSpPr>
+          <p:cNvPr id="26" name="Rectangle 13"/>
+          <p:cNvSpPr>
+            <a:spLocks/>
+          </p:cNvSpPr>
+          <p:nvPr/>
+        </p:nvSpPr>
+        <p:spPr bwMode="auto">
+          <a:xfrm>
+            <a:off x="2771800" y="6206022"/>
+            <a:ext cx="888557" cy="307777"/>
+          </a:xfrm>
+          <a:prstGeom prst="rect">
+            <a:avLst/>
+          </a:prstGeom>
+          <a:noFill/>
+          <a:ln>
+            <a:noFill/>
+          </a:ln>
+          <a:extLst>
+            <a:ext uri="{909E8E84-426E-40DD-AFC4-6F175D3DCCD1}">
+              <a14:hiddenFill xmlns:a14="http://schemas.microsoft.com/office/drawing/2010/main">
+                <a:solidFill>
+                  <a:srgbClr val="FFFFFF"/>
+                </a:solidFill>
+              </a14:hiddenFill>
+            </a:ext>
+            <a:ext uri="{91240B29-F687-4F45-9708-019B960494DF}">
+              <a14:hiddenLine xmlns:a14="http://schemas.microsoft.com/office/drawing/2010/main" w="12700" cap="flat">
+                <a:solidFill>
+                  <a:schemeClr val="tx1"/>
+                </a:solidFill>
+                <a:miter lim="800000"/>
+                <a:headEnd type="none" w="med" len="med"/>
+                <a:tailEnd type="none" w="med" len="med"/>
+              </a14:hiddenLine>
+            </a:ext>
+          </a:extLst>
+        </p:spPr>
+        <p:txBody>
+          <a:bodyPr wrap="square" lIns="0" tIns="0" rIns="0" bIns="0" anchor="ctr">
+            <a:spAutoFit/>
+          </a:bodyPr>
+          <a:lstStyle/>
+          <a:p>
+            <a:r>
+              <a:rPr lang="en-US" sz="1000" dirty="0" smtClean="0">
+                <a:solidFill>
+                  <a:srgbClr val="B0B0B0"/>
+                </a:solidFill>
+                <a:ea typeface="Gill Sans" charset="0"/>
+                <a:cs typeface="Gill Sans" charset="0"/>
+              </a:rPr>
+              <a:t>Problem Characterization</a:t>
+            </a:r>
+            <a:endParaRPr lang="en-US" sz="1000" dirty="0">
+              <a:solidFill>
+                <a:srgbClr val="B0B0B0"/>
+              </a:solidFill>
+              <a:ea typeface="Gill Sans" charset="0"/>
+              <a:cs typeface="Gill Sans" charset="0"/>
+            </a:endParaRPr>
+          </a:p>
+        </p:txBody>
+      </p:sp>
+      <p:sp>
+        <p:nvSpPr>
+          <p:cNvPr id="27" name="Rectangle 14"/>
+          <p:cNvSpPr>
+            <a:spLocks/>
+          </p:cNvSpPr>
+          <p:nvPr/>
+        </p:nvSpPr>
+        <p:spPr bwMode="auto">
+          <a:xfrm>
+            <a:off x="4860032" y="6216845"/>
+            <a:ext cx="611662" cy="307777"/>
+          </a:xfrm>
+          <a:prstGeom prst="rect">
+            <a:avLst/>
+          </a:prstGeom>
+          <a:noFill/>
+          <a:ln>
+            <a:noFill/>
+          </a:ln>
+          <a:extLst>
+            <a:ext uri="{909E8E84-426E-40DD-AFC4-6F175D3DCCD1}">
+              <a14:hiddenFill xmlns:a14="http://schemas.microsoft.com/office/drawing/2010/main">
+                <a:solidFill>
+                  <a:srgbClr val="FFFFFF"/>
+                </a:solidFill>
+              </a14:hiddenFill>
+            </a:ext>
+            <a:ext uri="{91240B29-F687-4F45-9708-019B960494DF}">
+              <a14:hiddenLine xmlns:a14="http://schemas.microsoft.com/office/drawing/2010/main" w="12700" cap="flat">
+                <a:solidFill>
+                  <a:schemeClr val="tx1"/>
+                </a:solidFill>
+                <a:miter lim="800000"/>
+                <a:headEnd type="none" w="med" len="med"/>
+                <a:tailEnd type="none" w="med" len="med"/>
+              </a14:hiddenLine>
+            </a:ext>
+          </a:extLst>
+        </p:spPr>
+        <p:txBody>
+          <a:bodyPr wrap="square" lIns="0" tIns="0" rIns="0" bIns="0" anchor="ctr">
+            <a:spAutoFit/>
+          </a:bodyPr>
+          <a:lstStyle/>
+          <a:p>
+            <a:r>
+              <a:rPr lang="en-US" sz="1000" dirty="0" smtClean="0">
+                <a:solidFill>
+                  <a:srgbClr val="B0B0B0"/>
+                </a:solidFill>
+                <a:ea typeface="Gill Sans" charset="0"/>
+                <a:cs typeface="Gill Sans" charset="0"/>
+              </a:rPr>
+              <a:t>Problem Description</a:t>
+            </a:r>
+          </a:p>
+        </p:txBody>
+      </p:sp>
+      <p:sp>
+        <p:nvSpPr>
+          <p:cNvPr id="28" name="Rectangle 14"/>
+          <p:cNvSpPr>
+            <a:spLocks/>
+          </p:cNvSpPr>
+          <p:nvPr/>
+        </p:nvSpPr>
+        <p:spPr bwMode="auto">
+          <a:xfrm>
+            <a:off x="6444208" y="6282967"/>
+            <a:ext cx="690436" cy="153888"/>
+          </a:xfrm>
+          <a:prstGeom prst="rect">
+            <a:avLst/>
+          </a:prstGeom>
+          <a:noFill/>
+          <a:ln>
+            <a:noFill/>
+          </a:ln>
+          <a:extLst>
+            <a:ext uri="{909E8E84-426E-40DD-AFC4-6F175D3DCCD1}">
+              <a14:hiddenFill xmlns:a14="http://schemas.microsoft.com/office/drawing/2010/main">
+                <a:solidFill>
+                  <a:srgbClr val="FFFFFF"/>
+                </a:solidFill>
+              </a14:hiddenFill>
+            </a:ext>
+            <a:ext uri="{91240B29-F687-4F45-9708-019B960494DF}">
+              <a14:hiddenLine xmlns:a14="http://schemas.microsoft.com/office/drawing/2010/main" w="12700" cap="flat">
+                <a:solidFill>
+                  <a:schemeClr val="tx1"/>
+                </a:solidFill>
+                <a:miter lim="800000"/>
+                <a:headEnd type="none" w="med" len="med"/>
+                <a:tailEnd type="none" w="med" len="med"/>
+              </a14:hiddenLine>
+            </a:ext>
+          </a:extLst>
+        </p:spPr>
+        <p:txBody>
+          <a:bodyPr wrap="square" lIns="0" tIns="0" rIns="0" bIns="0" anchor="ctr">
+            <a:spAutoFit/>
+          </a:bodyPr>
+          <a:lstStyle/>
+          <a:p>
+            <a:r>
+              <a:rPr lang="en-US" sz="1000" dirty="0" smtClean="0">
+                <a:solidFill>
+                  <a:srgbClr val="B0B0B0"/>
+                </a:solidFill>
+                <a:ea typeface="Gill Sans" charset="0"/>
+                <a:cs typeface="Gill Sans" charset="0"/>
+              </a:rPr>
+              <a:t>Technology</a:t>
+            </a:r>
+            <a:endParaRPr lang="en-US" sz="1000" dirty="0">
+              <a:solidFill>
+                <a:srgbClr val="B0B0B0"/>
+              </a:solidFill>
+              <a:ea typeface="Gill Sans" charset="0"/>
+              <a:cs typeface="Gill Sans" charset="0"/>
+            </a:endParaRPr>
+          </a:p>
+        </p:txBody>
+      </p:sp>
+      <p:sp>
+        <p:nvSpPr>
+          <p:cNvPr id="29" name="Rectangle 14"/>
+          <p:cNvSpPr>
+            <a:spLocks/>
+          </p:cNvSpPr>
+          <p:nvPr/>
+        </p:nvSpPr>
+        <p:spPr bwMode="auto">
+          <a:xfrm>
+            <a:off x="5652120" y="6282965"/>
+            <a:ext cx="611662" cy="153888"/>
+          </a:xfrm>
+          <a:prstGeom prst="rect">
+            <a:avLst/>
+          </a:prstGeom>
+          <a:noFill/>
+          <a:ln>
+            <a:noFill/>
+          </a:ln>
+          <a:extLst>
+            <a:ext uri="{909E8E84-426E-40DD-AFC4-6F175D3DCCD1}">
+              <a14:hiddenFill xmlns:a14="http://schemas.microsoft.com/office/drawing/2010/main">
+                <a:solidFill>
+                  <a:srgbClr val="FFFFFF"/>
+                </a:solidFill>
+              </a14:hiddenFill>
+            </a:ext>
+            <a:ext uri="{91240B29-F687-4F45-9708-019B960494DF}">
+              <a14:hiddenLine xmlns:a14="http://schemas.microsoft.com/office/drawing/2010/main" w="12700" cap="flat">
+                <a:solidFill>
+                  <a:schemeClr val="tx1"/>
+                </a:solidFill>
+                <a:miter lim="800000"/>
+                <a:headEnd type="none" w="med" len="med"/>
+                <a:tailEnd type="none" w="med" len="med"/>
+              </a14:hiddenLine>
+            </a:ext>
+          </a:extLst>
+        </p:spPr>
+        <p:txBody>
+          <a:bodyPr wrap="square" lIns="0" tIns="0" rIns="0" bIns="0" anchor="ctr">
+            <a:spAutoFit/>
+          </a:bodyPr>
+          <a:lstStyle/>
+          <a:p>
+            <a:r>
+              <a:rPr lang="en-US" sz="1000" dirty="0" smtClean="0">
+                <a:solidFill>
+                  <a:srgbClr val="B0B0B0"/>
+                </a:solidFill>
+                <a:ea typeface="Gill Sans" charset="0"/>
+                <a:cs typeface="Gill Sans" charset="0"/>
+              </a:rPr>
+              <a:t>Algorithms</a:t>
+            </a:r>
+          </a:p>
+        </p:txBody>
+      </p:sp>
+      <p:sp>
+        <p:nvSpPr>
+          <p:cNvPr id="30" name="Rectangle 14"/>
+          <p:cNvSpPr>
+            <a:spLocks/>
+          </p:cNvSpPr>
+          <p:nvPr/>
+        </p:nvSpPr>
+        <p:spPr bwMode="auto">
+          <a:xfrm>
+            <a:off x="7308304" y="6282965"/>
+            <a:ext cx="576064" cy="153888"/>
+          </a:xfrm>
+          <a:prstGeom prst="rect">
+            <a:avLst/>
+          </a:prstGeom>
+          <a:noFill/>
+          <a:ln>
+            <a:noFill/>
+          </a:ln>
+          <a:extLst>
+            <a:ext uri="{909E8E84-426E-40DD-AFC4-6F175D3DCCD1}">
+              <a14:hiddenFill xmlns:a14="http://schemas.microsoft.com/office/drawing/2010/main">
+                <a:solidFill>
+                  <a:srgbClr val="FFFFFF"/>
+                </a:solidFill>
+              </a14:hiddenFill>
+            </a:ext>
+            <a:ext uri="{91240B29-F687-4F45-9708-019B960494DF}">
+              <a14:hiddenLine xmlns:a14="http://schemas.microsoft.com/office/drawing/2010/main" w="12700" cap="flat">
+                <a:solidFill>
+                  <a:schemeClr val="tx1"/>
+                </a:solidFill>
+                <a:miter lim="800000"/>
+                <a:headEnd type="none" w="med" len="med"/>
+                <a:tailEnd type="none" w="med" len="med"/>
+              </a14:hiddenLine>
+            </a:ext>
+          </a:extLst>
+        </p:spPr>
+        <p:txBody>
+          <a:bodyPr wrap="square" lIns="0" tIns="0" rIns="0" bIns="0" anchor="ctr">
+            <a:spAutoFit/>
+          </a:bodyPr>
+          <a:lstStyle/>
+          <a:p>
+            <a:r>
+              <a:rPr lang="en-US" sz="1000" dirty="0" smtClean="0">
+                <a:solidFill>
+                  <a:srgbClr val="B0B0B0"/>
+                </a:solidFill>
+                <a:ea typeface="Gill Sans" charset="0"/>
+                <a:cs typeface="Gill Sans" charset="0"/>
+              </a:rPr>
+              <a:t>Work Plan</a:t>
+            </a:r>
+          </a:p>
+        </p:txBody>
+      </p:sp>
+      <p:sp>
+        <p:nvSpPr>
+          <p:cNvPr id="18" name="AutoShape 8"/>
+          <p:cNvSpPr>
+            <a:spLocks/>
+          </p:cNvSpPr>
+          <p:nvPr/>
+        </p:nvSpPr>
+        <p:spPr bwMode="auto">
+          <a:xfrm>
+            <a:off x="392907" y="6524625"/>
+            <a:ext cx="3267449" cy="152400"/>
           </a:xfrm>
           <a:prstGeom prst="roundRect">
             <a:avLst>
@@ -16217,720 +18109,10 @@
           </a:p>
         </p:txBody>
       </p:sp>
-      <p:sp>
-        <p:nvSpPr>
-          <p:cNvPr id="25" name="Rectangle 6"/>
-          <p:cNvSpPr>
-            <a:spLocks/>
-          </p:cNvSpPr>
-          <p:nvPr/>
-        </p:nvSpPr>
-        <p:spPr bwMode="auto">
-          <a:xfrm>
-            <a:off x="933505" y="1772816"/>
-            <a:ext cx="7333946" cy="3240360"/>
-          </a:xfrm>
-          <a:prstGeom prst="rect">
-            <a:avLst/>
-          </a:prstGeom>
-          <a:noFill/>
-          <a:ln>
-            <a:noFill/>
-          </a:ln>
-          <a:extLst>
-            <a:ext uri="{909E8E84-426E-40DD-AFC4-6F175D3DCCD1}">
-              <a14:hiddenFill xmlns:a14="http://schemas.microsoft.com/office/drawing/2010/main">
-                <a:solidFill>
-                  <a:srgbClr val="FFFFFF"/>
-                </a:solidFill>
-              </a14:hiddenFill>
-            </a:ext>
-            <a:ext uri="{91240B29-F687-4F45-9708-019B960494DF}">
-              <a14:hiddenLine xmlns:a14="http://schemas.microsoft.com/office/drawing/2010/main" w="12700" cap="flat">
-                <a:solidFill>
-                  <a:schemeClr val="tx1"/>
-                </a:solidFill>
-                <a:miter lim="800000"/>
-                <a:headEnd type="none" w="med" len="med"/>
-                <a:tailEnd type="none" w="med" len="med"/>
-              </a14:hiddenLine>
-            </a:ext>
-          </a:extLst>
-        </p:spPr>
-        <p:txBody>
-          <a:bodyPr lIns="0" tIns="0" rIns="0" bIns="0" anchor="ctr"/>
-          <a:lstStyle/>
-          <a:p>
-            <a:pPr marL="457200" indent="-457200">
-              <a:spcBef>
-                <a:spcPts val="600"/>
-              </a:spcBef>
-              <a:spcAft>
-                <a:spcPts val="600"/>
-              </a:spcAft>
-              <a:buFont typeface="Arial" pitchFamily="34" charset="0"/>
-              <a:buChar char="•"/>
-            </a:pPr>
-            <a:r>
-              <a:rPr lang="en-US" sz="2800" dirty="0">
-                <a:solidFill>
-                  <a:srgbClr val="666666"/>
-                </a:solidFill>
-                <a:latin typeface="Helvetica Neue" charset="0"/>
-                <a:ea typeface="Helvetica Neue" charset="0"/>
-                <a:cs typeface="Helvetica Neue" charset="0"/>
-              </a:rPr>
-              <a:t>Standard deviation ratio. </a:t>
-            </a:r>
-          </a:p>
-          <a:p>
-            <a:pPr marL="457200" indent="-457200">
-              <a:spcBef>
-                <a:spcPts val="600"/>
-              </a:spcBef>
-              <a:spcAft>
-                <a:spcPts val="600"/>
-              </a:spcAft>
-              <a:buFont typeface="Arial" pitchFamily="34" charset="0"/>
-              <a:buChar char="•"/>
-            </a:pPr>
-            <a:r>
-              <a:rPr lang="en-US" sz="2800" dirty="0" err="1">
-                <a:solidFill>
-                  <a:srgbClr val="666666"/>
-                </a:solidFill>
-                <a:latin typeface="Helvetica Neue" charset="0"/>
-                <a:ea typeface="Helvetica Neue" charset="0"/>
-                <a:cs typeface="Helvetica Neue" charset="0"/>
-              </a:rPr>
-              <a:t>Skewness</a:t>
-            </a:r>
-            <a:r>
-              <a:rPr lang="en-US" sz="2800" dirty="0">
-                <a:solidFill>
-                  <a:srgbClr val="666666"/>
-                </a:solidFill>
-                <a:latin typeface="Helvetica Neue" charset="0"/>
-                <a:ea typeface="Helvetica Neue" charset="0"/>
-                <a:cs typeface="Helvetica Neue" charset="0"/>
-              </a:rPr>
-              <a:t> </a:t>
-            </a:r>
-          </a:p>
-          <a:p>
-            <a:pPr marL="457200" indent="-457200">
-              <a:spcBef>
-                <a:spcPts val="600"/>
-              </a:spcBef>
-              <a:spcAft>
-                <a:spcPts val="600"/>
-              </a:spcAft>
-              <a:buFont typeface="Arial" pitchFamily="34" charset="0"/>
-              <a:buChar char="•"/>
-            </a:pPr>
-            <a:r>
-              <a:rPr lang="en-US" sz="2800" dirty="0">
-                <a:solidFill>
-                  <a:srgbClr val="666666"/>
-                </a:solidFill>
-                <a:latin typeface="Helvetica Neue" charset="0"/>
-                <a:ea typeface="Helvetica Neue" charset="0"/>
-                <a:cs typeface="Helvetica Neue" charset="0"/>
-              </a:rPr>
-              <a:t>Kurtosis</a:t>
-            </a:r>
-          </a:p>
-          <a:p>
-            <a:pPr marL="457200" indent="-457200">
-              <a:spcBef>
-                <a:spcPts val="600"/>
-              </a:spcBef>
-              <a:spcAft>
-                <a:spcPts val="600"/>
-              </a:spcAft>
-              <a:buFont typeface="Arial" pitchFamily="34" charset="0"/>
-              <a:buChar char="•"/>
-            </a:pPr>
-            <a:r>
-              <a:rPr lang="en-US" sz="2800" dirty="0" smtClean="0">
-                <a:solidFill>
-                  <a:srgbClr val="666666"/>
-                </a:solidFill>
-                <a:latin typeface="Helvetica Neue" charset="0"/>
-                <a:ea typeface="Helvetica Neue" charset="0"/>
-                <a:cs typeface="Helvetica Neue" charset="0"/>
-                <a:sym typeface="Helvetica Neue" charset="0"/>
-              </a:rPr>
-              <a:t>…</a:t>
-            </a:r>
-            <a:endParaRPr lang="en-US" sz="2200" dirty="0">
-              <a:solidFill>
-                <a:srgbClr val="666666"/>
-              </a:solidFill>
-              <a:latin typeface="Helvetica Neue" charset="0"/>
-              <a:ea typeface="Helvetica Neue" charset="0"/>
-              <a:cs typeface="Helvetica Neue" charset="0"/>
-              <a:sym typeface="Helvetica Neue" charset="0"/>
-            </a:endParaRPr>
-          </a:p>
-        </p:txBody>
-      </p:sp>
-      <p:sp>
-        <p:nvSpPr>
-          <p:cNvPr id="21" name="Rectangle 9"/>
-          <p:cNvSpPr>
-            <a:spLocks/>
-          </p:cNvSpPr>
-          <p:nvPr/>
-        </p:nvSpPr>
-        <p:spPr bwMode="auto">
-          <a:xfrm>
-            <a:off x="755576" y="6303992"/>
-            <a:ext cx="792088" cy="153888"/>
-          </a:xfrm>
-          <a:prstGeom prst="rect">
-            <a:avLst/>
-          </a:prstGeom>
-          <a:noFill/>
-          <a:ln>
-            <a:noFill/>
-          </a:ln>
-          <a:extLst>
-            <a:ext uri="{909E8E84-426E-40DD-AFC4-6F175D3DCCD1}">
-              <a14:hiddenFill xmlns:a14="http://schemas.microsoft.com/office/drawing/2010/main">
-                <a:solidFill>
-                  <a:srgbClr val="FFFFFF"/>
-                </a:solidFill>
-              </a14:hiddenFill>
-            </a:ext>
-            <a:ext uri="{91240B29-F687-4F45-9708-019B960494DF}">
-              <a14:hiddenLine xmlns:a14="http://schemas.microsoft.com/office/drawing/2010/main" w="12700" cap="flat">
-                <a:solidFill>
-                  <a:schemeClr val="tx1"/>
-                </a:solidFill>
-                <a:miter lim="800000"/>
-                <a:headEnd type="none" w="med" len="med"/>
-                <a:tailEnd type="none" w="med" len="med"/>
-              </a14:hiddenLine>
-            </a:ext>
-          </a:extLst>
-        </p:spPr>
-        <p:txBody>
-          <a:bodyPr wrap="square" lIns="0" tIns="0" rIns="0" bIns="0" anchor="ctr">
-            <a:spAutoFit/>
-          </a:bodyPr>
-          <a:lstStyle/>
-          <a:p>
-            <a:r>
-              <a:rPr lang="en-US" sz="1000" dirty="0">
-                <a:solidFill>
-                  <a:srgbClr val="B0B0B0"/>
-                </a:solidFill>
-                <a:ea typeface="Gill Sans" charset="0"/>
-                <a:cs typeface="Gill Sans" charset="0"/>
-              </a:rPr>
-              <a:t>Motivation</a:t>
-            </a:r>
-          </a:p>
-        </p:txBody>
-      </p:sp>
-      <p:sp>
-        <p:nvSpPr>
-          <p:cNvPr id="22" name="Rectangle 12"/>
-          <p:cNvSpPr>
-            <a:spLocks/>
-          </p:cNvSpPr>
-          <p:nvPr/>
-        </p:nvSpPr>
-        <p:spPr bwMode="auto">
-          <a:xfrm>
-            <a:off x="1723075" y="6293790"/>
-            <a:ext cx="720079" cy="153888"/>
-          </a:xfrm>
-          <a:prstGeom prst="rect">
-            <a:avLst/>
-          </a:prstGeom>
-          <a:noFill/>
-          <a:ln>
-            <a:noFill/>
-          </a:ln>
-          <a:extLst>
-            <a:ext uri="{909E8E84-426E-40DD-AFC4-6F175D3DCCD1}">
-              <a14:hiddenFill xmlns:a14="http://schemas.microsoft.com/office/drawing/2010/main">
-                <a:solidFill>
-                  <a:srgbClr val="FFFFFF"/>
-                </a:solidFill>
-              </a14:hiddenFill>
-            </a:ext>
-            <a:ext uri="{91240B29-F687-4F45-9708-019B960494DF}">
-              <a14:hiddenLine xmlns:a14="http://schemas.microsoft.com/office/drawing/2010/main" w="12700" cap="flat">
-                <a:solidFill>
-                  <a:schemeClr val="tx1"/>
-                </a:solidFill>
-                <a:miter lim="800000"/>
-                <a:headEnd type="none" w="med" len="med"/>
-                <a:tailEnd type="none" w="med" len="med"/>
-              </a14:hiddenLine>
-            </a:ext>
-          </a:extLst>
-        </p:spPr>
-        <p:txBody>
-          <a:bodyPr wrap="square" lIns="0" tIns="0" rIns="0" bIns="0" anchor="ctr">
-            <a:spAutoFit/>
-          </a:bodyPr>
-          <a:lstStyle/>
-          <a:p>
-            <a:r>
-              <a:rPr lang="en-US" sz="1000" dirty="0" smtClean="0">
-                <a:solidFill>
-                  <a:srgbClr val="B0B0B0"/>
-                </a:solidFill>
-                <a:ea typeface="Gill Sans" charset="0"/>
-                <a:cs typeface="Gill Sans" charset="0"/>
-              </a:rPr>
-              <a:t>Framework</a:t>
-            </a:r>
-            <a:endParaRPr lang="en-US" sz="1000" dirty="0">
-              <a:solidFill>
-                <a:srgbClr val="B0B0B0"/>
-              </a:solidFill>
-              <a:ea typeface="Gill Sans" charset="0"/>
-              <a:cs typeface="Gill Sans" charset="0"/>
-            </a:endParaRPr>
-          </a:p>
-        </p:txBody>
-      </p:sp>
-      <p:sp>
-        <p:nvSpPr>
-          <p:cNvPr id="23" name="Rectangle 14"/>
-          <p:cNvSpPr>
-            <a:spLocks/>
-          </p:cNvSpPr>
-          <p:nvPr/>
-        </p:nvSpPr>
-        <p:spPr bwMode="auto">
-          <a:xfrm>
-            <a:off x="3954387" y="6258832"/>
-            <a:ext cx="617613" cy="153888"/>
-          </a:xfrm>
-          <a:prstGeom prst="rect">
-            <a:avLst/>
-          </a:prstGeom>
-          <a:noFill/>
-          <a:ln>
-            <a:noFill/>
-          </a:ln>
-          <a:extLst>
-            <a:ext uri="{909E8E84-426E-40DD-AFC4-6F175D3DCCD1}">
-              <a14:hiddenFill xmlns:a14="http://schemas.microsoft.com/office/drawing/2010/main">
-                <a:solidFill>
-                  <a:srgbClr val="FFFFFF"/>
-                </a:solidFill>
-              </a14:hiddenFill>
-            </a:ext>
-            <a:ext uri="{91240B29-F687-4F45-9708-019B960494DF}">
-              <a14:hiddenLine xmlns:a14="http://schemas.microsoft.com/office/drawing/2010/main" w="12700" cap="flat">
-                <a:solidFill>
-                  <a:schemeClr val="tx1"/>
-                </a:solidFill>
-                <a:miter lim="800000"/>
-                <a:headEnd type="none" w="med" len="med"/>
-                <a:tailEnd type="none" w="med" len="med"/>
-              </a14:hiddenLine>
-            </a:ext>
-          </a:extLst>
-        </p:spPr>
-        <p:txBody>
-          <a:bodyPr wrap="square" lIns="0" tIns="0" rIns="0" bIns="0" anchor="ctr">
-            <a:spAutoFit/>
-          </a:bodyPr>
-          <a:lstStyle/>
-          <a:p>
-            <a:r>
-              <a:rPr lang="en-US" sz="1000" dirty="0" smtClean="0">
-                <a:solidFill>
-                  <a:srgbClr val="B0B0B0"/>
-                </a:solidFill>
-                <a:ea typeface="Gill Sans" charset="0"/>
-                <a:cs typeface="Gill Sans" charset="0"/>
-              </a:rPr>
-              <a:t>The Process</a:t>
-            </a:r>
-          </a:p>
-        </p:txBody>
-      </p:sp>
-      <p:sp>
-        <p:nvSpPr>
-          <p:cNvPr id="24" name="Rectangle 17"/>
-          <p:cNvSpPr>
-            <a:spLocks/>
-          </p:cNvSpPr>
-          <p:nvPr/>
-        </p:nvSpPr>
-        <p:spPr bwMode="auto">
-          <a:xfrm>
-            <a:off x="8095586" y="6288551"/>
-            <a:ext cx="721588" cy="153888"/>
-          </a:xfrm>
-          <a:prstGeom prst="rect">
-            <a:avLst/>
-          </a:prstGeom>
-          <a:noFill/>
-          <a:ln>
-            <a:noFill/>
-          </a:ln>
-          <a:extLst>
-            <a:ext uri="{909E8E84-426E-40DD-AFC4-6F175D3DCCD1}">
-              <a14:hiddenFill xmlns:a14="http://schemas.microsoft.com/office/drawing/2010/main">
-                <a:solidFill>
-                  <a:srgbClr val="FFFFFF"/>
-                </a:solidFill>
-              </a14:hiddenFill>
-            </a:ext>
-            <a:ext uri="{91240B29-F687-4F45-9708-019B960494DF}">
-              <a14:hiddenLine xmlns:a14="http://schemas.microsoft.com/office/drawing/2010/main" w="12700" cap="flat">
-                <a:solidFill>
-                  <a:schemeClr val="tx1"/>
-                </a:solidFill>
-                <a:miter lim="800000"/>
-                <a:headEnd type="none" w="med" len="med"/>
-                <a:tailEnd type="none" w="med" len="med"/>
-              </a14:hiddenLine>
-            </a:ext>
-          </a:extLst>
-        </p:spPr>
-        <p:txBody>
-          <a:bodyPr wrap="square" lIns="0" tIns="0" rIns="0" bIns="0" anchor="ctr">
-            <a:spAutoFit/>
-          </a:bodyPr>
-          <a:lstStyle/>
-          <a:p>
-            <a:r>
-              <a:rPr lang="en-US" sz="1000" dirty="0">
-                <a:solidFill>
-                  <a:srgbClr val="B0B0B0"/>
-                </a:solidFill>
-                <a:ea typeface="Gill Sans" charset="0"/>
-                <a:cs typeface="Gill Sans" charset="0"/>
-              </a:rPr>
-              <a:t>Questions</a:t>
-            </a:r>
-          </a:p>
-        </p:txBody>
-      </p:sp>
-      <p:sp>
-        <p:nvSpPr>
-          <p:cNvPr id="26" name="Rectangle 13"/>
-          <p:cNvSpPr>
-            <a:spLocks/>
-          </p:cNvSpPr>
-          <p:nvPr/>
-        </p:nvSpPr>
-        <p:spPr bwMode="auto">
-          <a:xfrm>
-            <a:off x="2771800" y="6206022"/>
-            <a:ext cx="888557" cy="307777"/>
-          </a:xfrm>
-          <a:prstGeom prst="rect">
-            <a:avLst/>
-          </a:prstGeom>
-          <a:noFill/>
-          <a:ln>
-            <a:noFill/>
-          </a:ln>
-          <a:extLst>
-            <a:ext uri="{909E8E84-426E-40DD-AFC4-6F175D3DCCD1}">
-              <a14:hiddenFill xmlns:a14="http://schemas.microsoft.com/office/drawing/2010/main">
-                <a:solidFill>
-                  <a:srgbClr val="FFFFFF"/>
-                </a:solidFill>
-              </a14:hiddenFill>
-            </a:ext>
-            <a:ext uri="{91240B29-F687-4F45-9708-019B960494DF}">
-              <a14:hiddenLine xmlns:a14="http://schemas.microsoft.com/office/drawing/2010/main" w="12700" cap="flat">
-                <a:solidFill>
-                  <a:schemeClr val="tx1"/>
-                </a:solidFill>
-                <a:miter lim="800000"/>
-                <a:headEnd type="none" w="med" len="med"/>
-                <a:tailEnd type="none" w="med" len="med"/>
-              </a14:hiddenLine>
-            </a:ext>
-          </a:extLst>
-        </p:spPr>
-        <p:txBody>
-          <a:bodyPr wrap="square" lIns="0" tIns="0" rIns="0" bIns="0" anchor="ctr">
-            <a:spAutoFit/>
-          </a:bodyPr>
-          <a:lstStyle/>
-          <a:p>
-            <a:r>
-              <a:rPr lang="en-US" sz="1000" dirty="0" smtClean="0">
-                <a:solidFill>
-                  <a:srgbClr val="B0B0B0"/>
-                </a:solidFill>
-                <a:ea typeface="Gill Sans" charset="0"/>
-                <a:cs typeface="Gill Sans" charset="0"/>
-              </a:rPr>
-              <a:t>Problem Characterization</a:t>
-            </a:r>
-            <a:endParaRPr lang="en-US" sz="1000" dirty="0">
-              <a:solidFill>
-                <a:srgbClr val="B0B0B0"/>
-              </a:solidFill>
-              <a:ea typeface="Gill Sans" charset="0"/>
-              <a:cs typeface="Gill Sans" charset="0"/>
-            </a:endParaRPr>
-          </a:p>
-        </p:txBody>
-      </p:sp>
-      <p:sp>
-        <p:nvSpPr>
-          <p:cNvPr id="27" name="Rectangle 14"/>
-          <p:cNvSpPr>
-            <a:spLocks/>
-          </p:cNvSpPr>
-          <p:nvPr/>
-        </p:nvSpPr>
-        <p:spPr bwMode="auto">
-          <a:xfrm>
-            <a:off x="4860032" y="6216845"/>
-            <a:ext cx="611662" cy="307777"/>
-          </a:xfrm>
-          <a:prstGeom prst="rect">
-            <a:avLst/>
-          </a:prstGeom>
-          <a:noFill/>
-          <a:ln>
-            <a:noFill/>
-          </a:ln>
-          <a:extLst>
-            <a:ext uri="{909E8E84-426E-40DD-AFC4-6F175D3DCCD1}">
-              <a14:hiddenFill xmlns:a14="http://schemas.microsoft.com/office/drawing/2010/main">
-                <a:solidFill>
-                  <a:srgbClr val="FFFFFF"/>
-                </a:solidFill>
-              </a14:hiddenFill>
-            </a:ext>
-            <a:ext uri="{91240B29-F687-4F45-9708-019B960494DF}">
-              <a14:hiddenLine xmlns:a14="http://schemas.microsoft.com/office/drawing/2010/main" w="12700" cap="flat">
-                <a:solidFill>
-                  <a:schemeClr val="tx1"/>
-                </a:solidFill>
-                <a:miter lim="800000"/>
-                <a:headEnd type="none" w="med" len="med"/>
-                <a:tailEnd type="none" w="med" len="med"/>
-              </a14:hiddenLine>
-            </a:ext>
-          </a:extLst>
-        </p:spPr>
-        <p:txBody>
-          <a:bodyPr wrap="square" lIns="0" tIns="0" rIns="0" bIns="0" anchor="ctr">
-            <a:spAutoFit/>
-          </a:bodyPr>
-          <a:lstStyle/>
-          <a:p>
-            <a:r>
-              <a:rPr lang="en-US" sz="1000" dirty="0" smtClean="0">
-                <a:solidFill>
-                  <a:srgbClr val="B0B0B0"/>
-                </a:solidFill>
-                <a:ea typeface="Gill Sans" charset="0"/>
-                <a:cs typeface="Gill Sans" charset="0"/>
-              </a:rPr>
-              <a:t>Problem Description</a:t>
-            </a:r>
-          </a:p>
-        </p:txBody>
-      </p:sp>
-      <p:sp>
-        <p:nvSpPr>
-          <p:cNvPr id="28" name="Rectangle 14"/>
-          <p:cNvSpPr>
-            <a:spLocks/>
-          </p:cNvSpPr>
-          <p:nvPr/>
-        </p:nvSpPr>
-        <p:spPr bwMode="auto">
-          <a:xfrm>
-            <a:off x="6444208" y="6282967"/>
-            <a:ext cx="690436" cy="153888"/>
-          </a:xfrm>
-          <a:prstGeom prst="rect">
-            <a:avLst/>
-          </a:prstGeom>
-          <a:noFill/>
-          <a:ln>
-            <a:noFill/>
-          </a:ln>
-          <a:extLst>
-            <a:ext uri="{909E8E84-426E-40DD-AFC4-6F175D3DCCD1}">
-              <a14:hiddenFill xmlns:a14="http://schemas.microsoft.com/office/drawing/2010/main">
-                <a:solidFill>
-                  <a:srgbClr val="FFFFFF"/>
-                </a:solidFill>
-              </a14:hiddenFill>
-            </a:ext>
-            <a:ext uri="{91240B29-F687-4F45-9708-019B960494DF}">
-              <a14:hiddenLine xmlns:a14="http://schemas.microsoft.com/office/drawing/2010/main" w="12700" cap="flat">
-                <a:solidFill>
-                  <a:schemeClr val="tx1"/>
-                </a:solidFill>
-                <a:miter lim="800000"/>
-                <a:headEnd type="none" w="med" len="med"/>
-                <a:tailEnd type="none" w="med" len="med"/>
-              </a14:hiddenLine>
-            </a:ext>
-          </a:extLst>
-        </p:spPr>
-        <p:txBody>
-          <a:bodyPr wrap="square" lIns="0" tIns="0" rIns="0" bIns="0" anchor="ctr">
-            <a:spAutoFit/>
-          </a:bodyPr>
-          <a:lstStyle/>
-          <a:p>
-            <a:r>
-              <a:rPr lang="en-US" sz="1000" dirty="0" smtClean="0">
-                <a:solidFill>
-                  <a:srgbClr val="B0B0B0"/>
-                </a:solidFill>
-                <a:ea typeface="Gill Sans" charset="0"/>
-                <a:cs typeface="Gill Sans" charset="0"/>
-              </a:rPr>
-              <a:t>Technology</a:t>
-            </a:r>
-            <a:endParaRPr lang="en-US" sz="1000" dirty="0">
-              <a:solidFill>
-                <a:srgbClr val="B0B0B0"/>
-              </a:solidFill>
-              <a:ea typeface="Gill Sans" charset="0"/>
-              <a:cs typeface="Gill Sans" charset="0"/>
-            </a:endParaRPr>
-          </a:p>
-        </p:txBody>
-      </p:sp>
-      <p:sp>
-        <p:nvSpPr>
-          <p:cNvPr id="29" name="Rectangle 14"/>
-          <p:cNvSpPr>
-            <a:spLocks/>
-          </p:cNvSpPr>
-          <p:nvPr/>
-        </p:nvSpPr>
-        <p:spPr bwMode="auto">
-          <a:xfrm>
-            <a:off x="5652120" y="6282965"/>
-            <a:ext cx="611662" cy="153888"/>
-          </a:xfrm>
-          <a:prstGeom prst="rect">
-            <a:avLst/>
-          </a:prstGeom>
-          <a:noFill/>
-          <a:ln>
-            <a:noFill/>
-          </a:ln>
-          <a:extLst>
-            <a:ext uri="{909E8E84-426E-40DD-AFC4-6F175D3DCCD1}">
-              <a14:hiddenFill xmlns:a14="http://schemas.microsoft.com/office/drawing/2010/main">
-                <a:solidFill>
-                  <a:srgbClr val="FFFFFF"/>
-                </a:solidFill>
-              </a14:hiddenFill>
-            </a:ext>
-            <a:ext uri="{91240B29-F687-4F45-9708-019B960494DF}">
-              <a14:hiddenLine xmlns:a14="http://schemas.microsoft.com/office/drawing/2010/main" w="12700" cap="flat">
-                <a:solidFill>
-                  <a:schemeClr val="tx1"/>
-                </a:solidFill>
-                <a:miter lim="800000"/>
-                <a:headEnd type="none" w="med" len="med"/>
-                <a:tailEnd type="none" w="med" len="med"/>
-              </a14:hiddenLine>
-            </a:ext>
-          </a:extLst>
-        </p:spPr>
-        <p:txBody>
-          <a:bodyPr wrap="square" lIns="0" tIns="0" rIns="0" bIns="0" anchor="ctr">
-            <a:spAutoFit/>
-          </a:bodyPr>
-          <a:lstStyle/>
-          <a:p>
-            <a:r>
-              <a:rPr lang="en-US" sz="1000" dirty="0" smtClean="0">
-                <a:solidFill>
-                  <a:srgbClr val="B0B0B0"/>
-                </a:solidFill>
-                <a:ea typeface="Gill Sans" charset="0"/>
-                <a:cs typeface="Gill Sans" charset="0"/>
-              </a:rPr>
-              <a:t>Algorithms</a:t>
-            </a:r>
-          </a:p>
-        </p:txBody>
-      </p:sp>
-      <p:sp>
-        <p:nvSpPr>
-          <p:cNvPr id="30" name="Rectangle 14"/>
-          <p:cNvSpPr>
-            <a:spLocks/>
-          </p:cNvSpPr>
-          <p:nvPr/>
-        </p:nvSpPr>
-        <p:spPr bwMode="auto">
-          <a:xfrm>
-            <a:off x="7308304" y="6282965"/>
-            <a:ext cx="576064" cy="153888"/>
-          </a:xfrm>
-          <a:prstGeom prst="rect">
-            <a:avLst/>
-          </a:prstGeom>
-          <a:noFill/>
-          <a:ln>
-            <a:noFill/>
-          </a:ln>
-          <a:extLst>
-            <a:ext uri="{909E8E84-426E-40DD-AFC4-6F175D3DCCD1}">
-              <a14:hiddenFill xmlns:a14="http://schemas.microsoft.com/office/drawing/2010/main">
-                <a:solidFill>
-                  <a:srgbClr val="FFFFFF"/>
-                </a:solidFill>
-              </a14:hiddenFill>
-            </a:ext>
-            <a:ext uri="{91240B29-F687-4F45-9708-019B960494DF}">
-              <a14:hiddenLine xmlns:a14="http://schemas.microsoft.com/office/drawing/2010/main" w="12700" cap="flat">
-                <a:solidFill>
-                  <a:schemeClr val="tx1"/>
-                </a:solidFill>
-                <a:miter lim="800000"/>
-                <a:headEnd type="none" w="med" len="med"/>
-                <a:tailEnd type="none" w="med" len="med"/>
-              </a14:hiddenLine>
-            </a:ext>
-          </a:extLst>
-        </p:spPr>
-        <p:txBody>
-          <a:bodyPr wrap="square" lIns="0" tIns="0" rIns="0" bIns="0" anchor="ctr">
-            <a:spAutoFit/>
-          </a:bodyPr>
-          <a:lstStyle/>
-          <a:p>
-            <a:r>
-              <a:rPr lang="en-US" sz="1000" dirty="0" smtClean="0">
-                <a:solidFill>
-                  <a:srgbClr val="B0B0B0"/>
-                </a:solidFill>
-                <a:ea typeface="Gill Sans" charset="0"/>
-                <a:cs typeface="Gill Sans" charset="0"/>
-              </a:rPr>
-              <a:t>Work Plan</a:t>
-            </a:r>
-          </a:p>
-        </p:txBody>
-      </p:sp>
     </p:spTree>
     <p:extLst>
       <p:ext uri="{BB962C8B-B14F-4D97-AF65-F5344CB8AC3E}">
-        <p14:creationId xmlns:p14="http://schemas.microsoft.com/office/powerpoint/2010/main" val="3032935327"/>
+        <p14:creationId xmlns:p14="http://schemas.microsoft.com/office/powerpoint/2010/main" val="751533112"/>
       </p:ext>
     </p:extLst>
   </p:cSld>
@@ -16983,7 +18165,7 @@
         <p:spPr bwMode="auto">
           <a:xfrm>
             <a:off x="385763" y="880701"/>
-            <a:ext cx="4257576" cy="492443"/>
+            <a:ext cx="4966103" cy="492443"/>
           </a:xfrm>
           <a:prstGeom prst="rect">
             <a:avLst/>
@@ -17019,7 +18201,7 @@
           <a:lstStyle/>
           <a:p>
             <a:r>
-              <a:rPr lang="en-US" sz="3200" b="1" dirty="0" smtClean="0">
+              <a:rPr lang="en-US" sz="3200" b="1" dirty="0">
                 <a:solidFill>
                   <a:srgbClr val="3B8DCD"/>
                 </a:solidFill>
@@ -17028,7 +18210,7 @@
                 <a:cs typeface="Helvetica Neue" charset="0"/>
                 <a:sym typeface="Helvetica Neue" charset="0"/>
               </a:rPr>
-              <a:t>Information Measures</a:t>
+              <a:t>Problem Characterization</a:t>
             </a:r>
             <a:endParaRPr lang="en-US" sz="3200" b="1" dirty="0">
               <a:solidFill>
@@ -17213,11 +18395,368 @@
                 <a:ea typeface="Gill Sans" charset="0"/>
                 <a:cs typeface="Gill Sans" charset="0"/>
               </a:rPr>
-              <a:t>8</a:t>
-            </a:r>
-            <a:endParaRPr lang="en-US" dirty="0" smtClean="0">
+              <a:t>6</a:t>
+            </a:r>
+          </a:p>
+        </p:txBody>
+      </p:sp>
+      <p:sp>
+        <p:nvSpPr>
+          <p:cNvPr id="25" name="Rectangle 6"/>
+          <p:cNvSpPr>
+            <a:spLocks/>
+          </p:cNvSpPr>
+          <p:nvPr/>
+        </p:nvSpPr>
+        <p:spPr bwMode="auto">
+          <a:xfrm>
+            <a:off x="933505" y="1772816"/>
+            <a:ext cx="7333946" cy="3240360"/>
+          </a:xfrm>
+          <a:prstGeom prst="rect">
+            <a:avLst/>
+          </a:prstGeom>
+          <a:noFill/>
+          <a:ln>
+            <a:noFill/>
+          </a:ln>
+          <a:extLst>
+            <a:ext uri="{909E8E84-426E-40DD-AFC4-6F175D3DCCD1}">
+              <a14:hiddenFill xmlns:a14="http://schemas.microsoft.com/office/drawing/2010/main">
+                <a:solidFill>
+                  <a:srgbClr val="FFFFFF"/>
+                </a:solidFill>
+              </a14:hiddenFill>
+            </a:ext>
+            <a:ext uri="{91240B29-F687-4F45-9708-019B960494DF}">
+              <a14:hiddenLine xmlns:a14="http://schemas.microsoft.com/office/drawing/2010/main" w="12700" cap="flat">
+                <a:solidFill>
+                  <a:schemeClr val="tx1"/>
+                </a:solidFill>
+                <a:miter lim="800000"/>
+                <a:headEnd type="none" w="med" len="med"/>
+                <a:tailEnd type="none" w="med" len="med"/>
+              </a14:hiddenLine>
+            </a:ext>
+          </a:extLst>
+        </p:spPr>
+        <p:txBody>
+          <a:bodyPr lIns="0" tIns="0" rIns="0" bIns="0" anchor="ctr"/>
+          <a:lstStyle/>
+          <a:p>
+            <a:pPr marL="457200" indent="-457200">
+              <a:spcBef>
+                <a:spcPts val="600"/>
+              </a:spcBef>
+              <a:spcAft>
+                <a:spcPts val="600"/>
+              </a:spcAft>
+              <a:buFont typeface="Arial" pitchFamily="34" charset="0"/>
+              <a:buChar char="•"/>
+            </a:pPr>
+            <a:r>
+              <a:rPr lang="en-US" sz="2800" dirty="0">
+                <a:solidFill>
+                  <a:schemeClr val="bg1">
+                    <a:lumMod val="95000"/>
+                  </a:schemeClr>
+                </a:solidFill>
+                <a:latin typeface="Helvetica Neue" charset="0"/>
+                <a:ea typeface="Helvetica Neue" charset="0"/>
+                <a:cs typeface="Helvetica Neue" charset="0"/>
+              </a:rPr>
+              <a:t>Number of examples in the dataset </a:t>
+            </a:r>
+          </a:p>
+          <a:p>
+            <a:pPr marL="457200" indent="-457200">
+              <a:spcBef>
+                <a:spcPts val="600"/>
+              </a:spcBef>
+              <a:spcAft>
+                <a:spcPts val="600"/>
+              </a:spcAft>
+              <a:buFont typeface="Arial" pitchFamily="34" charset="0"/>
+              <a:buChar char="•"/>
+            </a:pPr>
+            <a:r>
+              <a:rPr lang="en-US" sz="2800" dirty="0">
+                <a:solidFill>
+                  <a:schemeClr val="bg1">
+                    <a:lumMod val="95000"/>
+                  </a:schemeClr>
+                </a:solidFill>
+                <a:latin typeface="Helvetica Neue" charset="0"/>
+                <a:ea typeface="Helvetica Neue" charset="0"/>
+                <a:cs typeface="Helvetica Neue" charset="0"/>
+              </a:rPr>
+              <a:t>Proportion of symbolic attributes</a:t>
+            </a:r>
+          </a:p>
+          <a:p>
+            <a:pPr marL="457200" indent="-457200">
+              <a:spcBef>
+                <a:spcPts val="600"/>
+              </a:spcBef>
+              <a:spcAft>
+                <a:spcPts val="600"/>
+              </a:spcAft>
+              <a:buFont typeface="Arial" pitchFamily="34" charset="0"/>
+              <a:buChar char="•"/>
+            </a:pPr>
+            <a:r>
+              <a:rPr lang="en-US" sz="2800" dirty="0" smtClean="0">
+                <a:solidFill>
+                  <a:srgbClr val="666666"/>
+                </a:solidFill>
+                <a:latin typeface="Helvetica Neue" charset="0"/>
+                <a:ea typeface="Helvetica Neue" charset="0"/>
+                <a:cs typeface="Helvetica Neue" charset="0"/>
+              </a:rPr>
+              <a:t>Proportion </a:t>
+            </a:r>
+            <a:r>
+              <a:rPr lang="en-US" sz="2800" dirty="0">
+                <a:solidFill>
+                  <a:srgbClr val="666666"/>
+                </a:solidFill>
+                <a:latin typeface="Helvetica Neue" charset="0"/>
+                <a:ea typeface="Helvetica Neue" charset="0"/>
+                <a:cs typeface="Helvetica Neue" charset="0"/>
+              </a:rPr>
+              <a:t>of </a:t>
+            </a:r>
+            <a:r>
+              <a:rPr lang="en-US" sz="2800" dirty="0" smtClean="0">
+                <a:solidFill>
+                  <a:srgbClr val="666666"/>
+                </a:solidFill>
+                <a:latin typeface="Helvetica Neue" charset="0"/>
+                <a:ea typeface="Helvetica Neue" charset="0"/>
+                <a:cs typeface="Helvetica Neue" charset="0"/>
+              </a:rPr>
+              <a:t>attributes with outliers</a:t>
+            </a:r>
+          </a:p>
+          <a:p>
+            <a:pPr>
+              <a:spcBef>
+                <a:spcPts val="600"/>
+              </a:spcBef>
+              <a:spcAft>
+                <a:spcPts val="600"/>
+              </a:spcAft>
+            </a:pPr>
+            <a:r>
+              <a:rPr lang="en-US" sz="2200" dirty="0" smtClean="0">
+                <a:solidFill>
+                  <a:srgbClr val="666666"/>
+                </a:solidFill>
+                <a:latin typeface="Helvetica Neue" charset="0"/>
+                <a:ea typeface="Helvetica Neue" charset="0"/>
+                <a:cs typeface="Helvetica Neue" charset="0"/>
+              </a:rPr>
+              <a:t>Discriminates algorithms according </a:t>
+            </a:r>
+            <a:r>
+              <a:rPr lang="en-US" sz="2200" dirty="0">
+                <a:solidFill>
+                  <a:srgbClr val="666666"/>
+                </a:solidFill>
+                <a:latin typeface="Helvetica Neue" charset="0"/>
+                <a:ea typeface="Helvetica Neue" charset="0"/>
+                <a:cs typeface="Helvetica Neue" charset="0"/>
+              </a:rPr>
+              <a:t>to how robust they are to outlying values in numeric attributes, which </a:t>
+            </a:r>
+            <a:r>
+              <a:rPr lang="en-US" sz="2200" dirty="0" smtClean="0">
+                <a:solidFill>
+                  <a:srgbClr val="666666"/>
+                </a:solidFill>
+                <a:latin typeface="Helvetica Neue" charset="0"/>
+                <a:ea typeface="Helvetica Neue" charset="0"/>
+                <a:cs typeface="Helvetica Neue" charset="0"/>
+              </a:rPr>
+              <a:t>are possibly </a:t>
+            </a:r>
+            <a:r>
+              <a:rPr lang="en-US" sz="2200" dirty="0">
+                <a:solidFill>
+                  <a:srgbClr val="666666"/>
+                </a:solidFill>
+                <a:latin typeface="Helvetica Neue" charset="0"/>
+                <a:ea typeface="Helvetica Neue" charset="0"/>
+                <a:cs typeface="Helvetica Neue" charset="0"/>
+              </a:rPr>
+              <a:t>due to </a:t>
+            </a:r>
+            <a:r>
+              <a:rPr lang="en-US" sz="2200" dirty="0" smtClean="0">
+                <a:solidFill>
+                  <a:srgbClr val="666666"/>
+                </a:solidFill>
+                <a:latin typeface="Helvetica Neue" charset="0"/>
+                <a:ea typeface="Helvetica Neue" charset="0"/>
+                <a:cs typeface="Helvetica Neue" charset="0"/>
+              </a:rPr>
+              <a:t>noise.</a:t>
+            </a:r>
+            <a:endParaRPr lang="en-US" sz="2200" dirty="0" smtClean="0">
               <a:solidFill>
-                <a:srgbClr val="656565"/>
+                <a:srgbClr val="666666"/>
+              </a:solidFill>
+              <a:latin typeface="Helvetica Neue" charset="0"/>
+              <a:ea typeface="Helvetica Neue" charset="0"/>
+              <a:cs typeface="Helvetica Neue" charset="0"/>
+            </a:endParaRPr>
+          </a:p>
+          <a:p>
+            <a:pPr marL="457200" indent="-457200">
+              <a:spcBef>
+                <a:spcPts val="600"/>
+              </a:spcBef>
+              <a:spcAft>
+                <a:spcPts val="600"/>
+              </a:spcAft>
+              <a:buFont typeface="Arial" pitchFamily="34" charset="0"/>
+              <a:buChar char="•"/>
+            </a:pPr>
+            <a:r>
+              <a:rPr lang="en-US" sz="2800" dirty="0">
+                <a:solidFill>
+                  <a:schemeClr val="bg1">
+                    <a:lumMod val="95000"/>
+                  </a:schemeClr>
+                </a:solidFill>
+                <a:latin typeface="Helvetica Neue" charset="0"/>
+                <a:ea typeface="Helvetica Neue" charset="0"/>
+                <a:cs typeface="Helvetica Neue" charset="0"/>
+                <a:sym typeface="Helvetica Neue" charset="0"/>
+              </a:rPr>
+              <a:t>Entropy of classes</a:t>
+            </a:r>
+          </a:p>
+        </p:txBody>
+      </p:sp>
+      <p:sp>
+        <p:nvSpPr>
+          <p:cNvPr id="21" name="Rectangle 9"/>
+          <p:cNvSpPr>
+            <a:spLocks/>
+          </p:cNvSpPr>
+          <p:nvPr/>
+        </p:nvSpPr>
+        <p:spPr bwMode="auto">
+          <a:xfrm>
+            <a:off x="755576" y="6303992"/>
+            <a:ext cx="792088" cy="153888"/>
+          </a:xfrm>
+          <a:prstGeom prst="rect">
+            <a:avLst/>
+          </a:prstGeom>
+          <a:noFill/>
+          <a:ln>
+            <a:noFill/>
+          </a:ln>
+          <a:extLst>
+            <a:ext uri="{909E8E84-426E-40DD-AFC4-6F175D3DCCD1}">
+              <a14:hiddenFill xmlns:a14="http://schemas.microsoft.com/office/drawing/2010/main">
+                <a:solidFill>
+                  <a:srgbClr val="FFFFFF"/>
+                </a:solidFill>
+              </a14:hiddenFill>
+            </a:ext>
+            <a:ext uri="{91240B29-F687-4F45-9708-019B960494DF}">
+              <a14:hiddenLine xmlns:a14="http://schemas.microsoft.com/office/drawing/2010/main" w="12700" cap="flat">
+                <a:solidFill>
+                  <a:schemeClr val="tx1"/>
+                </a:solidFill>
+                <a:miter lim="800000"/>
+                <a:headEnd type="none" w="med" len="med"/>
+                <a:tailEnd type="none" w="med" len="med"/>
+              </a14:hiddenLine>
+            </a:ext>
+          </a:extLst>
+        </p:spPr>
+        <p:txBody>
+          <a:bodyPr wrap="square" lIns="0" tIns="0" rIns="0" bIns="0" anchor="ctr">
+            <a:spAutoFit/>
+          </a:bodyPr>
+          <a:lstStyle/>
+          <a:p>
+            <a:r>
+              <a:rPr lang="en-US" sz="1000" dirty="0">
+                <a:solidFill>
+                  <a:srgbClr val="B0B0B0"/>
+                </a:solidFill>
+                <a:ea typeface="Gill Sans" charset="0"/>
+                <a:cs typeface="Gill Sans" charset="0"/>
+              </a:rPr>
+              <a:t>Motivation</a:t>
+            </a:r>
+          </a:p>
+        </p:txBody>
+      </p:sp>
+      <p:sp>
+        <p:nvSpPr>
+          <p:cNvPr id="22" name="Rectangle 12"/>
+          <p:cNvSpPr>
+            <a:spLocks/>
+          </p:cNvSpPr>
+          <p:nvPr/>
+        </p:nvSpPr>
+        <p:spPr bwMode="auto">
+          <a:xfrm>
+            <a:off x="1723075" y="6293790"/>
+            <a:ext cx="720079" cy="153888"/>
+          </a:xfrm>
+          <a:prstGeom prst="rect">
+            <a:avLst/>
+          </a:prstGeom>
+          <a:noFill/>
+          <a:ln>
+            <a:noFill/>
+          </a:ln>
+          <a:extLst>
+            <a:ext uri="{909E8E84-426E-40DD-AFC4-6F175D3DCCD1}">
+              <a14:hiddenFill xmlns:a14="http://schemas.microsoft.com/office/drawing/2010/main">
+                <a:solidFill>
+                  <a:srgbClr val="FFFFFF"/>
+                </a:solidFill>
+              </a14:hiddenFill>
+            </a:ext>
+            <a:ext uri="{91240B29-F687-4F45-9708-019B960494DF}">
+              <a14:hiddenLine xmlns:a14="http://schemas.microsoft.com/office/drawing/2010/main" w="12700" cap="flat">
+                <a:solidFill>
+                  <a:schemeClr val="tx1"/>
+                </a:solidFill>
+                <a:miter lim="800000"/>
+                <a:headEnd type="none" w="med" len="med"/>
+                <a:tailEnd type="none" w="med" len="med"/>
+              </a14:hiddenLine>
+            </a:ext>
+          </a:extLst>
+        </p:spPr>
+        <p:txBody>
+          <a:bodyPr wrap="square" lIns="0" tIns="0" rIns="0" bIns="0" anchor="ctr">
+            <a:spAutoFit/>
+          </a:bodyPr>
+          <a:lstStyle/>
+          <a:p>
+            <a:r>
+              <a:rPr lang="en-US" sz="1000" dirty="0" smtClean="0">
+                <a:solidFill>
+                  <a:srgbClr val="B0B0B0"/>
+                </a:solidFill>
+                <a:ea typeface="Gill Sans" charset="0"/>
+                <a:cs typeface="Gill Sans" charset="0"/>
+              </a:rPr>
+              <a:t>Framework</a:t>
+            </a:r>
+            <a:endParaRPr lang="en-US" sz="1000" dirty="0">
+              <a:solidFill>
+                <a:srgbClr val="B0B0B0"/>
               </a:solidFill>
               <a:ea typeface="Gill Sans" charset="0"/>
               <a:cs typeface="Gill Sans" charset="0"/>
@@ -17227,7 +18766,434 @@
       </p:sp>
       <p:sp>
         <p:nvSpPr>
-          <p:cNvPr id="57" name="AutoShape 8"/>
+          <p:cNvPr id="23" name="Rectangle 14"/>
+          <p:cNvSpPr>
+            <a:spLocks/>
+          </p:cNvSpPr>
+          <p:nvPr/>
+        </p:nvSpPr>
+        <p:spPr bwMode="auto">
+          <a:xfrm>
+            <a:off x="3954387" y="6258832"/>
+            <a:ext cx="617613" cy="153888"/>
+          </a:xfrm>
+          <a:prstGeom prst="rect">
+            <a:avLst/>
+          </a:prstGeom>
+          <a:noFill/>
+          <a:ln>
+            <a:noFill/>
+          </a:ln>
+          <a:extLst>
+            <a:ext uri="{909E8E84-426E-40DD-AFC4-6F175D3DCCD1}">
+              <a14:hiddenFill xmlns:a14="http://schemas.microsoft.com/office/drawing/2010/main">
+                <a:solidFill>
+                  <a:srgbClr val="FFFFFF"/>
+                </a:solidFill>
+              </a14:hiddenFill>
+            </a:ext>
+            <a:ext uri="{91240B29-F687-4F45-9708-019B960494DF}">
+              <a14:hiddenLine xmlns:a14="http://schemas.microsoft.com/office/drawing/2010/main" w="12700" cap="flat">
+                <a:solidFill>
+                  <a:schemeClr val="tx1"/>
+                </a:solidFill>
+                <a:miter lim="800000"/>
+                <a:headEnd type="none" w="med" len="med"/>
+                <a:tailEnd type="none" w="med" len="med"/>
+              </a14:hiddenLine>
+            </a:ext>
+          </a:extLst>
+        </p:spPr>
+        <p:txBody>
+          <a:bodyPr wrap="square" lIns="0" tIns="0" rIns="0" bIns="0" anchor="ctr">
+            <a:spAutoFit/>
+          </a:bodyPr>
+          <a:lstStyle/>
+          <a:p>
+            <a:r>
+              <a:rPr lang="en-US" sz="1000" dirty="0" smtClean="0">
+                <a:solidFill>
+                  <a:srgbClr val="B0B0B0"/>
+                </a:solidFill>
+                <a:ea typeface="Gill Sans" charset="0"/>
+                <a:cs typeface="Gill Sans" charset="0"/>
+              </a:rPr>
+              <a:t>The Process</a:t>
+            </a:r>
+          </a:p>
+        </p:txBody>
+      </p:sp>
+      <p:sp>
+        <p:nvSpPr>
+          <p:cNvPr id="24" name="Rectangle 17"/>
+          <p:cNvSpPr>
+            <a:spLocks/>
+          </p:cNvSpPr>
+          <p:nvPr/>
+        </p:nvSpPr>
+        <p:spPr bwMode="auto">
+          <a:xfrm>
+            <a:off x="8095586" y="6288551"/>
+            <a:ext cx="721588" cy="153888"/>
+          </a:xfrm>
+          <a:prstGeom prst="rect">
+            <a:avLst/>
+          </a:prstGeom>
+          <a:noFill/>
+          <a:ln>
+            <a:noFill/>
+          </a:ln>
+          <a:extLst>
+            <a:ext uri="{909E8E84-426E-40DD-AFC4-6F175D3DCCD1}">
+              <a14:hiddenFill xmlns:a14="http://schemas.microsoft.com/office/drawing/2010/main">
+                <a:solidFill>
+                  <a:srgbClr val="FFFFFF"/>
+                </a:solidFill>
+              </a14:hiddenFill>
+            </a:ext>
+            <a:ext uri="{91240B29-F687-4F45-9708-019B960494DF}">
+              <a14:hiddenLine xmlns:a14="http://schemas.microsoft.com/office/drawing/2010/main" w="12700" cap="flat">
+                <a:solidFill>
+                  <a:schemeClr val="tx1"/>
+                </a:solidFill>
+                <a:miter lim="800000"/>
+                <a:headEnd type="none" w="med" len="med"/>
+                <a:tailEnd type="none" w="med" len="med"/>
+              </a14:hiddenLine>
+            </a:ext>
+          </a:extLst>
+        </p:spPr>
+        <p:txBody>
+          <a:bodyPr wrap="square" lIns="0" tIns="0" rIns="0" bIns="0" anchor="ctr">
+            <a:spAutoFit/>
+          </a:bodyPr>
+          <a:lstStyle/>
+          <a:p>
+            <a:r>
+              <a:rPr lang="en-US" sz="1000" dirty="0">
+                <a:solidFill>
+                  <a:srgbClr val="B0B0B0"/>
+                </a:solidFill>
+                <a:ea typeface="Gill Sans" charset="0"/>
+                <a:cs typeface="Gill Sans" charset="0"/>
+              </a:rPr>
+              <a:t>Questions</a:t>
+            </a:r>
+          </a:p>
+        </p:txBody>
+      </p:sp>
+      <p:sp>
+        <p:nvSpPr>
+          <p:cNvPr id="26" name="Rectangle 13"/>
+          <p:cNvSpPr>
+            <a:spLocks/>
+          </p:cNvSpPr>
+          <p:nvPr/>
+        </p:nvSpPr>
+        <p:spPr bwMode="auto">
+          <a:xfrm>
+            <a:off x="2771800" y="6206022"/>
+            <a:ext cx="888557" cy="307777"/>
+          </a:xfrm>
+          <a:prstGeom prst="rect">
+            <a:avLst/>
+          </a:prstGeom>
+          <a:noFill/>
+          <a:ln>
+            <a:noFill/>
+          </a:ln>
+          <a:extLst>
+            <a:ext uri="{909E8E84-426E-40DD-AFC4-6F175D3DCCD1}">
+              <a14:hiddenFill xmlns:a14="http://schemas.microsoft.com/office/drawing/2010/main">
+                <a:solidFill>
+                  <a:srgbClr val="FFFFFF"/>
+                </a:solidFill>
+              </a14:hiddenFill>
+            </a:ext>
+            <a:ext uri="{91240B29-F687-4F45-9708-019B960494DF}">
+              <a14:hiddenLine xmlns:a14="http://schemas.microsoft.com/office/drawing/2010/main" w="12700" cap="flat">
+                <a:solidFill>
+                  <a:schemeClr val="tx1"/>
+                </a:solidFill>
+                <a:miter lim="800000"/>
+                <a:headEnd type="none" w="med" len="med"/>
+                <a:tailEnd type="none" w="med" len="med"/>
+              </a14:hiddenLine>
+            </a:ext>
+          </a:extLst>
+        </p:spPr>
+        <p:txBody>
+          <a:bodyPr wrap="square" lIns="0" tIns="0" rIns="0" bIns="0" anchor="ctr">
+            <a:spAutoFit/>
+          </a:bodyPr>
+          <a:lstStyle/>
+          <a:p>
+            <a:r>
+              <a:rPr lang="en-US" sz="1000" dirty="0" smtClean="0">
+                <a:solidFill>
+                  <a:srgbClr val="B0B0B0"/>
+                </a:solidFill>
+                <a:ea typeface="Gill Sans" charset="0"/>
+                <a:cs typeface="Gill Sans" charset="0"/>
+              </a:rPr>
+              <a:t>Problem Characterization</a:t>
+            </a:r>
+            <a:endParaRPr lang="en-US" sz="1000" dirty="0">
+              <a:solidFill>
+                <a:srgbClr val="B0B0B0"/>
+              </a:solidFill>
+              <a:ea typeface="Gill Sans" charset="0"/>
+              <a:cs typeface="Gill Sans" charset="0"/>
+            </a:endParaRPr>
+          </a:p>
+        </p:txBody>
+      </p:sp>
+      <p:sp>
+        <p:nvSpPr>
+          <p:cNvPr id="27" name="Rectangle 14"/>
+          <p:cNvSpPr>
+            <a:spLocks/>
+          </p:cNvSpPr>
+          <p:nvPr/>
+        </p:nvSpPr>
+        <p:spPr bwMode="auto">
+          <a:xfrm>
+            <a:off x="4860032" y="6216845"/>
+            <a:ext cx="611662" cy="307777"/>
+          </a:xfrm>
+          <a:prstGeom prst="rect">
+            <a:avLst/>
+          </a:prstGeom>
+          <a:noFill/>
+          <a:ln>
+            <a:noFill/>
+          </a:ln>
+          <a:extLst>
+            <a:ext uri="{909E8E84-426E-40DD-AFC4-6F175D3DCCD1}">
+              <a14:hiddenFill xmlns:a14="http://schemas.microsoft.com/office/drawing/2010/main">
+                <a:solidFill>
+                  <a:srgbClr val="FFFFFF"/>
+                </a:solidFill>
+              </a14:hiddenFill>
+            </a:ext>
+            <a:ext uri="{91240B29-F687-4F45-9708-019B960494DF}">
+              <a14:hiddenLine xmlns:a14="http://schemas.microsoft.com/office/drawing/2010/main" w="12700" cap="flat">
+                <a:solidFill>
+                  <a:schemeClr val="tx1"/>
+                </a:solidFill>
+                <a:miter lim="800000"/>
+                <a:headEnd type="none" w="med" len="med"/>
+                <a:tailEnd type="none" w="med" len="med"/>
+              </a14:hiddenLine>
+            </a:ext>
+          </a:extLst>
+        </p:spPr>
+        <p:txBody>
+          <a:bodyPr wrap="square" lIns="0" tIns="0" rIns="0" bIns="0" anchor="ctr">
+            <a:spAutoFit/>
+          </a:bodyPr>
+          <a:lstStyle/>
+          <a:p>
+            <a:r>
+              <a:rPr lang="en-US" sz="1000" dirty="0" smtClean="0">
+                <a:solidFill>
+                  <a:srgbClr val="B0B0B0"/>
+                </a:solidFill>
+                <a:ea typeface="Gill Sans" charset="0"/>
+                <a:cs typeface="Gill Sans" charset="0"/>
+              </a:rPr>
+              <a:t>Problem Description</a:t>
+            </a:r>
+          </a:p>
+        </p:txBody>
+      </p:sp>
+      <p:sp>
+        <p:nvSpPr>
+          <p:cNvPr id="28" name="Rectangle 14"/>
+          <p:cNvSpPr>
+            <a:spLocks/>
+          </p:cNvSpPr>
+          <p:nvPr/>
+        </p:nvSpPr>
+        <p:spPr bwMode="auto">
+          <a:xfrm>
+            <a:off x="6444208" y="6282967"/>
+            <a:ext cx="690436" cy="153888"/>
+          </a:xfrm>
+          <a:prstGeom prst="rect">
+            <a:avLst/>
+          </a:prstGeom>
+          <a:noFill/>
+          <a:ln>
+            <a:noFill/>
+          </a:ln>
+          <a:extLst>
+            <a:ext uri="{909E8E84-426E-40DD-AFC4-6F175D3DCCD1}">
+              <a14:hiddenFill xmlns:a14="http://schemas.microsoft.com/office/drawing/2010/main">
+                <a:solidFill>
+                  <a:srgbClr val="FFFFFF"/>
+                </a:solidFill>
+              </a14:hiddenFill>
+            </a:ext>
+            <a:ext uri="{91240B29-F687-4F45-9708-019B960494DF}">
+              <a14:hiddenLine xmlns:a14="http://schemas.microsoft.com/office/drawing/2010/main" w="12700" cap="flat">
+                <a:solidFill>
+                  <a:schemeClr val="tx1"/>
+                </a:solidFill>
+                <a:miter lim="800000"/>
+                <a:headEnd type="none" w="med" len="med"/>
+                <a:tailEnd type="none" w="med" len="med"/>
+              </a14:hiddenLine>
+            </a:ext>
+          </a:extLst>
+        </p:spPr>
+        <p:txBody>
+          <a:bodyPr wrap="square" lIns="0" tIns="0" rIns="0" bIns="0" anchor="ctr">
+            <a:spAutoFit/>
+          </a:bodyPr>
+          <a:lstStyle/>
+          <a:p>
+            <a:r>
+              <a:rPr lang="en-US" sz="1000" dirty="0" smtClean="0">
+                <a:solidFill>
+                  <a:srgbClr val="B0B0B0"/>
+                </a:solidFill>
+                <a:ea typeface="Gill Sans" charset="0"/>
+                <a:cs typeface="Gill Sans" charset="0"/>
+              </a:rPr>
+              <a:t>Technology</a:t>
+            </a:r>
+            <a:endParaRPr lang="en-US" sz="1000" dirty="0">
+              <a:solidFill>
+                <a:srgbClr val="B0B0B0"/>
+              </a:solidFill>
+              <a:ea typeface="Gill Sans" charset="0"/>
+              <a:cs typeface="Gill Sans" charset="0"/>
+            </a:endParaRPr>
+          </a:p>
+        </p:txBody>
+      </p:sp>
+      <p:sp>
+        <p:nvSpPr>
+          <p:cNvPr id="29" name="Rectangle 14"/>
+          <p:cNvSpPr>
+            <a:spLocks/>
+          </p:cNvSpPr>
+          <p:nvPr/>
+        </p:nvSpPr>
+        <p:spPr bwMode="auto">
+          <a:xfrm>
+            <a:off x="5652120" y="6282965"/>
+            <a:ext cx="611662" cy="153888"/>
+          </a:xfrm>
+          <a:prstGeom prst="rect">
+            <a:avLst/>
+          </a:prstGeom>
+          <a:noFill/>
+          <a:ln>
+            <a:noFill/>
+          </a:ln>
+          <a:extLst>
+            <a:ext uri="{909E8E84-426E-40DD-AFC4-6F175D3DCCD1}">
+              <a14:hiddenFill xmlns:a14="http://schemas.microsoft.com/office/drawing/2010/main">
+                <a:solidFill>
+                  <a:srgbClr val="FFFFFF"/>
+                </a:solidFill>
+              </a14:hiddenFill>
+            </a:ext>
+            <a:ext uri="{91240B29-F687-4F45-9708-019B960494DF}">
+              <a14:hiddenLine xmlns:a14="http://schemas.microsoft.com/office/drawing/2010/main" w="12700" cap="flat">
+                <a:solidFill>
+                  <a:schemeClr val="tx1"/>
+                </a:solidFill>
+                <a:miter lim="800000"/>
+                <a:headEnd type="none" w="med" len="med"/>
+                <a:tailEnd type="none" w="med" len="med"/>
+              </a14:hiddenLine>
+            </a:ext>
+          </a:extLst>
+        </p:spPr>
+        <p:txBody>
+          <a:bodyPr wrap="square" lIns="0" tIns="0" rIns="0" bIns="0" anchor="ctr">
+            <a:spAutoFit/>
+          </a:bodyPr>
+          <a:lstStyle/>
+          <a:p>
+            <a:r>
+              <a:rPr lang="en-US" sz="1000" dirty="0" smtClean="0">
+                <a:solidFill>
+                  <a:srgbClr val="B0B0B0"/>
+                </a:solidFill>
+                <a:ea typeface="Gill Sans" charset="0"/>
+                <a:cs typeface="Gill Sans" charset="0"/>
+              </a:rPr>
+              <a:t>Algorithms</a:t>
+            </a:r>
+          </a:p>
+        </p:txBody>
+      </p:sp>
+      <p:sp>
+        <p:nvSpPr>
+          <p:cNvPr id="30" name="Rectangle 14"/>
+          <p:cNvSpPr>
+            <a:spLocks/>
+          </p:cNvSpPr>
+          <p:nvPr/>
+        </p:nvSpPr>
+        <p:spPr bwMode="auto">
+          <a:xfrm>
+            <a:off x="7308304" y="6282965"/>
+            <a:ext cx="576064" cy="153888"/>
+          </a:xfrm>
+          <a:prstGeom prst="rect">
+            <a:avLst/>
+          </a:prstGeom>
+          <a:noFill/>
+          <a:ln>
+            <a:noFill/>
+          </a:ln>
+          <a:extLst>
+            <a:ext uri="{909E8E84-426E-40DD-AFC4-6F175D3DCCD1}">
+              <a14:hiddenFill xmlns:a14="http://schemas.microsoft.com/office/drawing/2010/main">
+                <a:solidFill>
+                  <a:srgbClr val="FFFFFF"/>
+                </a:solidFill>
+              </a14:hiddenFill>
+            </a:ext>
+            <a:ext uri="{91240B29-F687-4F45-9708-019B960494DF}">
+              <a14:hiddenLine xmlns:a14="http://schemas.microsoft.com/office/drawing/2010/main" w="12700" cap="flat">
+                <a:solidFill>
+                  <a:schemeClr val="tx1"/>
+                </a:solidFill>
+                <a:miter lim="800000"/>
+                <a:headEnd type="none" w="med" len="med"/>
+                <a:tailEnd type="none" w="med" len="med"/>
+              </a14:hiddenLine>
+            </a:ext>
+          </a:extLst>
+        </p:spPr>
+        <p:txBody>
+          <a:bodyPr wrap="square" lIns="0" tIns="0" rIns="0" bIns="0" anchor="ctr">
+            <a:spAutoFit/>
+          </a:bodyPr>
+          <a:lstStyle/>
+          <a:p>
+            <a:r>
+              <a:rPr lang="en-US" sz="1000" dirty="0" smtClean="0">
+                <a:solidFill>
+                  <a:srgbClr val="B0B0B0"/>
+                </a:solidFill>
+                <a:ea typeface="Gill Sans" charset="0"/>
+                <a:cs typeface="Gill Sans" charset="0"/>
+              </a:rPr>
+              <a:t>Work Plan</a:t>
+            </a:r>
+          </a:p>
+        </p:txBody>
+      </p:sp>
+      <p:sp>
+        <p:nvSpPr>
+          <p:cNvPr id="18" name="AutoShape 8"/>
           <p:cNvSpPr>
             <a:spLocks/>
           </p:cNvSpPr>
@@ -17236,7 +19202,7 @@
         <p:spPr bwMode="auto">
           <a:xfrm>
             <a:off x="392907" y="6524625"/>
-            <a:ext cx="3267449" cy="152400"/>
+            <a:ext cx="3459013" cy="152400"/>
           </a:xfrm>
           <a:prstGeom prst="roundRect">
             <a:avLst>
@@ -17264,720 +19230,10 @@
           </a:p>
         </p:txBody>
       </p:sp>
-      <p:sp>
-        <p:nvSpPr>
-          <p:cNvPr id="25" name="Rectangle 6"/>
-          <p:cNvSpPr>
-            <a:spLocks/>
-          </p:cNvSpPr>
-          <p:nvPr/>
-        </p:nvSpPr>
-        <p:spPr bwMode="auto">
-          <a:xfrm>
-            <a:off x="933505" y="1772816"/>
-            <a:ext cx="7333946" cy="3240360"/>
-          </a:xfrm>
-          <a:prstGeom prst="rect">
-            <a:avLst/>
-          </a:prstGeom>
-          <a:noFill/>
-          <a:ln>
-            <a:noFill/>
-          </a:ln>
-          <a:extLst>
-            <a:ext uri="{909E8E84-426E-40DD-AFC4-6F175D3DCCD1}">
-              <a14:hiddenFill xmlns:a14="http://schemas.microsoft.com/office/drawing/2010/main">
-                <a:solidFill>
-                  <a:srgbClr val="FFFFFF"/>
-                </a:solidFill>
-              </a14:hiddenFill>
-            </a:ext>
-            <a:ext uri="{91240B29-F687-4F45-9708-019B960494DF}">
-              <a14:hiddenLine xmlns:a14="http://schemas.microsoft.com/office/drawing/2010/main" w="12700" cap="flat">
-                <a:solidFill>
-                  <a:schemeClr val="tx1"/>
-                </a:solidFill>
-                <a:miter lim="800000"/>
-                <a:headEnd type="none" w="med" len="med"/>
-                <a:tailEnd type="none" w="med" len="med"/>
-              </a14:hiddenLine>
-            </a:ext>
-          </a:extLst>
-        </p:spPr>
-        <p:txBody>
-          <a:bodyPr lIns="0" tIns="0" rIns="0" bIns="0" anchor="ctr"/>
-          <a:lstStyle/>
-          <a:p>
-            <a:pPr marL="457200" indent="-457200">
-              <a:spcBef>
-                <a:spcPts val="600"/>
-              </a:spcBef>
-              <a:spcAft>
-                <a:spcPts val="600"/>
-              </a:spcAft>
-              <a:buFont typeface="Arial" pitchFamily="34" charset="0"/>
-              <a:buChar char="•"/>
-            </a:pPr>
-            <a:r>
-              <a:rPr lang="en-US" sz="2800" dirty="0">
-                <a:solidFill>
-                  <a:srgbClr val="666666"/>
-                </a:solidFill>
-                <a:latin typeface="Helvetica Neue" charset="0"/>
-                <a:ea typeface="Helvetica Neue" charset="0"/>
-                <a:cs typeface="Helvetica Neue" charset="0"/>
-              </a:rPr>
-              <a:t>Mean entropy (complexity) of attributes.</a:t>
-            </a:r>
-          </a:p>
-          <a:p>
-            <a:pPr marL="457200" indent="-457200">
-              <a:spcBef>
-                <a:spcPts val="600"/>
-              </a:spcBef>
-              <a:spcAft>
-                <a:spcPts val="600"/>
-              </a:spcAft>
-              <a:buFont typeface="Arial" pitchFamily="34" charset="0"/>
-              <a:buChar char="•"/>
-            </a:pPr>
-            <a:r>
-              <a:rPr lang="en-US" sz="2800" dirty="0">
-                <a:solidFill>
-                  <a:srgbClr val="666666"/>
-                </a:solidFill>
-                <a:latin typeface="Helvetica Neue" charset="0"/>
-                <a:ea typeface="Helvetica Neue" charset="0"/>
-                <a:cs typeface="Helvetica Neue" charset="0"/>
-              </a:rPr>
-              <a:t>Entropy (complexity) of class</a:t>
-            </a:r>
-          </a:p>
-          <a:p>
-            <a:pPr marL="457200" indent="-457200">
-              <a:spcBef>
-                <a:spcPts val="600"/>
-              </a:spcBef>
-              <a:spcAft>
-                <a:spcPts val="600"/>
-              </a:spcAft>
-              <a:buFont typeface="Arial" pitchFamily="34" charset="0"/>
-              <a:buChar char="•"/>
-            </a:pPr>
-            <a:r>
-              <a:rPr lang="en-US" sz="2800" dirty="0">
-                <a:solidFill>
-                  <a:srgbClr val="666666"/>
-                </a:solidFill>
-                <a:latin typeface="Helvetica Neue" charset="0"/>
-                <a:ea typeface="Helvetica Neue" charset="0"/>
-                <a:cs typeface="Helvetica Neue" charset="0"/>
-              </a:rPr>
-              <a:t>Mean mutual information of class and attributes</a:t>
-            </a:r>
-          </a:p>
-          <a:p>
-            <a:pPr marL="457200" indent="-457200">
-              <a:spcBef>
-                <a:spcPts val="600"/>
-              </a:spcBef>
-              <a:spcAft>
-                <a:spcPts val="600"/>
-              </a:spcAft>
-              <a:buFont typeface="Arial" pitchFamily="34" charset="0"/>
-              <a:buChar char="•"/>
-            </a:pPr>
-            <a:r>
-              <a:rPr lang="en-US" sz="2800" dirty="0">
-                <a:solidFill>
-                  <a:srgbClr val="666666"/>
-                </a:solidFill>
-                <a:latin typeface="Helvetica Neue" charset="0"/>
-                <a:ea typeface="Helvetica Neue" charset="0"/>
-                <a:cs typeface="Helvetica Neue" charset="0"/>
-              </a:rPr>
-              <a:t>Equivalent number of attributes</a:t>
-            </a:r>
-          </a:p>
-          <a:p>
-            <a:pPr marL="457200" indent="-457200">
-              <a:spcBef>
-                <a:spcPts val="600"/>
-              </a:spcBef>
-              <a:spcAft>
-                <a:spcPts val="600"/>
-              </a:spcAft>
-              <a:buFont typeface="Arial" pitchFamily="34" charset="0"/>
-              <a:buChar char="•"/>
-            </a:pPr>
-            <a:endParaRPr lang="en-US" sz="2200" dirty="0">
-              <a:solidFill>
-                <a:srgbClr val="666666"/>
-              </a:solidFill>
-              <a:latin typeface="Helvetica Neue" charset="0"/>
-              <a:ea typeface="Helvetica Neue" charset="0"/>
-              <a:cs typeface="Helvetica Neue" charset="0"/>
-              <a:sym typeface="Helvetica Neue" charset="0"/>
-            </a:endParaRPr>
-          </a:p>
-        </p:txBody>
-      </p:sp>
-      <p:sp>
-        <p:nvSpPr>
-          <p:cNvPr id="21" name="Rectangle 9"/>
-          <p:cNvSpPr>
-            <a:spLocks/>
-          </p:cNvSpPr>
-          <p:nvPr/>
-        </p:nvSpPr>
-        <p:spPr bwMode="auto">
-          <a:xfrm>
-            <a:off x="755576" y="6303992"/>
-            <a:ext cx="792088" cy="153888"/>
-          </a:xfrm>
-          <a:prstGeom prst="rect">
-            <a:avLst/>
-          </a:prstGeom>
-          <a:noFill/>
-          <a:ln>
-            <a:noFill/>
-          </a:ln>
-          <a:extLst>
-            <a:ext uri="{909E8E84-426E-40DD-AFC4-6F175D3DCCD1}">
-              <a14:hiddenFill xmlns:a14="http://schemas.microsoft.com/office/drawing/2010/main">
-                <a:solidFill>
-                  <a:srgbClr val="FFFFFF"/>
-                </a:solidFill>
-              </a14:hiddenFill>
-            </a:ext>
-            <a:ext uri="{91240B29-F687-4F45-9708-019B960494DF}">
-              <a14:hiddenLine xmlns:a14="http://schemas.microsoft.com/office/drawing/2010/main" w="12700" cap="flat">
-                <a:solidFill>
-                  <a:schemeClr val="tx1"/>
-                </a:solidFill>
-                <a:miter lim="800000"/>
-                <a:headEnd type="none" w="med" len="med"/>
-                <a:tailEnd type="none" w="med" len="med"/>
-              </a14:hiddenLine>
-            </a:ext>
-          </a:extLst>
-        </p:spPr>
-        <p:txBody>
-          <a:bodyPr wrap="square" lIns="0" tIns="0" rIns="0" bIns="0" anchor="ctr">
-            <a:spAutoFit/>
-          </a:bodyPr>
-          <a:lstStyle/>
-          <a:p>
-            <a:r>
-              <a:rPr lang="en-US" sz="1000" dirty="0">
-                <a:solidFill>
-                  <a:srgbClr val="B0B0B0"/>
-                </a:solidFill>
-                <a:ea typeface="Gill Sans" charset="0"/>
-                <a:cs typeface="Gill Sans" charset="0"/>
-              </a:rPr>
-              <a:t>Motivation</a:t>
-            </a:r>
-          </a:p>
-        </p:txBody>
-      </p:sp>
-      <p:sp>
-        <p:nvSpPr>
-          <p:cNvPr id="22" name="Rectangle 12"/>
-          <p:cNvSpPr>
-            <a:spLocks/>
-          </p:cNvSpPr>
-          <p:nvPr/>
-        </p:nvSpPr>
-        <p:spPr bwMode="auto">
-          <a:xfrm>
-            <a:off x="1723075" y="6293790"/>
-            <a:ext cx="720079" cy="153888"/>
-          </a:xfrm>
-          <a:prstGeom prst="rect">
-            <a:avLst/>
-          </a:prstGeom>
-          <a:noFill/>
-          <a:ln>
-            <a:noFill/>
-          </a:ln>
-          <a:extLst>
-            <a:ext uri="{909E8E84-426E-40DD-AFC4-6F175D3DCCD1}">
-              <a14:hiddenFill xmlns:a14="http://schemas.microsoft.com/office/drawing/2010/main">
-                <a:solidFill>
-                  <a:srgbClr val="FFFFFF"/>
-                </a:solidFill>
-              </a14:hiddenFill>
-            </a:ext>
-            <a:ext uri="{91240B29-F687-4F45-9708-019B960494DF}">
-              <a14:hiddenLine xmlns:a14="http://schemas.microsoft.com/office/drawing/2010/main" w="12700" cap="flat">
-                <a:solidFill>
-                  <a:schemeClr val="tx1"/>
-                </a:solidFill>
-                <a:miter lim="800000"/>
-                <a:headEnd type="none" w="med" len="med"/>
-                <a:tailEnd type="none" w="med" len="med"/>
-              </a14:hiddenLine>
-            </a:ext>
-          </a:extLst>
-        </p:spPr>
-        <p:txBody>
-          <a:bodyPr wrap="square" lIns="0" tIns="0" rIns="0" bIns="0" anchor="ctr">
-            <a:spAutoFit/>
-          </a:bodyPr>
-          <a:lstStyle/>
-          <a:p>
-            <a:r>
-              <a:rPr lang="en-US" sz="1000" dirty="0" smtClean="0">
-                <a:solidFill>
-                  <a:srgbClr val="B0B0B0"/>
-                </a:solidFill>
-                <a:ea typeface="Gill Sans" charset="0"/>
-                <a:cs typeface="Gill Sans" charset="0"/>
-              </a:rPr>
-              <a:t>Framework</a:t>
-            </a:r>
-            <a:endParaRPr lang="en-US" sz="1000" dirty="0">
-              <a:solidFill>
-                <a:srgbClr val="B0B0B0"/>
-              </a:solidFill>
-              <a:ea typeface="Gill Sans" charset="0"/>
-              <a:cs typeface="Gill Sans" charset="0"/>
-            </a:endParaRPr>
-          </a:p>
-        </p:txBody>
-      </p:sp>
-      <p:sp>
-        <p:nvSpPr>
-          <p:cNvPr id="23" name="Rectangle 14"/>
-          <p:cNvSpPr>
-            <a:spLocks/>
-          </p:cNvSpPr>
-          <p:nvPr/>
-        </p:nvSpPr>
-        <p:spPr bwMode="auto">
-          <a:xfrm>
-            <a:off x="3954387" y="6258832"/>
-            <a:ext cx="617613" cy="153888"/>
-          </a:xfrm>
-          <a:prstGeom prst="rect">
-            <a:avLst/>
-          </a:prstGeom>
-          <a:noFill/>
-          <a:ln>
-            <a:noFill/>
-          </a:ln>
-          <a:extLst>
-            <a:ext uri="{909E8E84-426E-40DD-AFC4-6F175D3DCCD1}">
-              <a14:hiddenFill xmlns:a14="http://schemas.microsoft.com/office/drawing/2010/main">
-                <a:solidFill>
-                  <a:srgbClr val="FFFFFF"/>
-                </a:solidFill>
-              </a14:hiddenFill>
-            </a:ext>
-            <a:ext uri="{91240B29-F687-4F45-9708-019B960494DF}">
-              <a14:hiddenLine xmlns:a14="http://schemas.microsoft.com/office/drawing/2010/main" w="12700" cap="flat">
-                <a:solidFill>
-                  <a:schemeClr val="tx1"/>
-                </a:solidFill>
-                <a:miter lim="800000"/>
-                <a:headEnd type="none" w="med" len="med"/>
-                <a:tailEnd type="none" w="med" len="med"/>
-              </a14:hiddenLine>
-            </a:ext>
-          </a:extLst>
-        </p:spPr>
-        <p:txBody>
-          <a:bodyPr wrap="square" lIns="0" tIns="0" rIns="0" bIns="0" anchor="ctr">
-            <a:spAutoFit/>
-          </a:bodyPr>
-          <a:lstStyle/>
-          <a:p>
-            <a:r>
-              <a:rPr lang="en-US" sz="1000" dirty="0" smtClean="0">
-                <a:solidFill>
-                  <a:srgbClr val="B0B0B0"/>
-                </a:solidFill>
-                <a:ea typeface="Gill Sans" charset="0"/>
-                <a:cs typeface="Gill Sans" charset="0"/>
-              </a:rPr>
-              <a:t>The Process</a:t>
-            </a:r>
-          </a:p>
-        </p:txBody>
-      </p:sp>
-      <p:sp>
-        <p:nvSpPr>
-          <p:cNvPr id="24" name="Rectangle 17"/>
-          <p:cNvSpPr>
-            <a:spLocks/>
-          </p:cNvSpPr>
-          <p:nvPr/>
-        </p:nvSpPr>
-        <p:spPr bwMode="auto">
-          <a:xfrm>
-            <a:off x="8095586" y="6288551"/>
-            <a:ext cx="721588" cy="153888"/>
-          </a:xfrm>
-          <a:prstGeom prst="rect">
-            <a:avLst/>
-          </a:prstGeom>
-          <a:noFill/>
-          <a:ln>
-            <a:noFill/>
-          </a:ln>
-          <a:extLst>
-            <a:ext uri="{909E8E84-426E-40DD-AFC4-6F175D3DCCD1}">
-              <a14:hiddenFill xmlns:a14="http://schemas.microsoft.com/office/drawing/2010/main">
-                <a:solidFill>
-                  <a:srgbClr val="FFFFFF"/>
-                </a:solidFill>
-              </a14:hiddenFill>
-            </a:ext>
-            <a:ext uri="{91240B29-F687-4F45-9708-019B960494DF}">
-              <a14:hiddenLine xmlns:a14="http://schemas.microsoft.com/office/drawing/2010/main" w="12700" cap="flat">
-                <a:solidFill>
-                  <a:schemeClr val="tx1"/>
-                </a:solidFill>
-                <a:miter lim="800000"/>
-                <a:headEnd type="none" w="med" len="med"/>
-                <a:tailEnd type="none" w="med" len="med"/>
-              </a14:hiddenLine>
-            </a:ext>
-          </a:extLst>
-        </p:spPr>
-        <p:txBody>
-          <a:bodyPr wrap="square" lIns="0" tIns="0" rIns="0" bIns="0" anchor="ctr">
-            <a:spAutoFit/>
-          </a:bodyPr>
-          <a:lstStyle/>
-          <a:p>
-            <a:r>
-              <a:rPr lang="en-US" sz="1000" dirty="0">
-                <a:solidFill>
-                  <a:srgbClr val="B0B0B0"/>
-                </a:solidFill>
-                <a:ea typeface="Gill Sans" charset="0"/>
-                <a:cs typeface="Gill Sans" charset="0"/>
-              </a:rPr>
-              <a:t>Questions</a:t>
-            </a:r>
-          </a:p>
-        </p:txBody>
-      </p:sp>
-      <p:sp>
-        <p:nvSpPr>
-          <p:cNvPr id="26" name="Rectangle 13"/>
-          <p:cNvSpPr>
-            <a:spLocks/>
-          </p:cNvSpPr>
-          <p:nvPr/>
-        </p:nvSpPr>
-        <p:spPr bwMode="auto">
-          <a:xfrm>
-            <a:off x="2771800" y="6206022"/>
-            <a:ext cx="888557" cy="307777"/>
-          </a:xfrm>
-          <a:prstGeom prst="rect">
-            <a:avLst/>
-          </a:prstGeom>
-          <a:noFill/>
-          <a:ln>
-            <a:noFill/>
-          </a:ln>
-          <a:extLst>
-            <a:ext uri="{909E8E84-426E-40DD-AFC4-6F175D3DCCD1}">
-              <a14:hiddenFill xmlns:a14="http://schemas.microsoft.com/office/drawing/2010/main">
-                <a:solidFill>
-                  <a:srgbClr val="FFFFFF"/>
-                </a:solidFill>
-              </a14:hiddenFill>
-            </a:ext>
-            <a:ext uri="{91240B29-F687-4F45-9708-019B960494DF}">
-              <a14:hiddenLine xmlns:a14="http://schemas.microsoft.com/office/drawing/2010/main" w="12700" cap="flat">
-                <a:solidFill>
-                  <a:schemeClr val="tx1"/>
-                </a:solidFill>
-                <a:miter lim="800000"/>
-                <a:headEnd type="none" w="med" len="med"/>
-                <a:tailEnd type="none" w="med" len="med"/>
-              </a14:hiddenLine>
-            </a:ext>
-          </a:extLst>
-        </p:spPr>
-        <p:txBody>
-          <a:bodyPr wrap="square" lIns="0" tIns="0" rIns="0" bIns="0" anchor="ctr">
-            <a:spAutoFit/>
-          </a:bodyPr>
-          <a:lstStyle/>
-          <a:p>
-            <a:r>
-              <a:rPr lang="en-US" sz="1000" dirty="0" smtClean="0">
-                <a:solidFill>
-                  <a:srgbClr val="B0B0B0"/>
-                </a:solidFill>
-                <a:ea typeface="Gill Sans" charset="0"/>
-                <a:cs typeface="Gill Sans" charset="0"/>
-              </a:rPr>
-              <a:t>Problem Characterization</a:t>
-            </a:r>
-            <a:endParaRPr lang="en-US" sz="1000" dirty="0">
-              <a:solidFill>
-                <a:srgbClr val="B0B0B0"/>
-              </a:solidFill>
-              <a:ea typeface="Gill Sans" charset="0"/>
-              <a:cs typeface="Gill Sans" charset="0"/>
-            </a:endParaRPr>
-          </a:p>
-        </p:txBody>
-      </p:sp>
-      <p:sp>
-        <p:nvSpPr>
-          <p:cNvPr id="27" name="Rectangle 14"/>
-          <p:cNvSpPr>
-            <a:spLocks/>
-          </p:cNvSpPr>
-          <p:nvPr/>
-        </p:nvSpPr>
-        <p:spPr bwMode="auto">
-          <a:xfrm>
-            <a:off x="4860032" y="6216845"/>
-            <a:ext cx="611662" cy="307777"/>
-          </a:xfrm>
-          <a:prstGeom prst="rect">
-            <a:avLst/>
-          </a:prstGeom>
-          <a:noFill/>
-          <a:ln>
-            <a:noFill/>
-          </a:ln>
-          <a:extLst>
-            <a:ext uri="{909E8E84-426E-40DD-AFC4-6F175D3DCCD1}">
-              <a14:hiddenFill xmlns:a14="http://schemas.microsoft.com/office/drawing/2010/main">
-                <a:solidFill>
-                  <a:srgbClr val="FFFFFF"/>
-                </a:solidFill>
-              </a14:hiddenFill>
-            </a:ext>
-            <a:ext uri="{91240B29-F687-4F45-9708-019B960494DF}">
-              <a14:hiddenLine xmlns:a14="http://schemas.microsoft.com/office/drawing/2010/main" w="12700" cap="flat">
-                <a:solidFill>
-                  <a:schemeClr val="tx1"/>
-                </a:solidFill>
-                <a:miter lim="800000"/>
-                <a:headEnd type="none" w="med" len="med"/>
-                <a:tailEnd type="none" w="med" len="med"/>
-              </a14:hiddenLine>
-            </a:ext>
-          </a:extLst>
-        </p:spPr>
-        <p:txBody>
-          <a:bodyPr wrap="square" lIns="0" tIns="0" rIns="0" bIns="0" anchor="ctr">
-            <a:spAutoFit/>
-          </a:bodyPr>
-          <a:lstStyle/>
-          <a:p>
-            <a:r>
-              <a:rPr lang="en-US" sz="1000" dirty="0" smtClean="0">
-                <a:solidFill>
-                  <a:srgbClr val="B0B0B0"/>
-                </a:solidFill>
-                <a:ea typeface="Gill Sans" charset="0"/>
-                <a:cs typeface="Gill Sans" charset="0"/>
-              </a:rPr>
-              <a:t>Problem Description</a:t>
-            </a:r>
-          </a:p>
-        </p:txBody>
-      </p:sp>
-      <p:sp>
-        <p:nvSpPr>
-          <p:cNvPr id="28" name="Rectangle 14"/>
-          <p:cNvSpPr>
-            <a:spLocks/>
-          </p:cNvSpPr>
-          <p:nvPr/>
-        </p:nvSpPr>
-        <p:spPr bwMode="auto">
-          <a:xfrm>
-            <a:off x="6444208" y="6282967"/>
-            <a:ext cx="690436" cy="153888"/>
-          </a:xfrm>
-          <a:prstGeom prst="rect">
-            <a:avLst/>
-          </a:prstGeom>
-          <a:noFill/>
-          <a:ln>
-            <a:noFill/>
-          </a:ln>
-          <a:extLst>
-            <a:ext uri="{909E8E84-426E-40DD-AFC4-6F175D3DCCD1}">
-              <a14:hiddenFill xmlns:a14="http://schemas.microsoft.com/office/drawing/2010/main">
-                <a:solidFill>
-                  <a:srgbClr val="FFFFFF"/>
-                </a:solidFill>
-              </a14:hiddenFill>
-            </a:ext>
-            <a:ext uri="{91240B29-F687-4F45-9708-019B960494DF}">
-              <a14:hiddenLine xmlns:a14="http://schemas.microsoft.com/office/drawing/2010/main" w="12700" cap="flat">
-                <a:solidFill>
-                  <a:schemeClr val="tx1"/>
-                </a:solidFill>
-                <a:miter lim="800000"/>
-                <a:headEnd type="none" w="med" len="med"/>
-                <a:tailEnd type="none" w="med" len="med"/>
-              </a14:hiddenLine>
-            </a:ext>
-          </a:extLst>
-        </p:spPr>
-        <p:txBody>
-          <a:bodyPr wrap="square" lIns="0" tIns="0" rIns="0" bIns="0" anchor="ctr">
-            <a:spAutoFit/>
-          </a:bodyPr>
-          <a:lstStyle/>
-          <a:p>
-            <a:r>
-              <a:rPr lang="en-US" sz="1000" dirty="0" smtClean="0">
-                <a:solidFill>
-                  <a:srgbClr val="B0B0B0"/>
-                </a:solidFill>
-                <a:ea typeface="Gill Sans" charset="0"/>
-                <a:cs typeface="Gill Sans" charset="0"/>
-              </a:rPr>
-              <a:t>Technology</a:t>
-            </a:r>
-            <a:endParaRPr lang="en-US" sz="1000" dirty="0">
-              <a:solidFill>
-                <a:srgbClr val="B0B0B0"/>
-              </a:solidFill>
-              <a:ea typeface="Gill Sans" charset="0"/>
-              <a:cs typeface="Gill Sans" charset="0"/>
-            </a:endParaRPr>
-          </a:p>
-        </p:txBody>
-      </p:sp>
-      <p:sp>
-        <p:nvSpPr>
-          <p:cNvPr id="29" name="Rectangle 14"/>
-          <p:cNvSpPr>
-            <a:spLocks/>
-          </p:cNvSpPr>
-          <p:nvPr/>
-        </p:nvSpPr>
-        <p:spPr bwMode="auto">
-          <a:xfrm>
-            <a:off x="5652120" y="6282965"/>
-            <a:ext cx="611662" cy="153888"/>
-          </a:xfrm>
-          <a:prstGeom prst="rect">
-            <a:avLst/>
-          </a:prstGeom>
-          <a:noFill/>
-          <a:ln>
-            <a:noFill/>
-          </a:ln>
-          <a:extLst>
-            <a:ext uri="{909E8E84-426E-40DD-AFC4-6F175D3DCCD1}">
-              <a14:hiddenFill xmlns:a14="http://schemas.microsoft.com/office/drawing/2010/main">
-                <a:solidFill>
-                  <a:srgbClr val="FFFFFF"/>
-                </a:solidFill>
-              </a14:hiddenFill>
-            </a:ext>
-            <a:ext uri="{91240B29-F687-4F45-9708-019B960494DF}">
-              <a14:hiddenLine xmlns:a14="http://schemas.microsoft.com/office/drawing/2010/main" w="12700" cap="flat">
-                <a:solidFill>
-                  <a:schemeClr val="tx1"/>
-                </a:solidFill>
-                <a:miter lim="800000"/>
-                <a:headEnd type="none" w="med" len="med"/>
-                <a:tailEnd type="none" w="med" len="med"/>
-              </a14:hiddenLine>
-            </a:ext>
-          </a:extLst>
-        </p:spPr>
-        <p:txBody>
-          <a:bodyPr wrap="square" lIns="0" tIns="0" rIns="0" bIns="0" anchor="ctr">
-            <a:spAutoFit/>
-          </a:bodyPr>
-          <a:lstStyle/>
-          <a:p>
-            <a:r>
-              <a:rPr lang="en-US" sz="1000" dirty="0" smtClean="0">
-                <a:solidFill>
-                  <a:srgbClr val="B0B0B0"/>
-                </a:solidFill>
-                <a:ea typeface="Gill Sans" charset="0"/>
-                <a:cs typeface="Gill Sans" charset="0"/>
-              </a:rPr>
-              <a:t>Algorithms</a:t>
-            </a:r>
-          </a:p>
-        </p:txBody>
-      </p:sp>
-      <p:sp>
-        <p:nvSpPr>
-          <p:cNvPr id="30" name="Rectangle 14"/>
-          <p:cNvSpPr>
-            <a:spLocks/>
-          </p:cNvSpPr>
-          <p:nvPr/>
-        </p:nvSpPr>
-        <p:spPr bwMode="auto">
-          <a:xfrm>
-            <a:off x="7308304" y="6282965"/>
-            <a:ext cx="576064" cy="153888"/>
-          </a:xfrm>
-          <a:prstGeom prst="rect">
-            <a:avLst/>
-          </a:prstGeom>
-          <a:noFill/>
-          <a:ln>
-            <a:noFill/>
-          </a:ln>
-          <a:extLst>
-            <a:ext uri="{909E8E84-426E-40DD-AFC4-6F175D3DCCD1}">
-              <a14:hiddenFill xmlns:a14="http://schemas.microsoft.com/office/drawing/2010/main">
-                <a:solidFill>
-                  <a:srgbClr val="FFFFFF"/>
-                </a:solidFill>
-              </a14:hiddenFill>
-            </a:ext>
-            <a:ext uri="{91240B29-F687-4F45-9708-019B960494DF}">
-              <a14:hiddenLine xmlns:a14="http://schemas.microsoft.com/office/drawing/2010/main" w="12700" cap="flat">
-                <a:solidFill>
-                  <a:schemeClr val="tx1"/>
-                </a:solidFill>
-                <a:miter lim="800000"/>
-                <a:headEnd type="none" w="med" len="med"/>
-                <a:tailEnd type="none" w="med" len="med"/>
-              </a14:hiddenLine>
-            </a:ext>
-          </a:extLst>
-        </p:spPr>
-        <p:txBody>
-          <a:bodyPr wrap="square" lIns="0" tIns="0" rIns="0" bIns="0" anchor="ctr">
-            <a:spAutoFit/>
-          </a:bodyPr>
-          <a:lstStyle/>
-          <a:p>
-            <a:r>
-              <a:rPr lang="en-US" sz="1000" dirty="0" smtClean="0">
-                <a:solidFill>
-                  <a:srgbClr val="B0B0B0"/>
-                </a:solidFill>
-                <a:ea typeface="Gill Sans" charset="0"/>
-                <a:cs typeface="Gill Sans" charset="0"/>
-              </a:rPr>
-              <a:t>Work Plan</a:t>
-            </a:r>
-          </a:p>
-        </p:txBody>
-      </p:sp>
     </p:spTree>
     <p:extLst>
       <p:ext uri="{BB962C8B-B14F-4D97-AF65-F5344CB8AC3E}">
-        <p14:creationId xmlns:p14="http://schemas.microsoft.com/office/powerpoint/2010/main" val="598733207"/>
+        <p14:creationId xmlns:p14="http://schemas.microsoft.com/office/powerpoint/2010/main" val="3731642589"/>
       </p:ext>
     </p:extLst>
   </p:cSld>

--- a/SSIM-Intermediate.pptx
+++ b/SSIM-Intermediate.pptx
@@ -3955,13 +3955,6 @@
               </a:rPr>
               <a:t>9</a:t>
             </a:r>
-            <a:endParaRPr lang="en-US" dirty="0" smtClean="0">
-              <a:solidFill>
-                <a:srgbClr val="656565"/>
-              </a:solidFill>
-              <a:ea typeface="Gill Sans" charset="0"/>
-              <a:cs typeface="Gill Sans" charset="0"/>
-            </a:endParaRPr>
           </a:p>
         </p:txBody>
       </p:sp>
@@ -4885,13 +4878,6 @@
               </a:rPr>
               <a:t>10</a:t>
             </a:r>
-            <a:endParaRPr lang="en-US" dirty="0" smtClean="0">
-              <a:solidFill>
-                <a:srgbClr val="656565"/>
-              </a:solidFill>
-              <a:ea typeface="Gill Sans" charset="0"/>
-              <a:cs typeface="Gill Sans" charset="0"/>
-            </a:endParaRPr>
           </a:p>
         </p:txBody>
       </p:sp>
@@ -5549,6 +5535,155 @@
               </a:rPr>
               <a:t>Work Plan</a:t>
             </a:r>
+          </a:p>
+        </p:txBody>
+      </p:sp>
+      <p:sp>
+        <p:nvSpPr>
+          <p:cNvPr id="3" name="TextBox 2"/>
+          <p:cNvSpPr txBox="1"/>
+          <p:nvPr/>
+        </p:nvSpPr>
+        <p:spPr>
+          <a:xfrm>
+            <a:off x="597807" y="1740971"/>
+            <a:ext cx="8005341" cy="3724096"/>
+          </a:xfrm>
+          <a:prstGeom prst="rect">
+            <a:avLst/>
+          </a:prstGeom>
+          <a:noFill/>
+        </p:spPr>
+        <p:txBody>
+          <a:bodyPr wrap="square" rtlCol="0">
+            <a:spAutoFit/>
+          </a:bodyPr>
+          <a:lstStyle/>
+          <a:p>
+            <a:pPr marL="457200" indent="-457200">
+              <a:spcBef>
+                <a:spcPts val="600"/>
+              </a:spcBef>
+              <a:spcAft>
+                <a:spcPts val="600"/>
+              </a:spcAft>
+              <a:buFont typeface="Arial" pitchFamily="34" charset="0"/>
+              <a:buChar char="•"/>
+            </a:pPr>
+            <a:r>
+              <a:rPr lang="pt-PT" sz="2800" dirty="0">
+                <a:solidFill>
+                  <a:srgbClr val="666666"/>
+                </a:solidFill>
+                <a:latin typeface="Helvetica Neue" charset="0"/>
+                <a:ea typeface="Helvetica Neue" charset="0"/>
+                <a:cs typeface="Helvetica Neue" charset="0"/>
+              </a:rPr>
+              <a:t>The information from any transaction reaches INE </a:t>
+            </a:r>
+          </a:p>
+          <a:p>
+            <a:pPr marL="457200" indent="-457200">
+              <a:spcBef>
+                <a:spcPts val="600"/>
+              </a:spcBef>
+              <a:spcAft>
+                <a:spcPts val="600"/>
+              </a:spcAft>
+              <a:buFont typeface="Arial" pitchFamily="34" charset="0"/>
+              <a:buChar char="•"/>
+            </a:pPr>
+            <a:r>
+              <a:rPr lang="pt-PT" sz="2800" dirty="0">
+                <a:solidFill>
+                  <a:srgbClr val="666666"/>
+                </a:solidFill>
+                <a:latin typeface="Helvetica Neue" charset="0"/>
+                <a:ea typeface="Helvetica Neue" charset="0"/>
+                <a:cs typeface="Helvetica Neue" charset="0"/>
+              </a:rPr>
+              <a:t>Data inserted and verified manually</a:t>
+            </a:r>
+            <a:endParaRPr lang="pt-PT" sz="2800" dirty="0">
+              <a:solidFill>
+                <a:srgbClr val="666666"/>
+              </a:solidFill>
+              <a:latin typeface="Helvetica Neue" charset="0"/>
+              <a:ea typeface="Helvetica Neue" charset="0"/>
+              <a:cs typeface="Helvetica Neue" charset="0"/>
+            </a:endParaRPr>
+          </a:p>
+          <a:p>
+            <a:pPr marL="457200" indent="-457200">
+              <a:spcBef>
+                <a:spcPts val="600"/>
+              </a:spcBef>
+              <a:spcAft>
+                <a:spcPts val="600"/>
+              </a:spcAft>
+              <a:buFont typeface="Arial" pitchFamily="34" charset="0"/>
+              <a:buChar char="•"/>
+            </a:pPr>
+            <a:r>
+              <a:rPr lang="pt-PT" sz="2800" dirty="0">
+                <a:solidFill>
+                  <a:srgbClr val="666666"/>
+                </a:solidFill>
+                <a:latin typeface="Helvetica Neue" charset="0"/>
+                <a:ea typeface="Helvetica Neue" charset="0"/>
+                <a:cs typeface="Helvetica Neue" charset="0"/>
+              </a:rPr>
+              <a:t>All manual processes lead to errors</a:t>
+            </a:r>
+          </a:p>
+          <a:p>
+            <a:pPr>
+              <a:spcBef>
+                <a:spcPts val="600"/>
+              </a:spcBef>
+              <a:spcAft>
+                <a:spcPts val="600"/>
+              </a:spcAft>
+            </a:pPr>
+            <a:endParaRPr lang="pt-PT" sz="2800" dirty="0">
+              <a:solidFill>
+                <a:srgbClr val="666666"/>
+              </a:solidFill>
+              <a:latin typeface="Helvetica Neue" charset="0"/>
+              <a:ea typeface="Helvetica Neue" charset="0"/>
+              <a:cs typeface="Helvetica Neue" charset="0"/>
+            </a:endParaRPr>
+          </a:p>
+          <a:p>
+            <a:pPr marL="457200" indent="-457200">
+              <a:spcBef>
+                <a:spcPts val="600"/>
+              </a:spcBef>
+              <a:spcAft>
+                <a:spcPts val="600"/>
+              </a:spcAft>
+              <a:buFont typeface="Arial" pitchFamily="34" charset="0"/>
+              <a:buChar char="•"/>
+            </a:pPr>
+            <a:r>
+              <a:rPr lang="pt-PT" sz="2800" dirty="0">
+                <a:solidFill>
+                  <a:srgbClr val="666666"/>
+                </a:solidFill>
+                <a:latin typeface="Helvetica Neue" charset="0"/>
+                <a:ea typeface="Helvetica Neue" charset="0"/>
+                <a:cs typeface="Helvetica Neue" charset="0"/>
+              </a:rPr>
+              <a:t>Automatically select a subset with almost all errors</a:t>
+            </a:r>
+            <a:endParaRPr lang="pt-PT" sz="2800" dirty="0">
+              <a:solidFill>
+                <a:srgbClr val="666666"/>
+              </a:solidFill>
+              <a:latin typeface="Helvetica Neue" charset="0"/>
+              <a:ea typeface="Helvetica Neue" charset="0"/>
+              <a:cs typeface="Helvetica Neue" charset="0"/>
+            </a:endParaRPr>
           </a:p>
         </p:txBody>
       </p:sp>
@@ -5906,13 +6041,6 @@
               </a:rPr>
               <a:t>11</a:t>
             </a:r>
-            <a:endParaRPr lang="en-US" dirty="0" smtClean="0">
-              <a:solidFill>
-                <a:srgbClr val="656565"/>
-              </a:solidFill>
-              <a:ea typeface="Gill Sans" charset="0"/>
-              <a:cs typeface="Gill Sans" charset="0"/>
-            </a:endParaRPr>
           </a:p>
         </p:txBody>
       </p:sp>
@@ -5996,18 +6124,7 @@
                 <a:ea typeface="Helvetica Neue" charset="0"/>
                 <a:cs typeface="Helvetica Neue" charset="0"/>
               </a:rPr>
-              <a:t>Clustering for Outlier </a:t>
-            </a:r>
-            <a:r>
-              <a:rPr lang="pt-PT" sz="2800" dirty="0">
-                <a:solidFill>
-                  <a:srgbClr val="666666"/>
-                </a:solidFill>
-                <a:latin typeface="Helvetica Neue" charset="0"/>
-                <a:ea typeface="Helvetica Neue" charset="0"/>
-                <a:cs typeface="Helvetica Neue" charset="0"/>
-              </a:rPr>
-              <a:t>Detection</a:t>
+              <a:t>Clustering for Outlier Detection</a:t>
             </a:r>
           </a:p>
           <a:p>
@@ -6030,18 +6147,7 @@
                 <a:ea typeface="Helvetica Neue" charset="0"/>
                 <a:cs typeface="Helvetica Neue" charset="0"/>
               </a:rPr>
-              <a:t>Decision Trees for Outlier </a:t>
-            </a:r>
-            <a:r>
-              <a:rPr lang="en-US" sz="2800" dirty="0">
-                <a:solidFill>
-                  <a:srgbClr val="666666"/>
-                </a:solidFill>
-                <a:latin typeface="Helvetica Neue" charset="0"/>
-                <a:ea typeface="Helvetica Neue" charset="0"/>
-                <a:cs typeface="Helvetica Neue" charset="0"/>
-              </a:rPr>
-              <a:t>Detection</a:t>
+              <a:t>Decision Trees for Outlier Detection</a:t>
             </a:r>
           </a:p>
           <a:p>
@@ -6975,13 +7081,6 @@
               </a:rPr>
               <a:t>12</a:t>
             </a:r>
-            <a:endParaRPr lang="en-US" dirty="0" smtClean="0">
-              <a:solidFill>
-                <a:srgbClr val="656565"/>
-              </a:solidFill>
-              <a:ea typeface="Gill Sans" charset="0"/>
-              <a:cs typeface="Gill Sans" charset="0"/>
-            </a:endParaRPr>
           </a:p>
         </p:txBody>
       </p:sp>
@@ -8154,13 +8253,6 @@
               </a:rPr>
               <a:t>13</a:t>
             </a:r>
-            <a:endParaRPr lang="en-US" dirty="0" smtClean="0">
-              <a:solidFill>
-                <a:srgbClr val="656565"/>
-              </a:solidFill>
-              <a:ea typeface="Gill Sans" charset="0"/>
-              <a:cs typeface="Gill Sans" charset="0"/>
-            </a:endParaRPr>
           </a:p>
         </p:txBody>
       </p:sp>
@@ -9109,13 +9201,6 @@
               </a:rPr>
               <a:t>14</a:t>
             </a:r>
-            <a:endParaRPr lang="en-US" dirty="0" smtClean="0">
-              <a:solidFill>
-                <a:srgbClr val="656565"/>
-              </a:solidFill>
-              <a:ea typeface="Gill Sans" charset="0"/>
-              <a:cs typeface="Gill Sans" charset="0"/>
-            </a:endParaRPr>
           </a:p>
         </p:txBody>
       </p:sp>
@@ -12055,13 +12140,6 @@
               </a:rPr>
               <a:t>3</a:t>
             </a:r>
-            <a:endParaRPr lang="en-US" dirty="0" smtClean="0">
-              <a:solidFill>
-                <a:srgbClr val="656565"/>
-              </a:solidFill>
-              <a:ea typeface="Gill Sans" charset="0"/>
-              <a:cs typeface="Gill Sans" charset="0"/>
-            </a:endParaRPr>
           </a:p>
         </p:txBody>
       </p:sp>
@@ -12985,13 +13063,6 @@
               </a:rPr>
               <a:t>4</a:t>
             </a:r>
-            <a:endParaRPr lang="en-US" dirty="0" smtClean="0">
-              <a:solidFill>
-                <a:srgbClr val="656565"/>
-              </a:solidFill>
-              <a:ea typeface="Gill Sans" charset="0"/>
-              <a:cs typeface="Gill Sans" charset="0"/>
-            </a:endParaRPr>
           </a:p>
         </p:txBody>
       </p:sp>
@@ -14012,13 +14083,6 @@
               </a:rPr>
               <a:t>5</a:t>
             </a:r>
-            <a:endParaRPr lang="en-US" dirty="0" smtClean="0">
-              <a:solidFill>
-                <a:srgbClr val="656565"/>
-              </a:solidFill>
-              <a:ea typeface="Gill Sans" charset="0"/>
-              <a:cs typeface="Gill Sans" charset="0"/>
-            </a:endParaRPr>
           </a:p>
         </p:txBody>
       </p:sp>
@@ -15100,13 +15164,6 @@
               </a:rPr>
               <a:t>6</a:t>
             </a:r>
-            <a:endParaRPr lang="en-US" dirty="0" smtClean="0">
-              <a:solidFill>
-                <a:srgbClr val="656565"/>
-              </a:solidFill>
-              <a:ea typeface="Gill Sans" charset="0"/>
-              <a:cs typeface="Gill Sans" charset="0"/>
-            </a:endParaRPr>
           </a:p>
         </p:txBody>
       </p:sp>
@@ -16168,13 +16225,6 @@
               </a:rPr>
               <a:t>7</a:t>
             </a:r>
-            <a:endParaRPr lang="en-US" dirty="0" smtClean="0">
-              <a:solidFill>
-                <a:srgbClr val="656565"/>
-              </a:solidFill>
-              <a:ea typeface="Gill Sans" charset="0"/>
-              <a:cs typeface="Gill Sans" charset="0"/>
-            </a:endParaRPr>
           </a:p>
         </p:txBody>
       </p:sp>
@@ -17215,13 +17265,6 @@
               </a:rPr>
               <a:t>8</a:t>
             </a:r>
-            <a:endParaRPr lang="en-US" dirty="0" smtClean="0">
-              <a:solidFill>
-                <a:srgbClr val="656565"/>
-              </a:solidFill>
-              <a:ea typeface="Gill Sans" charset="0"/>
-              <a:cs typeface="Gill Sans" charset="0"/>
-            </a:endParaRPr>
           </a:p>
         </p:txBody>
       </p:sp>

--- a/SSIM-Intermediate.pptx
+++ b/SSIM-Intermediate.pptx
@@ -3711,15 +3711,6 @@
               </a:rPr>
               <a:t>Problem Characterization</a:t>
             </a:r>
-            <a:endParaRPr lang="en-US" sz="3200" b="1" dirty="0">
-              <a:solidFill>
-                <a:srgbClr val="3B8DCD"/>
-              </a:solidFill>
-              <a:latin typeface="Helvetica Neue" charset="0"/>
-              <a:ea typeface="Helvetica Neue" charset="0"/>
-              <a:cs typeface="Helvetica Neue" charset="0"/>
-              <a:sym typeface="Helvetica Neue" charset="0"/>
-            </a:endParaRPr>
           </a:p>
         </p:txBody>
       </p:sp>
@@ -4053,33 +4044,7 @@
                 <a:ea typeface="Helvetica Neue" charset="0"/>
                 <a:cs typeface="Helvetica Neue" charset="0"/>
               </a:rPr>
-              <a:t>Proportion </a:t>
-            </a:r>
-            <a:r>
-              <a:rPr lang="en-US" sz="2800" dirty="0">
-                <a:solidFill>
-                  <a:schemeClr val="bg1">
-                    <a:lumMod val="95000"/>
-                  </a:schemeClr>
-                </a:solidFill>
-                <a:latin typeface="Helvetica Neue" charset="0"/>
-                <a:ea typeface="Helvetica Neue" charset="0"/>
-                <a:cs typeface="Helvetica Neue" charset="0"/>
-              </a:rPr>
-              <a:t>of </a:t>
-            </a:r>
-            <a:r>
-              <a:rPr lang="en-US" sz="2800" dirty="0">
-                <a:solidFill>
-                  <a:schemeClr val="bg1">
-                    <a:lumMod val="95000"/>
-                  </a:schemeClr>
-                </a:solidFill>
-                <a:latin typeface="Helvetica Neue" charset="0"/>
-                <a:ea typeface="Helvetica Neue" charset="0"/>
-                <a:cs typeface="Helvetica Neue" charset="0"/>
-              </a:rPr>
-              <a:t>attributes with outliers</a:t>
+              <a:t>Proportion of attributes with outliers</a:t>
             </a:r>
           </a:p>
           <a:p>
@@ -6709,6 +6674,144 @@
           </a:p>
         </p:txBody>
       </p:sp>
+      <p:sp>
+        <p:nvSpPr>
+          <p:cNvPr id="2" name="TextBox 1"/>
+          <p:cNvSpPr txBox="1"/>
+          <p:nvPr/>
+        </p:nvSpPr>
+        <p:spPr>
+          <a:xfrm>
+            <a:off x="230907" y="1916832"/>
+            <a:ext cx="8682185" cy="3216265"/>
+          </a:xfrm>
+          <a:prstGeom prst="rect">
+            <a:avLst/>
+          </a:prstGeom>
+          <a:noFill/>
+        </p:spPr>
+        <p:txBody>
+          <a:bodyPr wrap="none" rtlCol="0">
+            <a:spAutoFit/>
+          </a:bodyPr>
+          <a:lstStyle/>
+          <a:p>
+            <a:pPr marL="457200" indent="-457200">
+              <a:spcBef>
+                <a:spcPts val="600"/>
+              </a:spcBef>
+              <a:spcAft>
+                <a:spcPts val="600"/>
+              </a:spcAft>
+              <a:buFont typeface="Arial" pitchFamily="34" charset="0"/>
+              <a:buChar char="•"/>
+            </a:pPr>
+            <a:r>
+              <a:rPr lang="en-US" sz="2800" dirty="0">
+                <a:solidFill>
+                  <a:srgbClr val="666666"/>
+                </a:solidFill>
+                <a:latin typeface="Helvetica Neue" charset="0"/>
+                <a:ea typeface="Helvetica Neue" charset="0"/>
+                <a:cs typeface="Helvetica Neue" charset="0"/>
+              </a:rPr>
+              <a:t>The information from any transaction reaches INE </a:t>
+            </a:r>
+          </a:p>
+          <a:p>
+            <a:pPr marL="457200" indent="-457200">
+              <a:spcBef>
+                <a:spcPts val="600"/>
+              </a:spcBef>
+              <a:spcAft>
+                <a:spcPts val="600"/>
+              </a:spcAft>
+              <a:buFont typeface="Arial" pitchFamily="34" charset="0"/>
+              <a:buChar char="•"/>
+            </a:pPr>
+            <a:r>
+              <a:rPr lang="en-US" sz="2800" dirty="0">
+                <a:solidFill>
+                  <a:srgbClr val="666666"/>
+                </a:solidFill>
+                <a:latin typeface="Helvetica Neue" charset="0"/>
+                <a:ea typeface="Helvetica Neue" charset="0"/>
+                <a:cs typeface="Helvetica Neue" charset="0"/>
+              </a:rPr>
+              <a:t>Data inserted and verified manually</a:t>
+            </a:r>
+          </a:p>
+          <a:p>
+            <a:pPr marL="457200" indent="-457200">
+              <a:spcBef>
+                <a:spcPts val="600"/>
+              </a:spcBef>
+              <a:spcAft>
+                <a:spcPts val="600"/>
+              </a:spcAft>
+              <a:buFont typeface="Arial" pitchFamily="34" charset="0"/>
+              <a:buChar char="•"/>
+            </a:pPr>
+            <a:r>
+              <a:rPr lang="en-US" sz="2800" dirty="0">
+                <a:solidFill>
+                  <a:srgbClr val="666666"/>
+                </a:solidFill>
+                <a:latin typeface="Helvetica Neue" charset="0"/>
+                <a:ea typeface="Helvetica Neue" charset="0"/>
+                <a:cs typeface="Helvetica Neue" charset="0"/>
+              </a:rPr>
+              <a:t>All manual processes lead to errors</a:t>
+            </a:r>
+          </a:p>
+          <a:p>
+            <a:pPr marL="457200" indent="-457200">
+              <a:spcBef>
+                <a:spcPts val="600"/>
+              </a:spcBef>
+              <a:spcAft>
+                <a:spcPts val="600"/>
+              </a:spcAft>
+              <a:buFont typeface="Arial" pitchFamily="34" charset="0"/>
+              <a:buChar char="•"/>
+            </a:pPr>
+            <a:endParaRPr lang="en-US" sz="2800" dirty="0">
+              <a:solidFill>
+                <a:srgbClr val="666666"/>
+              </a:solidFill>
+              <a:latin typeface="Helvetica Neue" charset="0"/>
+              <a:ea typeface="Helvetica Neue" charset="0"/>
+              <a:cs typeface="Helvetica Neue" charset="0"/>
+            </a:endParaRPr>
+          </a:p>
+          <a:p>
+            <a:pPr marL="457200" indent="-457200">
+              <a:spcBef>
+                <a:spcPts val="600"/>
+              </a:spcBef>
+              <a:spcAft>
+                <a:spcPts val="600"/>
+              </a:spcAft>
+              <a:buFont typeface="Arial" pitchFamily="34" charset="0"/>
+              <a:buChar char="•"/>
+            </a:pPr>
+            <a:r>
+              <a:rPr lang="en-US" sz="2800" dirty="0">
+                <a:solidFill>
+                  <a:srgbClr val="666666"/>
+                </a:solidFill>
+                <a:latin typeface="Helvetica Neue" charset="0"/>
+                <a:ea typeface="Helvetica Neue" charset="0"/>
+                <a:cs typeface="Helvetica Neue" charset="0"/>
+              </a:rPr>
+              <a:t>Automatically select a subset with almost all errors</a:t>
+            </a:r>
+          </a:p>
+          <a:p>
+            <a:endParaRPr lang="pt-PT" dirty="0"/>
+          </a:p>
+        </p:txBody>
+      </p:sp>
     </p:spTree>
     <p:extLst>
       <p:ext uri="{BB962C8B-B14F-4D97-AF65-F5344CB8AC3E}">
@@ -14920,15 +15023,6 @@
               </a:rPr>
               <a:t>Problem Characterization</a:t>
             </a:r>
-            <a:endParaRPr lang="en-US" sz="3200" b="1" dirty="0">
-              <a:solidFill>
-                <a:srgbClr val="3B8DCD"/>
-              </a:solidFill>
-              <a:latin typeface="Helvetica Neue" charset="0"/>
-              <a:ea typeface="Helvetica Neue" charset="0"/>
-              <a:cs typeface="Helvetica Neue" charset="0"/>
-              <a:sym typeface="Helvetica Neue" charset="0"/>
-            </a:endParaRPr>
           </a:p>
         </p:txBody>
       </p:sp>
@@ -15962,15 +16056,6 @@
               </a:rPr>
               <a:t>Problem Characterization</a:t>
             </a:r>
-            <a:endParaRPr lang="en-US" sz="3200" b="1" dirty="0">
-              <a:solidFill>
-                <a:srgbClr val="3B8DCD"/>
-              </a:solidFill>
-              <a:latin typeface="Helvetica Neue" charset="0"/>
-              <a:ea typeface="Helvetica Neue" charset="0"/>
-              <a:cs typeface="Helvetica Neue" charset="0"/>
-              <a:sym typeface="Helvetica Neue" charset="0"/>
-            </a:endParaRPr>
           </a:p>
         </p:txBody>
       </p:sp>
@@ -17098,15 +17183,6 @@
               </a:rPr>
               <a:t>Problem Characterization</a:t>
             </a:r>
-            <a:endParaRPr lang="en-US" sz="3200" b="1" dirty="0">
-              <a:solidFill>
-                <a:srgbClr val="3B8DCD"/>
-              </a:solidFill>
-              <a:latin typeface="Helvetica Neue" charset="0"/>
-              <a:ea typeface="Helvetica Neue" charset="0"/>
-              <a:cs typeface="Helvetica Neue" charset="0"/>
-              <a:sym typeface="Helvetica Neue" charset="0"/>
-            </a:endParaRPr>
           </a:p>
         </p:txBody>
       </p:sp>
@@ -17461,33 +17537,7 @@
                 <a:ea typeface="Helvetica Neue" charset="0"/>
                 <a:cs typeface="Helvetica Neue" charset="0"/>
               </a:rPr>
-              <a:t>Proportion </a:t>
-            </a:r>
-            <a:r>
-              <a:rPr lang="en-US" sz="2800" dirty="0">
-                <a:solidFill>
-                  <a:schemeClr val="bg1">
-                    <a:lumMod val="95000"/>
-                  </a:schemeClr>
-                </a:solidFill>
-                <a:latin typeface="Helvetica Neue" charset="0"/>
-                <a:ea typeface="Helvetica Neue" charset="0"/>
-                <a:cs typeface="Helvetica Neue" charset="0"/>
-              </a:rPr>
-              <a:t>of </a:t>
-            </a:r>
-            <a:r>
-              <a:rPr lang="en-US" sz="2800" dirty="0">
-                <a:solidFill>
-                  <a:schemeClr val="bg1">
-                    <a:lumMod val="95000"/>
-                  </a:schemeClr>
-                </a:solidFill>
-                <a:latin typeface="Helvetica Neue" charset="0"/>
-                <a:ea typeface="Helvetica Neue" charset="0"/>
-                <a:cs typeface="Helvetica Neue" charset="0"/>
-              </a:rPr>
-              <a:t>attributes with outliers</a:t>
+              <a:t>Proportion of attributes with outliers</a:t>
             </a:r>
           </a:p>
           <a:p>
@@ -18212,15 +18262,6 @@
               </a:rPr>
               <a:t>Problem Characterization</a:t>
             </a:r>
-            <a:endParaRPr lang="en-US" sz="3200" b="1" dirty="0">
-              <a:solidFill>
-                <a:srgbClr val="3B8DCD"/>
-              </a:solidFill>
-              <a:latin typeface="Helvetica Neue" charset="0"/>
-              <a:ea typeface="Helvetica Neue" charset="0"/>
-              <a:cs typeface="Helvetica Neue" charset="0"/>
-              <a:sym typeface="Helvetica Neue" charset="0"/>
-            </a:endParaRPr>
           </a:p>
         </p:txBody>
       </p:sp>
@@ -18602,14 +18643,6 @@
               </a:rPr>
               <a:t>noise.</a:t>
             </a:r>
-            <a:endParaRPr lang="en-US" sz="2200" dirty="0" smtClean="0">
-              <a:solidFill>
-                <a:srgbClr val="666666"/>
-              </a:solidFill>
-              <a:latin typeface="Helvetica Neue" charset="0"/>
-              <a:ea typeface="Helvetica Neue" charset="0"/>
-              <a:cs typeface="Helvetica Neue" charset="0"/>
-            </a:endParaRPr>
           </a:p>
           <a:p>
             <a:pPr marL="457200" indent="-457200">

--- a/SSIM-Intermediate.pptx
+++ b/SSIM-Intermediate.pptx
@@ -3711,15 +3711,6 @@
               </a:rPr>
               <a:t>Problem Characterization</a:t>
             </a:r>
-            <a:endParaRPr lang="en-US" sz="3200" b="1" dirty="0">
-              <a:solidFill>
-                <a:srgbClr val="3B8DCD"/>
-              </a:solidFill>
-              <a:latin typeface="Helvetica Neue" charset="0"/>
-              <a:ea typeface="Helvetica Neue" charset="0"/>
-              <a:cs typeface="Helvetica Neue" charset="0"/>
-              <a:sym typeface="Helvetica Neue" charset="0"/>
-            </a:endParaRPr>
           </a:p>
         </p:txBody>
       </p:sp>
@@ -4053,33 +4044,7 @@
                 <a:ea typeface="Helvetica Neue" charset="0"/>
                 <a:cs typeface="Helvetica Neue" charset="0"/>
               </a:rPr>
-              <a:t>Proportion </a:t>
-            </a:r>
-            <a:r>
-              <a:rPr lang="en-US" sz="2800" dirty="0">
-                <a:solidFill>
-                  <a:schemeClr val="bg1">
-                    <a:lumMod val="95000"/>
-                  </a:schemeClr>
-                </a:solidFill>
-                <a:latin typeface="Helvetica Neue" charset="0"/>
-                <a:ea typeface="Helvetica Neue" charset="0"/>
-                <a:cs typeface="Helvetica Neue" charset="0"/>
-              </a:rPr>
-              <a:t>of </a:t>
-            </a:r>
-            <a:r>
-              <a:rPr lang="en-US" sz="2800" dirty="0">
-                <a:solidFill>
-                  <a:schemeClr val="bg1">
-                    <a:lumMod val="95000"/>
-                  </a:schemeClr>
-                </a:solidFill>
-                <a:latin typeface="Helvetica Neue" charset="0"/>
-                <a:ea typeface="Helvetica Neue" charset="0"/>
-                <a:cs typeface="Helvetica Neue" charset="0"/>
-              </a:rPr>
-              <a:t>attributes with outliers</a:t>
+              <a:t>Proportion of attributes with outliers</a:t>
             </a:r>
           </a:p>
           <a:p>
@@ -9869,6 +9834,190 @@
           </a:p>
         </p:txBody>
       </p:sp>
+      <p:sp>
+        <p:nvSpPr>
+          <p:cNvPr id="18" name="TextBox 17"/>
+          <p:cNvSpPr txBox="1"/>
+          <p:nvPr/>
+        </p:nvSpPr>
+        <p:spPr>
+          <a:xfrm>
+            <a:off x="972572" y="1988840"/>
+            <a:ext cx="7631876" cy="4031873"/>
+          </a:xfrm>
+          <a:prstGeom prst="rect">
+            <a:avLst/>
+          </a:prstGeom>
+          <a:noFill/>
+        </p:spPr>
+        <p:txBody>
+          <a:bodyPr wrap="square" rtlCol="0">
+            <a:spAutoFit/>
+          </a:bodyPr>
+          <a:lstStyle/>
+          <a:p>
+            <a:pPr marL="457200" indent="-457200">
+              <a:spcBef>
+                <a:spcPts val="600"/>
+              </a:spcBef>
+              <a:spcAft>
+                <a:spcPts val="600"/>
+              </a:spcAft>
+              <a:buFont typeface="Arial" pitchFamily="34" charset="0"/>
+              <a:buChar char="•"/>
+            </a:pPr>
+            <a:r>
+              <a:rPr lang="pt-PT" sz="2800" dirty="0" smtClean="0">
+                <a:solidFill>
+                  <a:srgbClr val="666666"/>
+                </a:solidFill>
+                <a:latin typeface="Helvetica Neue" charset="0"/>
+                <a:ea typeface="Helvetica Neue" charset="0"/>
+                <a:cs typeface="Helvetica Neue" charset="0"/>
+              </a:rPr>
+              <a:t>Implement the server skeleton</a:t>
+            </a:r>
+          </a:p>
+          <a:p>
+            <a:pPr marL="457200" indent="-457200">
+              <a:spcBef>
+                <a:spcPts val="600"/>
+              </a:spcBef>
+              <a:spcAft>
+                <a:spcPts val="600"/>
+              </a:spcAft>
+              <a:buFont typeface="Arial" pitchFamily="34" charset="0"/>
+              <a:buChar char="•"/>
+            </a:pPr>
+            <a:r>
+              <a:rPr lang="pt-PT" sz="2800" dirty="0" smtClean="0">
+                <a:solidFill>
+                  <a:srgbClr val="666666"/>
+                </a:solidFill>
+                <a:latin typeface="Helvetica Neue" charset="0"/>
+                <a:ea typeface="Helvetica Neue" charset="0"/>
+                <a:cs typeface="Helvetica Neue" charset="0"/>
+              </a:rPr>
+              <a:t>Implement the R-Java link</a:t>
+            </a:r>
+          </a:p>
+          <a:p>
+            <a:pPr marL="457200" indent="-457200">
+              <a:spcBef>
+                <a:spcPts val="600"/>
+              </a:spcBef>
+              <a:spcAft>
+                <a:spcPts val="600"/>
+              </a:spcAft>
+              <a:buFont typeface="Arial" pitchFamily="34" charset="0"/>
+              <a:buChar char="•"/>
+            </a:pPr>
+            <a:r>
+              <a:rPr lang="pt-PT" sz="2800" dirty="0" smtClean="0">
+                <a:solidFill>
+                  <a:srgbClr val="666666"/>
+                </a:solidFill>
+                <a:latin typeface="Helvetica Neue" charset="0"/>
+                <a:ea typeface="Helvetica Neue" charset="0"/>
+                <a:cs typeface="Helvetica Neue" charset="0"/>
+              </a:rPr>
+              <a:t>Implement the problem characterization</a:t>
+            </a:r>
+          </a:p>
+          <a:p>
+            <a:pPr marL="457200" indent="-457200">
+              <a:spcBef>
+                <a:spcPts val="600"/>
+              </a:spcBef>
+              <a:spcAft>
+                <a:spcPts val="600"/>
+              </a:spcAft>
+              <a:buFont typeface="Arial" pitchFamily="34" charset="0"/>
+              <a:buChar char="•"/>
+            </a:pPr>
+            <a:r>
+              <a:rPr lang="pt-PT" sz="2800" dirty="0" smtClean="0">
+                <a:solidFill>
+                  <a:srgbClr val="666666"/>
+                </a:solidFill>
+                <a:latin typeface="Helvetica Neue" charset="0"/>
+                <a:ea typeface="Helvetica Neue" charset="0"/>
+                <a:cs typeface="Helvetica Neue" charset="0"/>
+              </a:rPr>
+              <a:t>Implement the first agent</a:t>
+            </a:r>
+          </a:p>
+          <a:p>
+            <a:pPr marL="457200" indent="-457200">
+              <a:spcBef>
+                <a:spcPts val="600"/>
+              </a:spcBef>
+              <a:spcAft>
+                <a:spcPts val="600"/>
+              </a:spcAft>
+              <a:buFont typeface="Arial" pitchFamily="34" charset="0"/>
+              <a:buChar char="•"/>
+            </a:pPr>
+            <a:r>
+              <a:rPr lang="pt-PT" sz="2800" dirty="0" smtClean="0">
+                <a:solidFill>
+                  <a:srgbClr val="666666"/>
+                </a:solidFill>
+                <a:latin typeface="Helvetica Neue" charset="0"/>
+                <a:ea typeface="Helvetica Neue" charset="0"/>
+                <a:cs typeface="Helvetica Neue" charset="0"/>
+              </a:rPr>
+              <a:t>Implement the server API</a:t>
+            </a:r>
+          </a:p>
+          <a:p>
+            <a:pPr marL="457200" indent="-457200">
+              <a:spcBef>
+                <a:spcPts val="600"/>
+              </a:spcBef>
+              <a:spcAft>
+                <a:spcPts val="600"/>
+              </a:spcAft>
+              <a:buFont typeface="Arial" pitchFamily="34" charset="0"/>
+              <a:buChar char="•"/>
+            </a:pPr>
+            <a:r>
+              <a:rPr lang="pt-PT" sz="2800" dirty="0" smtClean="0">
+                <a:solidFill>
+                  <a:srgbClr val="666666"/>
+                </a:solidFill>
+                <a:latin typeface="Helvetica Neue" charset="0"/>
+                <a:ea typeface="Helvetica Neue" charset="0"/>
+                <a:cs typeface="Helvetica Neue" charset="0"/>
+              </a:rPr>
+              <a:t>Implement the rest of the agents</a:t>
+            </a:r>
+          </a:p>
+          <a:p>
+            <a:pPr marL="457200" indent="-457200">
+              <a:spcBef>
+                <a:spcPts val="600"/>
+              </a:spcBef>
+              <a:spcAft>
+                <a:spcPts val="600"/>
+              </a:spcAft>
+              <a:buFont typeface="Arial" pitchFamily="34" charset="0"/>
+              <a:buChar char="•"/>
+            </a:pPr>
+            <a:r>
+              <a:rPr lang="pt-PT" sz="2800" dirty="0" smtClean="0">
+                <a:solidFill>
+                  <a:srgbClr val="666666"/>
+                </a:solidFill>
+                <a:latin typeface="Helvetica Neue" charset="0"/>
+                <a:ea typeface="Helvetica Neue" charset="0"/>
+                <a:cs typeface="Helvetica Neue" charset="0"/>
+              </a:rPr>
+              <a:t>Fine tune the negotiation process</a:t>
+            </a:r>
+          </a:p>
+        </p:txBody>
+      </p:sp>
     </p:spTree>
     <p:extLst>
       <p:ext uri="{BB962C8B-B14F-4D97-AF65-F5344CB8AC3E}">
@@ -14920,15 +15069,6 @@
               </a:rPr>
               <a:t>Problem Characterization</a:t>
             </a:r>
-            <a:endParaRPr lang="en-US" sz="3200" b="1" dirty="0">
-              <a:solidFill>
-                <a:srgbClr val="3B8DCD"/>
-              </a:solidFill>
-              <a:latin typeface="Helvetica Neue" charset="0"/>
-              <a:ea typeface="Helvetica Neue" charset="0"/>
-              <a:cs typeface="Helvetica Neue" charset="0"/>
-              <a:sym typeface="Helvetica Neue" charset="0"/>
-            </a:endParaRPr>
           </a:p>
         </p:txBody>
       </p:sp>
@@ -15962,15 +16102,6 @@
               </a:rPr>
               <a:t>Problem Characterization</a:t>
             </a:r>
-            <a:endParaRPr lang="en-US" sz="3200" b="1" dirty="0">
-              <a:solidFill>
-                <a:srgbClr val="3B8DCD"/>
-              </a:solidFill>
-              <a:latin typeface="Helvetica Neue" charset="0"/>
-              <a:ea typeface="Helvetica Neue" charset="0"/>
-              <a:cs typeface="Helvetica Neue" charset="0"/>
-              <a:sym typeface="Helvetica Neue" charset="0"/>
-            </a:endParaRPr>
           </a:p>
         </p:txBody>
       </p:sp>
@@ -17098,15 +17229,6 @@
               </a:rPr>
               <a:t>Problem Characterization</a:t>
             </a:r>
-            <a:endParaRPr lang="en-US" sz="3200" b="1" dirty="0">
-              <a:solidFill>
-                <a:srgbClr val="3B8DCD"/>
-              </a:solidFill>
-              <a:latin typeface="Helvetica Neue" charset="0"/>
-              <a:ea typeface="Helvetica Neue" charset="0"/>
-              <a:cs typeface="Helvetica Neue" charset="0"/>
-              <a:sym typeface="Helvetica Neue" charset="0"/>
-            </a:endParaRPr>
           </a:p>
         </p:txBody>
       </p:sp>
@@ -17461,33 +17583,7 @@
                 <a:ea typeface="Helvetica Neue" charset="0"/>
                 <a:cs typeface="Helvetica Neue" charset="0"/>
               </a:rPr>
-              <a:t>Proportion </a:t>
-            </a:r>
-            <a:r>
-              <a:rPr lang="en-US" sz="2800" dirty="0">
-                <a:solidFill>
-                  <a:schemeClr val="bg1">
-                    <a:lumMod val="95000"/>
-                  </a:schemeClr>
-                </a:solidFill>
-                <a:latin typeface="Helvetica Neue" charset="0"/>
-                <a:ea typeface="Helvetica Neue" charset="0"/>
-                <a:cs typeface="Helvetica Neue" charset="0"/>
-              </a:rPr>
-              <a:t>of </a:t>
-            </a:r>
-            <a:r>
-              <a:rPr lang="en-US" sz="2800" dirty="0">
-                <a:solidFill>
-                  <a:schemeClr val="bg1">
-                    <a:lumMod val="95000"/>
-                  </a:schemeClr>
-                </a:solidFill>
-                <a:latin typeface="Helvetica Neue" charset="0"/>
-                <a:ea typeface="Helvetica Neue" charset="0"/>
-                <a:cs typeface="Helvetica Neue" charset="0"/>
-              </a:rPr>
-              <a:t>attributes with outliers</a:t>
+              <a:t>Proportion of attributes with outliers</a:t>
             </a:r>
           </a:p>
           <a:p>
@@ -18212,15 +18308,6 @@
               </a:rPr>
               <a:t>Problem Characterization</a:t>
             </a:r>
-            <a:endParaRPr lang="en-US" sz="3200" b="1" dirty="0">
-              <a:solidFill>
-                <a:srgbClr val="3B8DCD"/>
-              </a:solidFill>
-              <a:latin typeface="Helvetica Neue" charset="0"/>
-              <a:ea typeface="Helvetica Neue" charset="0"/>
-              <a:cs typeface="Helvetica Neue" charset="0"/>
-              <a:sym typeface="Helvetica Neue" charset="0"/>
-            </a:endParaRPr>
           </a:p>
         </p:txBody>
       </p:sp>
@@ -18602,14 +18689,6 @@
               </a:rPr>
               <a:t>noise.</a:t>
             </a:r>
-            <a:endParaRPr lang="en-US" sz="2200" dirty="0" smtClean="0">
-              <a:solidFill>
-                <a:srgbClr val="666666"/>
-              </a:solidFill>
-              <a:latin typeface="Helvetica Neue" charset="0"/>
-              <a:ea typeface="Helvetica Neue" charset="0"/>
-              <a:cs typeface="Helvetica Neue" charset="0"/>
-            </a:endParaRPr>
           </a:p>
           <a:p>
             <a:pPr marL="457200" indent="-457200">

--- a/SSIM-Intermediate.pptx
+++ b/SSIM-Intermediate.pptx
@@ -6671,6 +6671,178 @@
               </a:rPr>
               <a:t>Work Plan</a:t>
             </a:r>
+          </a:p>
+        </p:txBody>
+      </p:sp>
+      <p:sp>
+        <p:nvSpPr>
+          <p:cNvPr id="2" name="TextBox 1"/>
+          <p:cNvSpPr txBox="1"/>
+          <p:nvPr/>
+        </p:nvSpPr>
+        <p:spPr>
+          <a:xfrm>
+            <a:off x="385763" y="1772816"/>
+            <a:ext cx="8547605" cy="2708434"/>
+          </a:xfrm>
+          <a:prstGeom prst="rect">
+            <a:avLst/>
+          </a:prstGeom>
+          <a:noFill/>
+        </p:spPr>
+        <p:txBody>
+          <a:bodyPr wrap="square" rtlCol="0">
+            <a:spAutoFit/>
+          </a:bodyPr>
+          <a:lstStyle/>
+          <a:p>
+            <a:pPr marL="285750" indent="-285750">
+              <a:spcBef>
+                <a:spcPts val="600"/>
+              </a:spcBef>
+              <a:spcAft>
+                <a:spcPts val="600"/>
+              </a:spcAft>
+              <a:buFont typeface="Arial" pitchFamily="34" charset="0"/>
+              <a:buChar char="•"/>
+            </a:pPr>
+            <a:r>
+              <a:rPr lang="en-US" sz="2800" dirty="0">
+                <a:solidFill>
+                  <a:srgbClr val="666666"/>
+                </a:solidFill>
+                <a:latin typeface="Helvetica Neue" charset="0"/>
+                <a:ea typeface="Helvetica Neue" charset="0"/>
+                <a:cs typeface="Helvetica Neue" charset="0"/>
+              </a:rPr>
+              <a:t>The information from any transaction reaches </a:t>
+            </a:r>
+            <a:r>
+              <a:rPr lang="en-US" sz="2800" dirty="0" smtClean="0">
+                <a:solidFill>
+                  <a:srgbClr val="666666"/>
+                </a:solidFill>
+                <a:latin typeface="Helvetica Neue" charset="0"/>
+                <a:ea typeface="Helvetica Neue" charset="0"/>
+                <a:cs typeface="Helvetica Neue" charset="0"/>
+              </a:rPr>
+              <a:t>INE and the data is </a:t>
+            </a:r>
+            <a:r>
+              <a:rPr lang="en-US" sz="2800" dirty="0">
+                <a:solidFill>
+                  <a:srgbClr val="666666"/>
+                </a:solidFill>
+                <a:latin typeface="Helvetica Neue" charset="0"/>
+                <a:ea typeface="Helvetica Neue" charset="0"/>
+                <a:cs typeface="Helvetica Neue" charset="0"/>
+              </a:rPr>
+              <a:t>inserted and verified </a:t>
+            </a:r>
+            <a:r>
+              <a:rPr lang="en-US" sz="2800" dirty="0" smtClean="0">
+                <a:solidFill>
+                  <a:srgbClr val="666666"/>
+                </a:solidFill>
+                <a:latin typeface="Helvetica Neue" charset="0"/>
+                <a:ea typeface="Helvetica Neue" charset="0"/>
+                <a:cs typeface="Helvetica Neue" charset="0"/>
+              </a:rPr>
+              <a:t>manually</a:t>
+            </a:r>
+            <a:endParaRPr lang="en-US" sz="2800" dirty="0">
+              <a:solidFill>
+                <a:srgbClr val="666666"/>
+              </a:solidFill>
+              <a:latin typeface="Helvetica Neue" charset="0"/>
+              <a:ea typeface="Helvetica Neue" charset="0"/>
+              <a:cs typeface="Helvetica Neue" charset="0"/>
+            </a:endParaRPr>
+          </a:p>
+          <a:p>
+            <a:pPr marL="285750" indent="-285750">
+              <a:spcBef>
+                <a:spcPts val="600"/>
+              </a:spcBef>
+              <a:spcAft>
+                <a:spcPts val="600"/>
+              </a:spcAft>
+              <a:buFont typeface="Arial" pitchFamily="34" charset="0"/>
+              <a:buChar char="•"/>
+            </a:pPr>
+            <a:r>
+              <a:rPr lang="en-US" sz="2800" dirty="0" smtClean="0">
+                <a:solidFill>
+                  <a:srgbClr val="666666"/>
+                </a:solidFill>
+                <a:latin typeface="Helvetica Neue" charset="0"/>
+                <a:ea typeface="Helvetica Neue" charset="0"/>
+                <a:cs typeface="Helvetica Neue" charset="0"/>
+              </a:rPr>
+              <a:t>All </a:t>
+            </a:r>
+            <a:r>
+              <a:rPr lang="en-US" sz="2800" dirty="0">
+                <a:solidFill>
+                  <a:srgbClr val="666666"/>
+                </a:solidFill>
+                <a:latin typeface="Helvetica Neue" charset="0"/>
+                <a:ea typeface="Helvetica Neue" charset="0"/>
+                <a:cs typeface="Helvetica Neue" charset="0"/>
+              </a:rPr>
+              <a:t>manual processes lead to errors</a:t>
+            </a:r>
+          </a:p>
+          <a:p>
+            <a:pPr marL="285750" indent="-285750">
+              <a:spcBef>
+                <a:spcPts val="600"/>
+              </a:spcBef>
+              <a:spcAft>
+                <a:spcPts val="600"/>
+              </a:spcAft>
+              <a:buFont typeface="Arial" pitchFamily="34" charset="0"/>
+              <a:buChar char="•"/>
+            </a:pPr>
+            <a:endParaRPr lang="en-US" sz="2800" dirty="0">
+              <a:solidFill>
+                <a:srgbClr val="666666"/>
+              </a:solidFill>
+              <a:latin typeface="Helvetica Neue" charset="0"/>
+              <a:ea typeface="Helvetica Neue" charset="0"/>
+              <a:cs typeface="Helvetica Neue" charset="0"/>
+            </a:endParaRPr>
+          </a:p>
+          <a:p>
+            <a:pPr marL="285750" indent="-285750">
+              <a:spcBef>
+                <a:spcPts val="600"/>
+              </a:spcBef>
+              <a:spcAft>
+                <a:spcPts val="600"/>
+              </a:spcAft>
+              <a:buFont typeface="Arial" pitchFamily="34" charset="0"/>
+              <a:buChar char="•"/>
+            </a:pPr>
+            <a:r>
+              <a:rPr lang="en-US" sz="2800" dirty="0">
+                <a:solidFill>
+                  <a:srgbClr val="666666"/>
+                </a:solidFill>
+                <a:latin typeface="Helvetica Neue" charset="0"/>
+                <a:ea typeface="Helvetica Neue" charset="0"/>
+                <a:cs typeface="Helvetica Neue" charset="0"/>
+              </a:rPr>
+              <a:t>Automatically select a subset with almost all errors</a:t>
+            </a:r>
+            <a:endParaRPr lang="pt-PT" sz="2800" dirty="0">
+              <a:solidFill>
+                <a:srgbClr val="666666"/>
+              </a:solidFill>
+              <a:latin typeface="Helvetica Neue" charset="0"/>
+              <a:ea typeface="Helvetica Neue" charset="0"/>
+              <a:cs typeface="Helvetica Neue" charset="0"/>
+            </a:endParaRPr>
           </a:p>
         </p:txBody>
       </p:sp>
